--- a/CS572proposal.pptx
+++ b/CS572proposal.pptx
@@ -23,6 +23,7 @@
     <p:sldId id="266" r:id="rId16"/>
     <p:sldId id="267" r:id="rId17"/>
     <p:sldId id="268" r:id="rId18"/>
+    <p:sldId id="269" r:id="rId19"/>
   </p:sldIdLst>
   <p:sldSz cx="9144000" cy="6858000"/>
   <p:notesSz cx="9906000" cy="6794500"/>
@@ -198,7 +199,7 @@
           <a:bodyPr lIns="0" rIns="0" tIns="0" bIns="0" anchor="b"/>
           <a:p>
             <a:pPr algn="r"/>
-            <a:fld id="{8022A154-6061-4E43-B63D-5907EC29E7C0}" type="slidenum">
+            <a:fld id="{1BBCF572-2E65-42E2-BC6E-EA81EC856B96}" type="slidenum">
               <a:rPr lang="en-US" sz="1400">
                 <a:latin typeface="Times New Roman"/>
               </a:rPr>
@@ -244,43 +245,47 @@
         <p:spPr>
           <a:xfrm>
             <a:off x="990720" y="3269880"/>
-            <a:ext cx="7924320" cy="2674800"/>
-          </a:xfrm>
-          <a:prstGeom prst="rect">
-            <a:avLst/>
-          </a:prstGeom>
-        </p:spPr>
-        <p:txBody>
-          <a:bodyPr/>
-          <a:p>
-            <a:endParaRPr/>
-          </a:p>
-        </p:txBody>
-      </p:sp>
-      <p:sp>
-        <p:nvSpPr>
-          <p:cNvPr id="179" name="TextShape 2"/>
-          <p:cNvSpPr txBox="1"/>
+            <a:ext cx="7923960" cy="2674440"/>
+          </a:xfrm>
+          <a:prstGeom prst="rect">
+            <a:avLst/>
+          </a:prstGeom>
+        </p:spPr>
+        <p:txBody>
+          <a:bodyPr lIns="0" rIns="0" tIns="0" bIns="0"/>
+          <a:p>
+            <a:endParaRPr/>
+          </a:p>
+        </p:txBody>
+      </p:sp>
+      <p:sp>
+        <p:nvSpPr>
+          <p:cNvPr id="179" name="CustomShape 2"/>
+          <p:cNvSpPr/>
           <p:nvPr/>
         </p:nvSpPr>
         <p:spPr>
           <a:xfrm>
             <a:off x="5610960" y="6453720"/>
-            <a:ext cx="4292280" cy="340560"/>
-          </a:xfrm>
-          <a:prstGeom prst="rect">
-            <a:avLst/>
-          </a:prstGeom>
-        </p:spPr>
-        <p:txBody>
-          <a:bodyPr anchor="b"/>
+            <a:ext cx="4291920" cy="340200"/>
+          </a:xfrm>
+          <a:prstGeom prst="rect">
+            <a:avLst/>
+          </a:prstGeom>
+          <a:noFill/>
+          <a:ln>
+            <a:noFill/>
+          </a:ln>
+        </p:spPr>
+        <p:txBody>
+          <a:bodyPr lIns="90000" rIns="90000" tIns="45000" bIns="45000" anchor="b"/>
           <a:p>
             <a:pPr algn="r">
               <a:lnSpc>
                 <a:spcPct val="100000"/>
               </a:lnSpc>
             </a:pPr>
-            <a:fld id="{14AC8406-92E9-4387-8056-362E02C7F1B4}" type="slidenum">
+            <a:fld id="{09B45116-BBA9-4FE5-9DEA-2BF5BCB6919B}" type="slidenum">
               <a:rPr lang="en-US" sz="1200">
                 <a:solidFill>
                   <a:srgbClr val="000000"/>
@@ -318,7 +323,7 @@
       </p:grpSpPr>
       <p:sp>
         <p:nvSpPr>
-          <p:cNvPr id="196" name="PlaceHolder 1"/>
+          <p:cNvPr id="194" name="PlaceHolder 1"/>
           <p:cNvSpPr>
             <a:spLocks noGrp="1"/>
           </p:cNvSpPr>
@@ -329,14 +334,14 @@
         <p:spPr>
           <a:xfrm>
             <a:off x="990720" y="3269880"/>
-            <a:ext cx="7924320" cy="2674800"/>
-          </a:xfrm>
-          <a:prstGeom prst="rect">
-            <a:avLst/>
-          </a:prstGeom>
-        </p:spPr>
-        <p:txBody>
-          <a:bodyPr/>
+            <a:ext cx="7923960" cy="2674440"/>
+          </a:xfrm>
+          <a:prstGeom prst="rect">
+            <a:avLst/>
+          </a:prstGeom>
+        </p:spPr>
+        <p:txBody>
+          <a:bodyPr lIns="0" rIns="0" tIns="0" bIns="0"/>
           <a:p>
             <a:r>
               <a:rPr lang="en-US" sz="2000">
@@ -350,28 +355,32 @@
       </p:sp>
       <p:sp>
         <p:nvSpPr>
-          <p:cNvPr id="197" name="TextShape 2"/>
-          <p:cNvSpPr txBox="1"/>
+          <p:cNvPr id="195" name="CustomShape 2"/>
+          <p:cNvSpPr/>
           <p:nvPr/>
         </p:nvSpPr>
         <p:spPr>
           <a:xfrm>
             <a:off x="5610960" y="6453720"/>
-            <a:ext cx="4292280" cy="340560"/>
-          </a:xfrm>
-          <a:prstGeom prst="rect">
-            <a:avLst/>
-          </a:prstGeom>
-        </p:spPr>
-        <p:txBody>
-          <a:bodyPr anchor="b"/>
+            <a:ext cx="4291920" cy="340200"/>
+          </a:xfrm>
+          <a:prstGeom prst="rect">
+            <a:avLst/>
+          </a:prstGeom>
+          <a:noFill/>
+          <a:ln>
+            <a:noFill/>
+          </a:ln>
+        </p:spPr>
+        <p:txBody>
+          <a:bodyPr lIns="90000" rIns="90000" tIns="45000" bIns="45000" anchor="b"/>
           <a:p>
             <a:pPr algn="r">
               <a:lnSpc>
                 <a:spcPct val="100000"/>
               </a:lnSpc>
             </a:pPr>
-            <a:fld id="{AA99A1AB-6CAC-4285-B5A5-AA6A3B2C023A}" type="slidenum">
+            <a:fld id="{0CBBBF9D-98E0-46A9-B66F-74ED24C178E0}" type="slidenum">
               <a:rPr lang="en-US" sz="1200">
                 <a:solidFill>
                   <a:srgbClr val="000000"/>
@@ -390,7 +399,7 @@
 </p:notes>
 </file>
 
-<file path=ppt/notesSlides/notesSlide13.xml><?xml version="1.0" encoding="utf-8"?>
+<file path=ppt/notesSlides/notesSlide11.xml><?xml version="1.0" encoding="utf-8"?>
 <p:notes xmlns:a="http://schemas.openxmlformats.org/drawingml/2006/main" xmlns:p="http://schemas.openxmlformats.org/presentationml/2006/main" xmlns:r="http://schemas.openxmlformats.org/officeDocument/2006/relationships">
   <p:cSld>
     <p:spTree>
@@ -409,6 +418,101 @@
       </p:grpSpPr>
       <p:sp>
         <p:nvSpPr>
+          <p:cNvPr id="196" name="PlaceHolder 1"/>
+          <p:cNvSpPr>
+            <a:spLocks noGrp="1"/>
+          </p:cNvSpPr>
+          <p:nvPr>
+            <p:ph type="body"/>
+          </p:nvPr>
+        </p:nvSpPr>
+        <p:spPr>
+          <a:xfrm>
+            <a:off x="990720" y="3269880"/>
+            <a:ext cx="7923960" cy="2674440"/>
+          </a:xfrm>
+          <a:prstGeom prst="rect">
+            <a:avLst/>
+          </a:prstGeom>
+        </p:spPr>
+        <p:txBody>
+          <a:bodyPr lIns="0" rIns="0" tIns="0" bIns="0"/>
+          <a:p>
+            <a:r>
+              <a:rPr lang="en-US" sz="2000">
+                <a:latin typeface="Arial"/>
+              </a:rPr>
+              <a:t>State : continuous -&gt; discrete (0~499)</a:t>
+            </a:r>
+            <a:endParaRPr/>
+          </a:p>
+        </p:txBody>
+      </p:sp>
+      <p:sp>
+        <p:nvSpPr>
+          <p:cNvPr id="197" name="CustomShape 2"/>
+          <p:cNvSpPr/>
+          <p:nvPr/>
+        </p:nvSpPr>
+        <p:spPr>
+          <a:xfrm>
+            <a:off x="5610960" y="6453720"/>
+            <a:ext cx="4291920" cy="340200"/>
+          </a:xfrm>
+          <a:prstGeom prst="rect">
+            <a:avLst/>
+          </a:prstGeom>
+          <a:noFill/>
+          <a:ln>
+            <a:noFill/>
+          </a:ln>
+        </p:spPr>
+        <p:txBody>
+          <a:bodyPr lIns="90000" rIns="90000" tIns="45000" bIns="45000" anchor="b"/>
+          <a:p>
+            <a:pPr algn="r">
+              <a:lnSpc>
+                <a:spcPct val="100000"/>
+              </a:lnSpc>
+            </a:pPr>
+            <a:fld id="{807C8120-90F1-48F8-B6A4-07E0E0EF06FF}" type="slidenum">
+              <a:rPr lang="en-US" sz="1200">
+                <a:solidFill>
+                  <a:srgbClr val="000000"/>
+                </a:solidFill>
+                <a:latin typeface="+mn-lt"/>
+                <a:ea typeface="+mn-ea"/>
+              </a:rPr>
+              <a:t>&lt;number&gt;</a:t>
+            </a:fld>
+            <a:endParaRPr/>
+          </a:p>
+        </p:txBody>
+      </p:sp>
+    </p:spTree>
+  </p:cSld>
+</p:notes>
+</file>
+
+<file path=ppt/notesSlides/notesSlide14.xml><?xml version="1.0" encoding="utf-8"?>
+<p:notes xmlns:a="http://schemas.openxmlformats.org/drawingml/2006/main" xmlns:p="http://schemas.openxmlformats.org/presentationml/2006/main" xmlns:r="http://schemas.openxmlformats.org/officeDocument/2006/relationships">
+  <p:cSld>
+    <p:spTree>
+      <p:nvGrpSpPr>
+        <p:cNvPr id="1" name=""/>
+        <p:cNvGrpSpPr/>
+        <p:nvPr/>
+      </p:nvGrpSpPr>
+      <p:grpSpPr>
+        <a:xfrm>
+          <a:off x="0" y="0"/>
+          <a:ext cx="0" cy="0"/>
+          <a:chOff x="0" y="0"/>
+          <a:chExt cx="0" cy="0"/>
+        </a:xfrm>
+      </p:grpSpPr>
+      <p:sp>
+        <p:nvSpPr>
           <p:cNvPr id="198" name="PlaceHolder 1"/>
           <p:cNvSpPr>
             <a:spLocks noGrp="1"/>
@@ -420,14 +524,14 @@
         <p:spPr>
           <a:xfrm>
             <a:off x="990720" y="3269880"/>
-            <a:ext cx="7924320" cy="2674800"/>
-          </a:xfrm>
-          <a:prstGeom prst="rect">
-            <a:avLst/>
-          </a:prstGeom>
-        </p:spPr>
-        <p:txBody>
-          <a:bodyPr/>
+            <a:ext cx="7923960" cy="2674440"/>
+          </a:xfrm>
+          <a:prstGeom prst="rect">
+            <a:avLst/>
+          </a:prstGeom>
+        </p:spPr>
+        <p:txBody>
+          <a:bodyPr lIns="0" rIns="0" tIns="0" bIns="0"/>
           <a:p>
             <a:r>
               <a:rPr lang="en-US" sz="2000">
@@ -441,28 +545,32 @@
       </p:sp>
       <p:sp>
         <p:nvSpPr>
-          <p:cNvPr id="199" name="TextShape 2"/>
-          <p:cNvSpPr txBox="1"/>
+          <p:cNvPr id="199" name="CustomShape 2"/>
+          <p:cNvSpPr/>
           <p:nvPr/>
         </p:nvSpPr>
         <p:spPr>
           <a:xfrm>
             <a:off x="5610960" y="6453720"/>
-            <a:ext cx="4292280" cy="340560"/>
-          </a:xfrm>
-          <a:prstGeom prst="rect">
-            <a:avLst/>
-          </a:prstGeom>
-        </p:spPr>
-        <p:txBody>
-          <a:bodyPr anchor="b"/>
+            <a:ext cx="4291920" cy="340200"/>
+          </a:xfrm>
+          <a:prstGeom prst="rect">
+            <a:avLst/>
+          </a:prstGeom>
+          <a:noFill/>
+          <a:ln>
+            <a:noFill/>
+          </a:ln>
+        </p:spPr>
+        <p:txBody>
+          <a:bodyPr lIns="90000" rIns="90000" tIns="45000" bIns="45000" anchor="b"/>
           <a:p>
             <a:pPr algn="r">
               <a:lnSpc>
                 <a:spcPct val="100000"/>
               </a:lnSpc>
             </a:pPr>
-            <a:fld id="{D979DED5-4F40-41FE-A35C-B7A39C241880}" type="slidenum">
+            <a:fld id="{E00E7115-9FD7-4966-B1DA-B6550EC82E73}" type="slidenum">
               <a:rPr lang="en-US" sz="1200">
                 <a:solidFill>
                   <a:srgbClr val="000000"/>
@@ -511,43 +619,47 @@
         <p:spPr>
           <a:xfrm>
             <a:off x="990720" y="3269880"/>
-            <a:ext cx="7924320" cy="2674800"/>
-          </a:xfrm>
-          <a:prstGeom prst="rect">
-            <a:avLst/>
-          </a:prstGeom>
-        </p:spPr>
-        <p:txBody>
-          <a:bodyPr/>
-          <a:p>
-            <a:endParaRPr/>
-          </a:p>
-        </p:txBody>
-      </p:sp>
-      <p:sp>
-        <p:nvSpPr>
-          <p:cNvPr id="181" name="TextShape 2"/>
-          <p:cNvSpPr txBox="1"/>
+            <a:ext cx="7923960" cy="2674440"/>
+          </a:xfrm>
+          <a:prstGeom prst="rect">
+            <a:avLst/>
+          </a:prstGeom>
+        </p:spPr>
+        <p:txBody>
+          <a:bodyPr lIns="0" rIns="0" tIns="0" bIns="0"/>
+          <a:p>
+            <a:endParaRPr/>
+          </a:p>
+        </p:txBody>
+      </p:sp>
+      <p:sp>
+        <p:nvSpPr>
+          <p:cNvPr id="181" name="CustomShape 2"/>
+          <p:cNvSpPr/>
           <p:nvPr/>
         </p:nvSpPr>
         <p:spPr>
           <a:xfrm>
             <a:off x="5610960" y="6453720"/>
-            <a:ext cx="4292280" cy="340560"/>
-          </a:xfrm>
-          <a:prstGeom prst="rect">
-            <a:avLst/>
-          </a:prstGeom>
-        </p:spPr>
-        <p:txBody>
-          <a:bodyPr anchor="b"/>
+            <a:ext cx="4291920" cy="340200"/>
+          </a:xfrm>
+          <a:prstGeom prst="rect">
+            <a:avLst/>
+          </a:prstGeom>
+          <a:noFill/>
+          <a:ln>
+            <a:noFill/>
+          </a:ln>
+        </p:spPr>
+        <p:txBody>
+          <a:bodyPr lIns="90000" rIns="90000" tIns="45000" bIns="45000" anchor="b"/>
           <a:p>
             <a:pPr algn="r">
               <a:lnSpc>
                 <a:spcPct val="100000"/>
               </a:lnSpc>
             </a:pPr>
-            <a:fld id="{26FBA397-440E-46CC-AD74-E99E0DA83C83}" type="slidenum">
+            <a:fld id="{EB9688AC-ABE6-4421-916B-CC058F726C8C}" type="slidenum">
               <a:rPr lang="en-US" sz="1200">
                 <a:solidFill>
                   <a:srgbClr val="000000"/>
@@ -596,14 +708,14 @@
         <p:spPr>
           <a:xfrm>
             <a:off x="990720" y="3269880"/>
-            <a:ext cx="7924320" cy="2674800"/>
-          </a:xfrm>
-          <a:prstGeom prst="rect">
-            <a:avLst/>
-          </a:prstGeom>
-        </p:spPr>
-        <p:txBody>
-          <a:bodyPr/>
+            <a:ext cx="7923960" cy="2674440"/>
+          </a:xfrm>
+          <a:prstGeom prst="rect">
+            <a:avLst/>
+          </a:prstGeom>
+        </p:spPr>
+        <p:txBody>
+          <a:bodyPr lIns="0" rIns="0" tIns="0" bIns="0"/>
           <a:p>
             <a:r>
               <a:rPr lang="en-US" sz="2000">
@@ -617,28 +729,32 @@
       </p:sp>
       <p:sp>
         <p:nvSpPr>
-          <p:cNvPr id="183" name="TextShape 2"/>
-          <p:cNvSpPr txBox="1"/>
+          <p:cNvPr id="183" name="CustomShape 2"/>
+          <p:cNvSpPr/>
           <p:nvPr/>
         </p:nvSpPr>
         <p:spPr>
           <a:xfrm>
             <a:off x="5610960" y="6453720"/>
-            <a:ext cx="4292280" cy="340560"/>
-          </a:xfrm>
-          <a:prstGeom prst="rect">
-            <a:avLst/>
-          </a:prstGeom>
-        </p:spPr>
-        <p:txBody>
-          <a:bodyPr anchor="b"/>
+            <a:ext cx="4291920" cy="340200"/>
+          </a:xfrm>
+          <a:prstGeom prst="rect">
+            <a:avLst/>
+          </a:prstGeom>
+          <a:noFill/>
+          <a:ln>
+            <a:noFill/>
+          </a:ln>
+        </p:spPr>
+        <p:txBody>
+          <a:bodyPr lIns="90000" rIns="90000" tIns="45000" bIns="45000" anchor="b"/>
           <a:p>
             <a:pPr algn="r">
               <a:lnSpc>
                 <a:spcPct val="100000"/>
               </a:lnSpc>
             </a:pPr>
-            <a:fld id="{8DE4544D-4125-4B9C-8D9C-08534CD6460C}" type="slidenum">
+            <a:fld id="{EDF511DB-45B4-4E59-B56E-414529A2D0CA}" type="slidenum">
               <a:rPr lang="en-US" sz="1200">
                 <a:solidFill>
                   <a:srgbClr val="000000"/>
@@ -687,14 +803,14 @@
         <p:spPr>
           <a:xfrm>
             <a:off x="990720" y="3269880"/>
-            <a:ext cx="7924320" cy="2674800"/>
-          </a:xfrm>
-          <a:prstGeom prst="rect">
-            <a:avLst/>
-          </a:prstGeom>
-        </p:spPr>
-        <p:txBody>
-          <a:bodyPr/>
+            <a:ext cx="7923960" cy="2674440"/>
+          </a:xfrm>
+          <a:prstGeom prst="rect">
+            <a:avLst/>
+          </a:prstGeom>
+        </p:spPr>
+        <p:txBody>
+          <a:bodyPr lIns="0" rIns="0" tIns="0" bIns="0"/>
           <a:p>
             <a:r>
               <a:rPr lang="en-US" sz="2000">
@@ -708,119 +824,32 @@
       </p:sp>
       <p:sp>
         <p:nvSpPr>
-          <p:cNvPr id="185" name="TextShape 2"/>
-          <p:cNvSpPr txBox="1"/>
+          <p:cNvPr id="185" name="CustomShape 2"/>
+          <p:cNvSpPr/>
           <p:nvPr/>
         </p:nvSpPr>
         <p:spPr>
           <a:xfrm>
             <a:off x="5610960" y="6453720"/>
-            <a:ext cx="4292280" cy="340560"/>
-          </a:xfrm>
-          <a:prstGeom prst="rect">
-            <a:avLst/>
-          </a:prstGeom>
-        </p:spPr>
-        <p:txBody>
-          <a:bodyPr anchor="b"/>
+            <a:ext cx="4291920" cy="340200"/>
+          </a:xfrm>
+          <a:prstGeom prst="rect">
+            <a:avLst/>
+          </a:prstGeom>
+          <a:noFill/>
+          <a:ln>
+            <a:noFill/>
+          </a:ln>
+        </p:spPr>
+        <p:txBody>
+          <a:bodyPr lIns="90000" rIns="90000" tIns="45000" bIns="45000" anchor="b"/>
           <a:p>
             <a:pPr algn="r">
               <a:lnSpc>
                 <a:spcPct val="100000"/>
               </a:lnSpc>
             </a:pPr>
-            <a:fld id="{32D1F27E-9189-4E12-B836-51B834F0ED96}" type="slidenum">
-              <a:rPr lang="en-US" sz="1200">
-                <a:solidFill>
-                  <a:srgbClr val="000000"/>
-                </a:solidFill>
-                <a:latin typeface="+mn-lt"/>
-                <a:ea typeface="+mn-ea"/>
-              </a:rPr>
-              <a:t>&lt;number&gt;</a:t>
-            </a:fld>
-            <a:endParaRPr/>
-          </a:p>
-        </p:txBody>
-      </p:sp>
-    </p:spTree>
-  </p:cSld>
-</p:notes>
-</file>
-
-<file path=ppt/notesSlides/notesSlide5.xml><?xml version="1.0" encoding="utf-8"?>
-<p:notes xmlns:a="http://schemas.openxmlformats.org/drawingml/2006/main" xmlns:p="http://schemas.openxmlformats.org/presentationml/2006/main" xmlns:r="http://schemas.openxmlformats.org/officeDocument/2006/relationships">
-  <p:cSld>
-    <p:spTree>
-      <p:nvGrpSpPr>
-        <p:cNvPr id="1" name=""/>
-        <p:cNvGrpSpPr/>
-        <p:nvPr/>
-      </p:nvGrpSpPr>
-      <p:grpSpPr>
-        <a:xfrm>
-          <a:off x="0" y="0"/>
-          <a:ext cx="0" cy="0"/>
-          <a:chOff x="0" y="0"/>
-          <a:chExt cx="0" cy="0"/>
-        </a:xfrm>
-      </p:grpSpPr>
-      <p:sp>
-        <p:nvSpPr>
-          <p:cNvPr id="186" name="PlaceHolder 1"/>
-          <p:cNvSpPr>
-            <a:spLocks noGrp="1"/>
-          </p:cNvSpPr>
-          <p:nvPr>
-            <p:ph type="body"/>
-          </p:nvPr>
-        </p:nvSpPr>
-        <p:spPr>
-          <a:xfrm>
-            <a:off x="990720" y="3269880"/>
-            <a:ext cx="7924320" cy="2674800"/>
-          </a:xfrm>
-          <a:prstGeom prst="rect">
-            <a:avLst/>
-          </a:prstGeom>
-        </p:spPr>
-        <p:txBody>
-          <a:bodyPr/>
-          <a:p>
-            <a:r>
-              <a:rPr lang="en-US" sz="2000">
-                <a:latin typeface="Arial"/>
-              </a:rPr>
-              <a:t>State : continuous -&gt; discrete (0~499)</a:t>
-            </a:r>
-            <a:endParaRPr/>
-          </a:p>
-        </p:txBody>
-      </p:sp>
-      <p:sp>
-        <p:nvSpPr>
-          <p:cNvPr id="187" name="TextShape 2"/>
-          <p:cNvSpPr txBox="1"/>
-          <p:nvPr/>
-        </p:nvSpPr>
-        <p:spPr>
-          <a:xfrm>
-            <a:off x="5610960" y="6453720"/>
-            <a:ext cx="4292280" cy="340560"/>
-          </a:xfrm>
-          <a:prstGeom prst="rect">
-            <a:avLst/>
-          </a:prstGeom>
-        </p:spPr>
-        <p:txBody>
-          <a:bodyPr anchor="b"/>
-          <a:p>
-            <a:pPr algn="r">
-              <a:lnSpc>
-                <a:spcPct val="100000"/>
-              </a:lnSpc>
-            </a:pPr>
-            <a:fld id="{EF8FB586-1FFA-47F3-AA61-284346F5CF62}" type="slidenum">
+            <a:fld id="{E67AA597-E2A7-40A9-B424-0076D7A047EF}" type="slidenum">
               <a:rPr lang="en-US" sz="1200">
                 <a:solidFill>
                   <a:srgbClr val="000000"/>
@@ -858,7 +887,7 @@
       </p:grpSpPr>
       <p:sp>
         <p:nvSpPr>
-          <p:cNvPr id="188" name="PlaceHolder 1"/>
+          <p:cNvPr id="186" name="PlaceHolder 1"/>
           <p:cNvSpPr>
             <a:spLocks noGrp="1"/>
           </p:cNvSpPr>
@@ -869,14 +898,14 @@
         <p:spPr>
           <a:xfrm>
             <a:off x="990720" y="3269880"/>
-            <a:ext cx="7924320" cy="2674800"/>
-          </a:xfrm>
-          <a:prstGeom prst="rect">
-            <a:avLst/>
-          </a:prstGeom>
-        </p:spPr>
-        <p:txBody>
-          <a:bodyPr/>
+            <a:ext cx="7923960" cy="2674440"/>
+          </a:xfrm>
+          <a:prstGeom prst="rect">
+            <a:avLst/>
+          </a:prstGeom>
+        </p:spPr>
+        <p:txBody>
+          <a:bodyPr lIns="0" rIns="0" tIns="0" bIns="0"/>
           <a:p>
             <a:r>
               <a:rPr lang="en-US" sz="2000">
@@ -890,28 +919,32 @@
       </p:sp>
       <p:sp>
         <p:nvSpPr>
-          <p:cNvPr id="189" name="TextShape 2"/>
-          <p:cNvSpPr txBox="1"/>
+          <p:cNvPr id="187" name="CustomShape 2"/>
+          <p:cNvSpPr/>
           <p:nvPr/>
         </p:nvSpPr>
         <p:spPr>
           <a:xfrm>
             <a:off x="5610960" y="6453720"/>
-            <a:ext cx="4292280" cy="340560"/>
-          </a:xfrm>
-          <a:prstGeom prst="rect">
-            <a:avLst/>
-          </a:prstGeom>
-        </p:spPr>
-        <p:txBody>
-          <a:bodyPr anchor="b"/>
+            <a:ext cx="4291920" cy="340200"/>
+          </a:xfrm>
+          <a:prstGeom prst="rect">
+            <a:avLst/>
+          </a:prstGeom>
+          <a:noFill/>
+          <a:ln>
+            <a:noFill/>
+          </a:ln>
+        </p:spPr>
+        <p:txBody>
+          <a:bodyPr lIns="90000" rIns="90000" tIns="45000" bIns="45000" anchor="b"/>
           <a:p>
             <a:pPr algn="r">
               <a:lnSpc>
                 <a:spcPct val="100000"/>
               </a:lnSpc>
             </a:pPr>
-            <a:fld id="{6AD5C976-7960-4330-9FDD-9CDB0CA2C9AB}" type="slidenum">
+            <a:fld id="{CFBF6F78-0EC0-42FC-ABA5-F2D417B4F940}" type="slidenum">
               <a:rPr lang="en-US" sz="1200">
                 <a:solidFill>
                   <a:srgbClr val="000000"/>
@@ -949,7 +982,7 @@
       </p:grpSpPr>
       <p:sp>
         <p:nvSpPr>
-          <p:cNvPr id="190" name="PlaceHolder 1"/>
+          <p:cNvPr id="188" name="PlaceHolder 1"/>
           <p:cNvSpPr>
             <a:spLocks noGrp="1"/>
           </p:cNvSpPr>
@@ -960,14 +993,14 @@
         <p:spPr>
           <a:xfrm>
             <a:off x="990720" y="3269880"/>
-            <a:ext cx="7924320" cy="2674800"/>
-          </a:xfrm>
-          <a:prstGeom prst="rect">
-            <a:avLst/>
-          </a:prstGeom>
-        </p:spPr>
-        <p:txBody>
-          <a:bodyPr/>
+            <a:ext cx="7923960" cy="2674440"/>
+          </a:xfrm>
+          <a:prstGeom prst="rect">
+            <a:avLst/>
+          </a:prstGeom>
+        </p:spPr>
+        <p:txBody>
+          <a:bodyPr lIns="0" rIns="0" tIns="0" bIns="0"/>
           <a:p>
             <a:r>
               <a:rPr lang="en-US" sz="2000">
@@ -981,28 +1014,32 @@
       </p:sp>
       <p:sp>
         <p:nvSpPr>
-          <p:cNvPr id="191" name="TextShape 2"/>
-          <p:cNvSpPr txBox="1"/>
+          <p:cNvPr id="189" name="CustomShape 2"/>
+          <p:cNvSpPr/>
           <p:nvPr/>
         </p:nvSpPr>
         <p:spPr>
           <a:xfrm>
             <a:off x="5610960" y="6453720"/>
-            <a:ext cx="4292280" cy="340560"/>
-          </a:xfrm>
-          <a:prstGeom prst="rect">
-            <a:avLst/>
-          </a:prstGeom>
-        </p:spPr>
-        <p:txBody>
-          <a:bodyPr anchor="b"/>
+            <a:ext cx="4291920" cy="340200"/>
+          </a:xfrm>
+          <a:prstGeom prst="rect">
+            <a:avLst/>
+          </a:prstGeom>
+          <a:noFill/>
+          <a:ln>
+            <a:noFill/>
+          </a:ln>
+        </p:spPr>
+        <p:txBody>
+          <a:bodyPr lIns="90000" rIns="90000" tIns="45000" bIns="45000" anchor="b"/>
           <a:p>
             <a:pPr algn="r">
               <a:lnSpc>
                 <a:spcPct val="100000"/>
               </a:lnSpc>
             </a:pPr>
-            <a:fld id="{8EB99E09-57D9-4003-90FD-1B7DAC7413AC}" type="slidenum">
+            <a:fld id="{AACE316C-5A0F-4847-99D7-D6DF6D6A1030}" type="slidenum">
               <a:rPr lang="en-US" sz="1200">
                 <a:solidFill>
                   <a:srgbClr val="000000"/>
@@ -1040,7 +1077,7 @@
       </p:grpSpPr>
       <p:sp>
         <p:nvSpPr>
-          <p:cNvPr id="192" name="PlaceHolder 1"/>
+          <p:cNvPr id="190" name="PlaceHolder 1"/>
           <p:cNvSpPr>
             <a:spLocks noGrp="1"/>
           </p:cNvSpPr>
@@ -1051,14 +1088,14 @@
         <p:spPr>
           <a:xfrm>
             <a:off x="990720" y="3269880"/>
-            <a:ext cx="7924320" cy="2674800"/>
-          </a:xfrm>
-          <a:prstGeom prst="rect">
-            <a:avLst/>
-          </a:prstGeom>
-        </p:spPr>
-        <p:txBody>
-          <a:bodyPr/>
+            <a:ext cx="7923960" cy="2674440"/>
+          </a:xfrm>
+          <a:prstGeom prst="rect">
+            <a:avLst/>
+          </a:prstGeom>
+        </p:spPr>
+        <p:txBody>
+          <a:bodyPr lIns="0" rIns="0" tIns="0" bIns="0"/>
           <a:p>
             <a:r>
               <a:rPr lang="en-US" sz="2000">
@@ -1072,28 +1109,32 @@
       </p:sp>
       <p:sp>
         <p:nvSpPr>
-          <p:cNvPr id="193" name="TextShape 2"/>
-          <p:cNvSpPr txBox="1"/>
+          <p:cNvPr id="191" name="CustomShape 2"/>
+          <p:cNvSpPr/>
           <p:nvPr/>
         </p:nvSpPr>
         <p:spPr>
           <a:xfrm>
             <a:off x="5610960" y="6453720"/>
-            <a:ext cx="4292280" cy="340560"/>
-          </a:xfrm>
-          <a:prstGeom prst="rect">
-            <a:avLst/>
-          </a:prstGeom>
-        </p:spPr>
-        <p:txBody>
-          <a:bodyPr anchor="b"/>
+            <a:ext cx="4291920" cy="340200"/>
+          </a:xfrm>
+          <a:prstGeom prst="rect">
+            <a:avLst/>
+          </a:prstGeom>
+          <a:noFill/>
+          <a:ln>
+            <a:noFill/>
+          </a:ln>
+        </p:spPr>
+        <p:txBody>
+          <a:bodyPr lIns="90000" rIns="90000" tIns="45000" bIns="45000" anchor="b"/>
           <a:p>
             <a:pPr algn="r">
               <a:lnSpc>
                 <a:spcPct val="100000"/>
               </a:lnSpc>
             </a:pPr>
-            <a:fld id="{16F8DE39-5D52-4782-9CD2-42100F13734E}" type="slidenum">
+            <a:fld id="{0E284CCE-7B74-4194-9662-8F2CE5A61926}" type="slidenum">
               <a:rPr lang="en-US" sz="1200">
                 <a:solidFill>
                   <a:srgbClr val="000000"/>
@@ -1131,7 +1172,7 @@
       </p:grpSpPr>
       <p:sp>
         <p:nvSpPr>
-          <p:cNvPr id="194" name="PlaceHolder 1"/>
+          <p:cNvPr id="192" name="PlaceHolder 1"/>
           <p:cNvSpPr>
             <a:spLocks noGrp="1"/>
           </p:cNvSpPr>
@@ -1142,14 +1183,14 @@
         <p:spPr>
           <a:xfrm>
             <a:off x="990720" y="3269880"/>
-            <a:ext cx="7924320" cy="2674800"/>
-          </a:xfrm>
-          <a:prstGeom prst="rect">
-            <a:avLst/>
-          </a:prstGeom>
-        </p:spPr>
-        <p:txBody>
-          <a:bodyPr/>
+            <a:ext cx="7923960" cy="2674440"/>
+          </a:xfrm>
+          <a:prstGeom prst="rect">
+            <a:avLst/>
+          </a:prstGeom>
+        </p:spPr>
+        <p:txBody>
+          <a:bodyPr lIns="0" rIns="0" tIns="0" bIns="0"/>
           <a:p>
             <a:r>
               <a:rPr lang="en-US" sz="2000">
@@ -1163,28 +1204,32 @@
       </p:sp>
       <p:sp>
         <p:nvSpPr>
-          <p:cNvPr id="195" name="TextShape 2"/>
-          <p:cNvSpPr txBox="1"/>
+          <p:cNvPr id="193" name="CustomShape 2"/>
+          <p:cNvSpPr/>
           <p:nvPr/>
         </p:nvSpPr>
         <p:spPr>
           <a:xfrm>
             <a:off x="5610960" y="6453720"/>
-            <a:ext cx="4292280" cy="340560"/>
-          </a:xfrm>
-          <a:prstGeom prst="rect">
-            <a:avLst/>
-          </a:prstGeom>
-        </p:spPr>
-        <p:txBody>
-          <a:bodyPr anchor="b"/>
+            <a:ext cx="4291920" cy="340200"/>
+          </a:xfrm>
+          <a:prstGeom prst="rect">
+            <a:avLst/>
+          </a:prstGeom>
+          <a:noFill/>
+          <a:ln>
+            <a:noFill/>
+          </a:ln>
+        </p:spPr>
+        <p:txBody>
+          <a:bodyPr lIns="90000" rIns="90000" tIns="45000" bIns="45000" anchor="b"/>
           <a:p>
             <a:pPr algn="r">
               <a:lnSpc>
                 <a:spcPct val="100000"/>
               </a:lnSpc>
             </a:pPr>
-            <a:fld id="{008A5A5F-FB1E-45B4-9C21-25C51345F17B}" type="slidenum">
+            <a:fld id="{57F9C1AE-9E28-4DE8-B289-BFC5F8FEFDBB}" type="slidenum">
               <a:rPr lang="en-US" sz="1200">
                 <a:solidFill>
                   <a:srgbClr val="000000"/>
@@ -1254,8 +1299,8 @@
         </p:nvSpPr>
         <p:spPr>
           <a:xfrm>
-            <a:off x="235080" y="227520"/>
-            <a:ext cx="7953120" cy="456120"/>
+            <a:off x="457200" y="273600"/>
+            <a:ext cx="8229240" cy="1145160"/>
           </a:xfrm>
           <a:prstGeom prst="rect">
             <a:avLst/>
@@ -1264,6 +1309,7 @@
         <p:txBody>
           <a:bodyPr lIns="0" rIns="0" tIns="0" bIns="0" anchor="ctr"/>
           <a:p>
+            <a:pPr algn="ctr"/>
             <a:endParaRPr/>
           </a:p>
         </p:txBody>
@@ -1280,8 +1326,8 @@
         </p:nvSpPr>
         <p:spPr>
           <a:xfrm>
-            <a:off x="285840" y="1211400"/>
-            <a:ext cx="8600760" cy="2253240"/>
+            <a:off x="457200" y="1604520"/>
+            <a:ext cx="8229240" cy="1896840"/>
           </a:xfrm>
           <a:prstGeom prst="rect">
             <a:avLst/>
@@ -1306,8 +1352,8 @@
         </p:nvSpPr>
         <p:spPr>
           <a:xfrm>
-            <a:off x="285840" y="3679200"/>
-            <a:ext cx="8600760" cy="2253240"/>
+            <a:off x="457200" y="3682080"/>
+            <a:ext cx="8229240" cy="1896840"/>
           </a:xfrm>
           <a:prstGeom prst="rect">
             <a:avLst/>
@@ -1354,8 +1400,8 @@
         </p:nvSpPr>
         <p:spPr>
           <a:xfrm>
-            <a:off x="235080" y="227520"/>
-            <a:ext cx="7953120" cy="456120"/>
+            <a:off x="457200" y="273600"/>
+            <a:ext cx="8229240" cy="1145160"/>
           </a:xfrm>
           <a:prstGeom prst="rect">
             <a:avLst/>
@@ -1364,6 +1410,7 @@
         <p:txBody>
           <a:bodyPr lIns="0" rIns="0" tIns="0" bIns="0" anchor="ctr"/>
           <a:p>
+            <a:pPr algn="ctr"/>
             <a:endParaRPr/>
           </a:p>
         </p:txBody>
@@ -1380,8 +1427,8 @@
         </p:nvSpPr>
         <p:spPr>
           <a:xfrm>
-            <a:off x="285840" y="1211400"/>
-            <a:ext cx="4196880" cy="2253240"/>
+            <a:off x="457200" y="1604520"/>
+            <a:ext cx="4015800" cy="1896840"/>
           </a:xfrm>
           <a:prstGeom prst="rect">
             <a:avLst/>
@@ -1406,8 +1453,8 @@
         </p:nvSpPr>
         <p:spPr>
           <a:xfrm>
-            <a:off x="4692960" y="1211400"/>
-            <a:ext cx="4196880" cy="2253240"/>
+            <a:off x="4674240" y="1604520"/>
+            <a:ext cx="4015800" cy="1896840"/>
           </a:xfrm>
           <a:prstGeom prst="rect">
             <a:avLst/>
@@ -1432,8 +1479,8 @@
         </p:nvSpPr>
         <p:spPr>
           <a:xfrm>
-            <a:off x="4692960" y="3679200"/>
-            <a:ext cx="4196880" cy="2253240"/>
+            <a:off x="4674240" y="3682080"/>
+            <a:ext cx="4015800" cy="1896840"/>
           </a:xfrm>
           <a:prstGeom prst="rect">
             <a:avLst/>
@@ -1458,8 +1505,8 @@
         </p:nvSpPr>
         <p:spPr>
           <a:xfrm>
-            <a:off x="285840" y="3679200"/>
-            <a:ext cx="4196880" cy="2253240"/>
+            <a:off x="457200" y="3682080"/>
+            <a:ext cx="4015800" cy="1896840"/>
           </a:xfrm>
           <a:prstGeom prst="rect">
             <a:avLst/>
@@ -1506,8 +1553,8 @@
         </p:nvSpPr>
         <p:spPr>
           <a:xfrm>
-            <a:off x="235080" y="227520"/>
-            <a:ext cx="7953120" cy="456120"/>
+            <a:off x="457200" y="273600"/>
+            <a:ext cx="8229240" cy="1145160"/>
           </a:xfrm>
           <a:prstGeom prst="rect">
             <a:avLst/>
@@ -1516,6 +1563,7 @@
         <p:txBody>
           <a:bodyPr lIns="0" rIns="0" tIns="0" bIns="0" anchor="ctr"/>
           <a:p>
+            <a:pPr algn="ctr"/>
             <a:endParaRPr/>
           </a:p>
         </p:txBody>
@@ -1532,8 +1580,8 @@
         </p:nvSpPr>
         <p:spPr>
           <a:xfrm>
-            <a:off x="285840" y="1211400"/>
-            <a:ext cx="8600760" cy="4723920"/>
+            <a:off x="457200" y="1604520"/>
+            <a:ext cx="8229240" cy="3977280"/>
           </a:xfrm>
           <a:prstGeom prst="rect">
             <a:avLst/>
@@ -1558,8 +1606,8 @@
         </p:nvSpPr>
         <p:spPr>
           <a:xfrm>
-            <a:off x="285840" y="1211400"/>
-            <a:ext cx="8600760" cy="4723920"/>
+            <a:off x="457200" y="1604520"/>
+            <a:ext cx="8229240" cy="3977280"/>
           </a:xfrm>
           <a:prstGeom prst="rect">
             <a:avLst/>
@@ -1586,8 +1634,8 @@
         </p:blipFill>
         <p:spPr>
           <a:xfrm>
-            <a:off x="1625760" y="1211400"/>
-            <a:ext cx="5920560" cy="4723920"/>
+            <a:off x="2079000" y="1604520"/>
+            <a:ext cx="4984920" cy="3977280"/>
           </a:xfrm>
           <a:prstGeom prst="rect">
             <a:avLst/>
@@ -1611,8 +1659,8 @@
         </p:blipFill>
         <p:spPr>
           <a:xfrm>
-            <a:off x="1625760" y="1211400"/>
-            <a:ext cx="5920560" cy="4723920"/>
+            <a:off x="2079000" y="1604520"/>
+            <a:ext cx="4984920" cy="3977280"/>
           </a:xfrm>
           <a:prstGeom prst="rect">
             <a:avLst/>
@@ -1678,8 +1726,8 @@
         </p:nvSpPr>
         <p:spPr>
           <a:xfrm>
-            <a:off x="235080" y="227520"/>
-            <a:ext cx="7953120" cy="456120"/>
+            <a:off x="457200" y="273600"/>
+            <a:ext cx="8229240" cy="1145160"/>
           </a:xfrm>
           <a:prstGeom prst="rect">
             <a:avLst/>
@@ -1688,6 +1736,7 @@
         <p:txBody>
           <a:bodyPr lIns="0" rIns="0" tIns="0" bIns="0" anchor="ctr"/>
           <a:p>
+            <a:pPr algn="ctr"/>
             <a:endParaRPr/>
           </a:p>
         </p:txBody>
@@ -1704,8 +1753,8 @@
         </p:nvSpPr>
         <p:spPr>
           <a:xfrm>
-            <a:off x="285840" y="1211400"/>
-            <a:ext cx="8600760" cy="4724280"/>
+            <a:off x="457200" y="1604520"/>
+            <a:ext cx="8229240" cy="3977640"/>
           </a:xfrm>
           <a:prstGeom prst="rect">
             <a:avLst/>
@@ -1753,8 +1802,8 @@
         </p:nvSpPr>
         <p:spPr>
           <a:xfrm>
-            <a:off x="235080" y="227520"/>
-            <a:ext cx="7953120" cy="456120"/>
+            <a:off x="457200" y="273600"/>
+            <a:ext cx="8229240" cy="1145160"/>
           </a:xfrm>
           <a:prstGeom prst="rect">
             <a:avLst/>
@@ -1763,6 +1812,7 @@
         <p:txBody>
           <a:bodyPr lIns="0" rIns="0" tIns="0" bIns="0" anchor="ctr"/>
           <a:p>
+            <a:pPr algn="ctr"/>
             <a:endParaRPr/>
           </a:p>
         </p:txBody>
@@ -1779,8 +1829,8 @@
         </p:nvSpPr>
         <p:spPr>
           <a:xfrm>
-            <a:off x="285840" y="1211400"/>
-            <a:ext cx="8600760" cy="4723920"/>
+            <a:off x="457200" y="1604520"/>
+            <a:ext cx="8229240" cy="3977280"/>
           </a:xfrm>
           <a:prstGeom prst="rect">
             <a:avLst/>
@@ -1827,8 +1877,8 @@
         </p:nvSpPr>
         <p:spPr>
           <a:xfrm>
-            <a:off x="235080" y="227520"/>
-            <a:ext cx="7953120" cy="456120"/>
+            <a:off x="457200" y="273600"/>
+            <a:ext cx="8229240" cy="1145160"/>
           </a:xfrm>
           <a:prstGeom prst="rect">
             <a:avLst/>
@@ -1837,6 +1887,7 @@
         <p:txBody>
           <a:bodyPr lIns="0" rIns="0" tIns="0" bIns="0" anchor="ctr"/>
           <a:p>
+            <a:pPr algn="ctr"/>
             <a:endParaRPr/>
           </a:p>
         </p:txBody>
@@ -1853,8 +1904,8 @@
         </p:nvSpPr>
         <p:spPr>
           <a:xfrm>
-            <a:off x="285840" y="1211400"/>
-            <a:ext cx="4196880" cy="4723920"/>
+            <a:off x="457200" y="1604520"/>
+            <a:ext cx="4015800" cy="3977280"/>
           </a:xfrm>
           <a:prstGeom prst="rect">
             <a:avLst/>
@@ -1879,8 +1930,8 @@
         </p:nvSpPr>
         <p:spPr>
           <a:xfrm>
-            <a:off x="4692960" y="1211400"/>
-            <a:ext cx="4196880" cy="4723920"/>
+            <a:off x="4674240" y="1604520"/>
+            <a:ext cx="4015800" cy="3977280"/>
           </a:xfrm>
           <a:prstGeom prst="rect">
             <a:avLst/>
@@ -1927,8 +1978,8 @@
         </p:nvSpPr>
         <p:spPr>
           <a:xfrm>
-            <a:off x="235080" y="227520"/>
-            <a:ext cx="7953120" cy="456120"/>
+            <a:off x="457200" y="273600"/>
+            <a:ext cx="8229240" cy="1145160"/>
           </a:xfrm>
           <a:prstGeom prst="rect">
             <a:avLst/>
@@ -1937,6 +1988,7 @@
         <p:txBody>
           <a:bodyPr lIns="0" rIns="0" tIns="0" bIns="0" anchor="ctr"/>
           <a:p>
+            <a:pPr algn="ctr"/>
             <a:endParaRPr/>
           </a:p>
         </p:txBody>
@@ -1975,8 +2027,8 @@
         </p:nvSpPr>
         <p:spPr>
           <a:xfrm>
-            <a:off x="235080" y="227520"/>
-            <a:ext cx="7953120" cy="2114280"/>
+            <a:off x="457200" y="273600"/>
+            <a:ext cx="8229240" cy="5308200"/>
           </a:xfrm>
           <a:prstGeom prst="rect">
             <a:avLst/>
@@ -2024,8 +2076,8 @@
         </p:nvSpPr>
         <p:spPr>
           <a:xfrm>
-            <a:off x="235080" y="227520"/>
-            <a:ext cx="7953120" cy="456120"/>
+            <a:off x="457200" y="273600"/>
+            <a:ext cx="8229240" cy="1145160"/>
           </a:xfrm>
           <a:prstGeom prst="rect">
             <a:avLst/>
@@ -2034,6 +2086,7 @@
         <p:txBody>
           <a:bodyPr lIns="0" rIns="0" tIns="0" bIns="0" anchor="ctr"/>
           <a:p>
+            <a:pPr algn="ctr"/>
             <a:endParaRPr/>
           </a:p>
         </p:txBody>
@@ -2050,8 +2103,8 @@
         </p:nvSpPr>
         <p:spPr>
           <a:xfrm>
-            <a:off x="285840" y="1211400"/>
-            <a:ext cx="4196880" cy="2253240"/>
+            <a:off x="457200" y="1604520"/>
+            <a:ext cx="4015800" cy="1896840"/>
           </a:xfrm>
           <a:prstGeom prst="rect">
             <a:avLst/>
@@ -2076,8 +2129,8 @@
         </p:nvSpPr>
         <p:spPr>
           <a:xfrm>
-            <a:off x="285840" y="3679200"/>
-            <a:ext cx="4196880" cy="2253240"/>
+            <a:off x="457200" y="3682080"/>
+            <a:ext cx="4015800" cy="1896840"/>
           </a:xfrm>
           <a:prstGeom prst="rect">
             <a:avLst/>
@@ -2102,8 +2155,8 @@
         </p:nvSpPr>
         <p:spPr>
           <a:xfrm>
-            <a:off x="4692960" y="1211400"/>
-            <a:ext cx="4196880" cy="4723920"/>
+            <a:off x="4674240" y="1604520"/>
+            <a:ext cx="4015800" cy="3977280"/>
           </a:xfrm>
           <a:prstGeom prst="rect">
             <a:avLst/>
@@ -2150,8 +2203,8 @@
         </p:nvSpPr>
         <p:spPr>
           <a:xfrm>
-            <a:off x="235080" y="227520"/>
-            <a:ext cx="7953120" cy="456120"/>
+            <a:off x="457200" y="273600"/>
+            <a:ext cx="8229240" cy="1145160"/>
           </a:xfrm>
           <a:prstGeom prst="rect">
             <a:avLst/>
@@ -2160,6 +2213,7 @@
         <p:txBody>
           <a:bodyPr lIns="0" rIns="0" tIns="0" bIns="0" anchor="ctr"/>
           <a:p>
+            <a:pPr algn="ctr"/>
             <a:endParaRPr/>
           </a:p>
         </p:txBody>
@@ -2176,8 +2230,8 @@
         </p:nvSpPr>
         <p:spPr>
           <a:xfrm>
-            <a:off x="285840" y="1211400"/>
-            <a:ext cx="8600760" cy="4724280"/>
+            <a:off x="457200" y="1604520"/>
+            <a:ext cx="8229240" cy="3977640"/>
           </a:xfrm>
           <a:prstGeom prst="rect">
             <a:avLst/>
@@ -2225,8 +2279,8 @@
         </p:nvSpPr>
         <p:spPr>
           <a:xfrm>
-            <a:off x="235080" y="227520"/>
-            <a:ext cx="7953120" cy="456120"/>
+            <a:off x="457200" y="273600"/>
+            <a:ext cx="8229240" cy="1145160"/>
           </a:xfrm>
           <a:prstGeom prst="rect">
             <a:avLst/>
@@ -2235,6 +2289,7 @@
         <p:txBody>
           <a:bodyPr lIns="0" rIns="0" tIns="0" bIns="0" anchor="ctr"/>
           <a:p>
+            <a:pPr algn="ctr"/>
             <a:endParaRPr/>
           </a:p>
         </p:txBody>
@@ -2251,8 +2306,8 @@
         </p:nvSpPr>
         <p:spPr>
           <a:xfrm>
-            <a:off x="285840" y="1211400"/>
-            <a:ext cx="4196880" cy="4723920"/>
+            <a:off x="457200" y="1604520"/>
+            <a:ext cx="4015800" cy="3977280"/>
           </a:xfrm>
           <a:prstGeom prst="rect">
             <a:avLst/>
@@ -2277,8 +2332,8 @@
         </p:nvSpPr>
         <p:spPr>
           <a:xfrm>
-            <a:off x="4692960" y="1211400"/>
-            <a:ext cx="4196880" cy="2253240"/>
+            <a:off x="4674240" y="1604520"/>
+            <a:ext cx="4015800" cy="1896840"/>
           </a:xfrm>
           <a:prstGeom prst="rect">
             <a:avLst/>
@@ -2303,8 +2358,8 @@
         </p:nvSpPr>
         <p:spPr>
           <a:xfrm>
-            <a:off x="4692960" y="3679200"/>
-            <a:ext cx="4196880" cy="2253240"/>
+            <a:off x="4674240" y="3682080"/>
+            <a:ext cx="4015800" cy="1896840"/>
           </a:xfrm>
           <a:prstGeom prst="rect">
             <a:avLst/>
@@ -2351,8 +2406,8 @@
         </p:nvSpPr>
         <p:spPr>
           <a:xfrm>
-            <a:off x="235080" y="227520"/>
-            <a:ext cx="7953120" cy="456120"/>
+            <a:off x="457200" y="273600"/>
+            <a:ext cx="8229240" cy="1145160"/>
           </a:xfrm>
           <a:prstGeom prst="rect">
             <a:avLst/>
@@ -2361,6 +2416,7 @@
         <p:txBody>
           <a:bodyPr lIns="0" rIns="0" tIns="0" bIns="0" anchor="ctr"/>
           <a:p>
+            <a:pPr algn="ctr"/>
             <a:endParaRPr/>
           </a:p>
         </p:txBody>
@@ -2377,8 +2433,8 @@
         </p:nvSpPr>
         <p:spPr>
           <a:xfrm>
-            <a:off x="285840" y="1211400"/>
-            <a:ext cx="4196880" cy="2253240"/>
+            <a:off x="457200" y="1604520"/>
+            <a:ext cx="4015800" cy="1896840"/>
           </a:xfrm>
           <a:prstGeom prst="rect">
             <a:avLst/>
@@ -2403,8 +2459,8 @@
         </p:nvSpPr>
         <p:spPr>
           <a:xfrm>
-            <a:off x="4692960" y="1211400"/>
-            <a:ext cx="4196880" cy="2253240"/>
+            <a:off x="4674240" y="1604520"/>
+            <a:ext cx="4015800" cy="1896840"/>
           </a:xfrm>
           <a:prstGeom prst="rect">
             <a:avLst/>
@@ -2429,8 +2485,8 @@
         </p:nvSpPr>
         <p:spPr>
           <a:xfrm>
-            <a:off x="285840" y="3679200"/>
-            <a:ext cx="8600760" cy="2253240"/>
+            <a:off x="457200" y="3682080"/>
+            <a:ext cx="8229240" cy="1896840"/>
           </a:xfrm>
           <a:prstGeom prst="rect">
             <a:avLst/>
@@ -2477,8 +2533,8 @@
         </p:nvSpPr>
         <p:spPr>
           <a:xfrm>
-            <a:off x="235080" y="227520"/>
-            <a:ext cx="7953120" cy="456120"/>
+            <a:off x="457200" y="273600"/>
+            <a:ext cx="8229240" cy="1145160"/>
           </a:xfrm>
           <a:prstGeom prst="rect">
             <a:avLst/>
@@ -2487,6 +2543,7 @@
         <p:txBody>
           <a:bodyPr lIns="0" rIns="0" tIns="0" bIns="0" anchor="ctr"/>
           <a:p>
+            <a:pPr algn="ctr"/>
             <a:endParaRPr/>
           </a:p>
         </p:txBody>
@@ -2503,8 +2560,8 @@
         </p:nvSpPr>
         <p:spPr>
           <a:xfrm>
-            <a:off x="285840" y="1211400"/>
-            <a:ext cx="8600760" cy="2253240"/>
+            <a:off x="457200" y="1604520"/>
+            <a:ext cx="8229240" cy="1896840"/>
           </a:xfrm>
           <a:prstGeom prst="rect">
             <a:avLst/>
@@ -2529,8 +2586,8 @@
         </p:nvSpPr>
         <p:spPr>
           <a:xfrm>
-            <a:off x="285840" y="3679200"/>
-            <a:ext cx="8600760" cy="2253240"/>
+            <a:off x="457200" y="3682080"/>
+            <a:ext cx="8229240" cy="1896840"/>
           </a:xfrm>
           <a:prstGeom prst="rect">
             <a:avLst/>
@@ -2577,8 +2634,8 @@
         </p:nvSpPr>
         <p:spPr>
           <a:xfrm>
-            <a:off x="235080" y="227520"/>
-            <a:ext cx="7953120" cy="456120"/>
+            <a:off x="457200" y="273600"/>
+            <a:ext cx="8229240" cy="1145160"/>
           </a:xfrm>
           <a:prstGeom prst="rect">
             <a:avLst/>
@@ -2587,6 +2644,7 @@
         <p:txBody>
           <a:bodyPr lIns="0" rIns="0" tIns="0" bIns="0" anchor="ctr"/>
           <a:p>
+            <a:pPr algn="ctr"/>
             <a:endParaRPr/>
           </a:p>
         </p:txBody>
@@ -2603,8 +2661,8 @@
         </p:nvSpPr>
         <p:spPr>
           <a:xfrm>
-            <a:off x="285840" y="1211400"/>
-            <a:ext cx="4196880" cy="2253240"/>
+            <a:off x="457200" y="1604520"/>
+            <a:ext cx="4015800" cy="1896840"/>
           </a:xfrm>
           <a:prstGeom prst="rect">
             <a:avLst/>
@@ -2629,8 +2687,8 @@
         </p:nvSpPr>
         <p:spPr>
           <a:xfrm>
-            <a:off x="4692960" y="1211400"/>
-            <a:ext cx="4196880" cy="2253240"/>
+            <a:off x="4674240" y="1604520"/>
+            <a:ext cx="4015800" cy="1896840"/>
           </a:xfrm>
           <a:prstGeom prst="rect">
             <a:avLst/>
@@ -2655,8 +2713,8 @@
         </p:nvSpPr>
         <p:spPr>
           <a:xfrm>
-            <a:off x="4692960" y="3679200"/>
-            <a:ext cx="4196880" cy="2253240"/>
+            <a:off x="4674240" y="3682080"/>
+            <a:ext cx="4015800" cy="1896840"/>
           </a:xfrm>
           <a:prstGeom prst="rect">
             <a:avLst/>
@@ -2681,8 +2739,8 @@
         </p:nvSpPr>
         <p:spPr>
           <a:xfrm>
-            <a:off x="285840" y="3679200"/>
-            <a:ext cx="4196880" cy="2253240"/>
+            <a:off x="457200" y="3682080"/>
+            <a:ext cx="4015800" cy="1896840"/>
           </a:xfrm>
           <a:prstGeom prst="rect">
             <a:avLst/>
@@ -2729,8 +2787,8 @@
         </p:nvSpPr>
         <p:spPr>
           <a:xfrm>
-            <a:off x="235080" y="227520"/>
-            <a:ext cx="7953120" cy="456120"/>
+            <a:off x="457200" y="273600"/>
+            <a:ext cx="8229240" cy="1145160"/>
           </a:xfrm>
           <a:prstGeom prst="rect">
             <a:avLst/>
@@ -2739,6 +2797,7 @@
         <p:txBody>
           <a:bodyPr lIns="0" rIns="0" tIns="0" bIns="0" anchor="ctr"/>
           <a:p>
+            <a:pPr algn="ctr"/>
             <a:endParaRPr/>
           </a:p>
         </p:txBody>
@@ -2755,8 +2814,8 @@
         </p:nvSpPr>
         <p:spPr>
           <a:xfrm>
-            <a:off x="285840" y="1211400"/>
-            <a:ext cx="8600760" cy="4723920"/>
+            <a:off x="457200" y="1604520"/>
+            <a:ext cx="8229240" cy="3977280"/>
           </a:xfrm>
           <a:prstGeom prst="rect">
             <a:avLst/>
@@ -2781,8 +2840,8 @@
         </p:nvSpPr>
         <p:spPr>
           <a:xfrm>
-            <a:off x="285840" y="1211400"/>
-            <a:ext cx="8600760" cy="4723920"/>
+            <a:off x="457200" y="1604520"/>
+            <a:ext cx="8229240" cy="3977280"/>
           </a:xfrm>
           <a:prstGeom prst="rect">
             <a:avLst/>
@@ -2809,8 +2868,8 @@
         </p:blipFill>
         <p:spPr>
           <a:xfrm>
-            <a:off x="1625760" y="1211400"/>
-            <a:ext cx="5920560" cy="4723920"/>
+            <a:off x="2079000" y="1604520"/>
+            <a:ext cx="4984920" cy="3977280"/>
           </a:xfrm>
           <a:prstGeom prst="rect">
             <a:avLst/>
@@ -2834,8 +2893,8 @@
         </p:blipFill>
         <p:spPr>
           <a:xfrm>
-            <a:off x="1625760" y="1211400"/>
-            <a:ext cx="5920560" cy="4723920"/>
+            <a:off x="2079000" y="1604520"/>
+            <a:ext cx="4984920" cy="3977280"/>
           </a:xfrm>
           <a:prstGeom prst="rect">
             <a:avLst/>
@@ -2901,8 +2960,8 @@
         </p:nvSpPr>
         <p:spPr>
           <a:xfrm>
-            <a:off x="235080" y="227520"/>
-            <a:ext cx="7953120" cy="456120"/>
+            <a:off x="457200" y="273600"/>
+            <a:ext cx="8229240" cy="1145160"/>
           </a:xfrm>
           <a:prstGeom prst="rect">
             <a:avLst/>
@@ -2911,6 +2970,7 @@
         <p:txBody>
           <a:bodyPr lIns="0" rIns="0" tIns="0" bIns="0" anchor="ctr"/>
           <a:p>
+            <a:pPr algn="ctr"/>
             <a:endParaRPr/>
           </a:p>
         </p:txBody>
@@ -2927,8 +2987,8 @@
         </p:nvSpPr>
         <p:spPr>
           <a:xfrm>
-            <a:off x="285840" y="1211400"/>
-            <a:ext cx="8600760" cy="4724280"/>
+            <a:off x="457200" y="1604520"/>
+            <a:ext cx="8229240" cy="3977640"/>
           </a:xfrm>
           <a:prstGeom prst="rect">
             <a:avLst/>
@@ -2976,8 +3036,8 @@
         </p:nvSpPr>
         <p:spPr>
           <a:xfrm>
-            <a:off x="235080" y="227520"/>
-            <a:ext cx="7953120" cy="456120"/>
+            <a:off x="457200" y="273600"/>
+            <a:ext cx="8229240" cy="1145160"/>
           </a:xfrm>
           <a:prstGeom prst="rect">
             <a:avLst/>
@@ -2986,6 +3046,7 @@
         <p:txBody>
           <a:bodyPr lIns="0" rIns="0" tIns="0" bIns="0" anchor="ctr"/>
           <a:p>
+            <a:pPr algn="ctr"/>
             <a:endParaRPr/>
           </a:p>
         </p:txBody>
@@ -3002,8 +3063,8 @@
         </p:nvSpPr>
         <p:spPr>
           <a:xfrm>
-            <a:off x="285840" y="1211400"/>
-            <a:ext cx="8600760" cy="4723920"/>
+            <a:off x="457200" y="1604520"/>
+            <a:ext cx="8229240" cy="3977280"/>
           </a:xfrm>
           <a:prstGeom prst="rect">
             <a:avLst/>
@@ -3050,8 +3111,8 @@
         </p:nvSpPr>
         <p:spPr>
           <a:xfrm>
-            <a:off x="235080" y="227520"/>
-            <a:ext cx="7953120" cy="456120"/>
+            <a:off x="457200" y="273600"/>
+            <a:ext cx="8229240" cy="1145160"/>
           </a:xfrm>
           <a:prstGeom prst="rect">
             <a:avLst/>
@@ -3060,6 +3121,7 @@
         <p:txBody>
           <a:bodyPr lIns="0" rIns="0" tIns="0" bIns="0" anchor="ctr"/>
           <a:p>
+            <a:pPr algn="ctr"/>
             <a:endParaRPr/>
           </a:p>
         </p:txBody>
@@ -3076,8 +3138,8 @@
         </p:nvSpPr>
         <p:spPr>
           <a:xfrm>
-            <a:off x="285840" y="1211400"/>
-            <a:ext cx="4196880" cy="4723920"/>
+            <a:off x="457200" y="1604520"/>
+            <a:ext cx="4015800" cy="3977280"/>
           </a:xfrm>
           <a:prstGeom prst="rect">
             <a:avLst/>
@@ -3102,8 +3164,8 @@
         </p:nvSpPr>
         <p:spPr>
           <a:xfrm>
-            <a:off x="4692960" y="1211400"/>
-            <a:ext cx="4196880" cy="4723920"/>
+            <a:off x="4674240" y="1604520"/>
+            <a:ext cx="4015800" cy="3977280"/>
           </a:xfrm>
           <a:prstGeom prst="rect">
             <a:avLst/>
@@ -3150,8 +3212,8 @@
         </p:nvSpPr>
         <p:spPr>
           <a:xfrm>
-            <a:off x="235080" y="227520"/>
-            <a:ext cx="7953120" cy="456120"/>
+            <a:off x="457200" y="273600"/>
+            <a:ext cx="8229240" cy="1145160"/>
           </a:xfrm>
           <a:prstGeom prst="rect">
             <a:avLst/>
@@ -3160,6 +3222,7 @@
         <p:txBody>
           <a:bodyPr lIns="0" rIns="0" tIns="0" bIns="0" anchor="ctr"/>
           <a:p>
+            <a:pPr algn="ctr"/>
             <a:endParaRPr/>
           </a:p>
         </p:txBody>
@@ -3198,8 +3261,8 @@
         </p:nvSpPr>
         <p:spPr>
           <a:xfrm>
-            <a:off x="235080" y="227520"/>
-            <a:ext cx="7953120" cy="456120"/>
+            <a:off x="457200" y="273600"/>
+            <a:ext cx="8229240" cy="1145160"/>
           </a:xfrm>
           <a:prstGeom prst="rect">
             <a:avLst/>
@@ -3208,6 +3271,7 @@
         <p:txBody>
           <a:bodyPr lIns="0" rIns="0" tIns="0" bIns="0" anchor="ctr"/>
           <a:p>
+            <a:pPr algn="ctr"/>
             <a:endParaRPr/>
           </a:p>
         </p:txBody>
@@ -3224,8 +3288,8 @@
         </p:nvSpPr>
         <p:spPr>
           <a:xfrm>
-            <a:off x="285840" y="1211400"/>
-            <a:ext cx="8600760" cy="4723920"/>
+            <a:off x="457200" y="1604520"/>
+            <a:ext cx="8229240" cy="3977280"/>
           </a:xfrm>
           <a:prstGeom prst="rect">
             <a:avLst/>
@@ -3272,8 +3336,8 @@
         </p:nvSpPr>
         <p:spPr>
           <a:xfrm>
-            <a:off x="235080" y="227520"/>
-            <a:ext cx="7953120" cy="2114280"/>
+            <a:off x="457200" y="273600"/>
+            <a:ext cx="8229240" cy="5308200"/>
           </a:xfrm>
           <a:prstGeom prst="rect">
             <a:avLst/>
@@ -3321,8 +3385,8 @@
         </p:nvSpPr>
         <p:spPr>
           <a:xfrm>
-            <a:off x="235080" y="227520"/>
-            <a:ext cx="7953120" cy="456120"/>
+            <a:off x="457200" y="273600"/>
+            <a:ext cx="8229240" cy="1145160"/>
           </a:xfrm>
           <a:prstGeom prst="rect">
             <a:avLst/>
@@ -3331,6 +3395,7 @@
         <p:txBody>
           <a:bodyPr lIns="0" rIns="0" tIns="0" bIns="0" anchor="ctr"/>
           <a:p>
+            <a:pPr algn="ctr"/>
             <a:endParaRPr/>
           </a:p>
         </p:txBody>
@@ -3347,8 +3412,8 @@
         </p:nvSpPr>
         <p:spPr>
           <a:xfrm>
-            <a:off x="285840" y="1211400"/>
-            <a:ext cx="4196880" cy="2253240"/>
+            <a:off x="457200" y="1604520"/>
+            <a:ext cx="4015800" cy="1896840"/>
           </a:xfrm>
           <a:prstGeom prst="rect">
             <a:avLst/>
@@ -3373,8 +3438,8 @@
         </p:nvSpPr>
         <p:spPr>
           <a:xfrm>
-            <a:off x="285840" y="3679200"/>
-            <a:ext cx="4196880" cy="2253240"/>
+            <a:off x="457200" y="3682080"/>
+            <a:ext cx="4015800" cy="1896840"/>
           </a:xfrm>
           <a:prstGeom prst="rect">
             <a:avLst/>
@@ -3399,8 +3464,8 @@
         </p:nvSpPr>
         <p:spPr>
           <a:xfrm>
-            <a:off x="4692960" y="1211400"/>
-            <a:ext cx="4196880" cy="4723920"/>
+            <a:off x="4674240" y="1604520"/>
+            <a:ext cx="4015800" cy="3977280"/>
           </a:xfrm>
           <a:prstGeom prst="rect">
             <a:avLst/>
@@ -3447,8 +3512,8 @@
         </p:nvSpPr>
         <p:spPr>
           <a:xfrm>
-            <a:off x="235080" y="227520"/>
-            <a:ext cx="7953120" cy="456120"/>
+            <a:off x="457200" y="273600"/>
+            <a:ext cx="8229240" cy="1145160"/>
           </a:xfrm>
           <a:prstGeom prst="rect">
             <a:avLst/>
@@ -3457,6 +3522,7 @@
         <p:txBody>
           <a:bodyPr lIns="0" rIns="0" tIns="0" bIns="0" anchor="ctr"/>
           <a:p>
+            <a:pPr algn="ctr"/>
             <a:endParaRPr/>
           </a:p>
         </p:txBody>
@@ -3473,8 +3539,8 @@
         </p:nvSpPr>
         <p:spPr>
           <a:xfrm>
-            <a:off x="285840" y="1211400"/>
-            <a:ext cx="4196880" cy="4723920"/>
+            <a:off x="457200" y="1604520"/>
+            <a:ext cx="4015800" cy="3977280"/>
           </a:xfrm>
           <a:prstGeom prst="rect">
             <a:avLst/>
@@ -3499,8 +3565,8 @@
         </p:nvSpPr>
         <p:spPr>
           <a:xfrm>
-            <a:off x="4692960" y="1211400"/>
-            <a:ext cx="4196880" cy="2253240"/>
+            <a:off x="4674240" y="1604520"/>
+            <a:ext cx="4015800" cy="1896840"/>
           </a:xfrm>
           <a:prstGeom prst="rect">
             <a:avLst/>
@@ -3525,8 +3591,8 @@
         </p:nvSpPr>
         <p:spPr>
           <a:xfrm>
-            <a:off x="4692960" y="3679200"/>
-            <a:ext cx="4196880" cy="2253240"/>
+            <a:off x="4674240" y="3682080"/>
+            <a:ext cx="4015800" cy="1896840"/>
           </a:xfrm>
           <a:prstGeom prst="rect">
             <a:avLst/>
@@ -3573,8 +3639,8 @@
         </p:nvSpPr>
         <p:spPr>
           <a:xfrm>
-            <a:off x="235080" y="227520"/>
-            <a:ext cx="7953120" cy="456120"/>
+            <a:off x="457200" y="273600"/>
+            <a:ext cx="8229240" cy="1145160"/>
           </a:xfrm>
           <a:prstGeom prst="rect">
             <a:avLst/>
@@ -3583,6 +3649,7 @@
         <p:txBody>
           <a:bodyPr lIns="0" rIns="0" tIns="0" bIns="0" anchor="ctr"/>
           <a:p>
+            <a:pPr algn="ctr"/>
             <a:endParaRPr/>
           </a:p>
         </p:txBody>
@@ -3599,8 +3666,8 @@
         </p:nvSpPr>
         <p:spPr>
           <a:xfrm>
-            <a:off x="285840" y="1211400"/>
-            <a:ext cx="4196880" cy="2253240"/>
+            <a:off x="457200" y="1604520"/>
+            <a:ext cx="4015800" cy="1896840"/>
           </a:xfrm>
           <a:prstGeom prst="rect">
             <a:avLst/>
@@ -3625,8 +3692,8 @@
         </p:nvSpPr>
         <p:spPr>
           <a:xfrm>
-            <a:off x="4692960" y="1211400"/>
-            <a:ext cx="4196880" cy="2253240"/>
+            <a:off x="4674240" y="1604520"/>
+            <a:ext cx="4015800" cy="1896840"/>
           </a:xfrm>
           <a:prstGeom prst="rect">
             <a:avLst/>
@@ -3651,8 +3718,8 @@
         </p:nvSpPr>
         <p:spPr>
           <a:xfrm>
-            <a:off x="285840" y="3679200"/>
-            <a:ext cx="8600760" cy="2253240"/>
+            <a:off x="457200" y="3682080"/>
+            <a:ext cx="8229240" cy="1896840"/>
           </a:xfrm>
           <a:prstGeom prst="rect">
             <a:avLst/>
@@ -3699,8 +3766,8 @@
         </p:nvSpPr>
         <p:spPr>
           <a:xfrm>
-            <a:off x="235080" y="227520"/>
-            <a:ext cx="7953120" cy="456120"/>
+            <a:off x="457200" y="273600"/>
+            <a:ext cx="8229240" cy="1145160"/>
           </a:xfrm>
           <a:prstGeom prst="rect">
             <a:avLst/>
@@ -3709,6 +3776,7 @@
         <p:txBody>
           <a:bodyPr lIns="0" rIns="0" tIns="0" bIns="0" anchor="ctr"/>
           <a:p>
+            <a:pPr algn="ctr"/>
             <a:endParaRPr/>
           </a:p>
         </p:txBody>
@@ -3725,8 +3793,8 @@
         </p:nvSpPr>
         <p:spPr>
           <a:xfrm>
-            <a:off x="285840" y="1211400"/>
-            <a:ext cx="8600760" cy="2253240"/>
+            <a:off x="457200" y="1604520"/>
+            <a:ext cx="8229240" cy="1896840"/>
           </a:xfrm>
           <a:prstGeom prst="rect">
             <a:avLst/>
@@ -3751,8 +3819,8 @@
         </p:nvSpPr>
         <p:spPr>
           <a:xfrm>
-            <a:off x="285840" y="3679200"/>
-            <a:ext cx="8600760" cy="2253240"/>
+            <a:off x="457200" y="3682080"/>
+            <a:ext cx="8229240" cy="1896840"/>
           </a:xfrm>
           <a:prstGeom prst="rect">
             <a:avLst/>
@@ -3799,8 +3867,8 @@
         </p:nvSpPr>
         <p:spPr>
           <a:xfrm>
-            <a:off x="235080" y="227520"/>
-            <a:ext cx="7953120" cy="456120"/>
+            <a:off x="457200" y="273600"/>
+            <a:ext cx="8229240" cy="1145160"/>
           </a:xfrm>
           <a:prstGeom prst="rect">
             <a:avLst/>
@@ -3809,6 +3877,7 @@
         <p:txBody>
           <a:bodyPr lIns="0" rIns="0" tIns="0" bIns="0" anchor="ctr"/>
           <a:p>
+            <a:pPr algn="ctr"/>
             <a:endParaRPr/>
           </a:p>
         </p:txBody>
@@ -3825,8 +3894,8 @@
         </p:nvSpPr>
         <p:spPr>
           <a:xfrm>
-            <a:off x="285840" y="1211400"/>
-            <a:ext cx="4196880" cy="2253240"/>
+            <a:off x="457200" y="1604520"/>
+            <a:ext cx="4015800" cy="1896840"/>
           </a:xfrm>
           <a:prstGeom prst="rect">
             <a:avLst/>
@@ -3851,8 +3920,8 @@
         </p:nvSpPr>
         <p:spPr>
           <a:xfrm>
-            <a:off x="4692960" y="1211400"/>
-            <a:ext cx="4196880" cy="2253240"/>
+            <a:off x="4674240" y="1604520"/>
+            <a:ext cx="4015800" cy="1896840"/>
           </a:xfrm>
           <a:prstGeom prst="rect">
             <a:avLst/>
@@ -3877,8 +3946,8 @@
         </p:nvSpPr>
         <p:spPr>
           <a:xfrm>
-            <a:off x="4692960" y="3679200"/>
-            <a:ext cx="4196880" cy="2253240"/>
+            <a:off x="4674240" y="3682080"/>
+            <a:ext cx="4015800" cy="1896840"/>
           </a:xfrm>
           <a:prstGeom prst="rect">
             <a:avLst/>
@@ -3903,8 +3972,8 @@
         </p:nvSpPr>
         <p:spPr>
           <a:xfrm>
-            <a:off x="285840" y="3679200"/>
-            <a:ext cx="4196880" cy="2253240"/>
+            <a:off x="457200" y="3682080"/>
+            <a:ext cx="4015800" cy="1896840"/>
           </a:xfrm>
           <a:prstGeom prst="rect">
             <a:avLst/>
@@ -3951,8 +4020,8 @@
         </p:nvSpPr>
         <p:spPr>
           <a:xfrm>
-            <a:off x="235080" y="227520"/>
-            <a:ext cx="7953120" cy="456120"/>
+            <a:off x="457200" y="273600"/>
+            <a:ext cx="8229240" cy="1145160"/>
           </a:xfrm>
           <a:prstGeom prst="rect">
             <a:avLst/>
@@ -3961,6 +4030,7 @@
         <p:txBody>
           <a:bodyPr lIns="0" rIns="0" tIns="0" bIns="0" anchor="ctr"/>
           <a:p>
+            <a:pPr algn="ctr"/>
             <a:endParaRPr/>
           </a:p>
         </p:txBody>
@@ -3977,8 +4047,8 @@
         </p:nvSpPr>
         <p:spPr>
           <a:xfrm>
-            <a:off x="285840" y="1211400"/>
-            <a:ext cx="8600760" cy="4723920"/>
+            <a:off x="457200" y="1604520"/>
+            <a:ext cx="8229240" cy="3977280"/>
           </a:xfrm>
           <a:prstGeom prst="rect">
             <a:avLst/>
@@ -4003,8 +4073,8 @@
         </p:nvSpPr>
         <p:spPr>
           <a:xfrm>
-            <a:off x="285840" y="1211400"/>
-            <a:ext cx="8600760" cy="4723920"/>
+            <a:off x="457200" y="1604520"/>
+            <a:ext cx="8229240" cy="3977280"/>
           </a:xfrm>
           <a:prstGeom prst="rect">
             <a:avLst/>
@@ -4031,8 +4101,8 @@
         </p:blipFill>
         <p:spPr>
           <a:xfrm>
-            <a:off x="1625760" y="1211400"/>
-            <a:ext cx="5920560" cy="4723920"/>
+            <a:off x="2079000" y="1604520"/>
+            <a:ext cx="4984920" cy="3977280"/>
           </a:xfrm>
           <a:prstGeom prst="rect">
             <a:avLst/>
@@ -4056,8 +4126,8 @@
         </p:blipFill>
         <p:spPr>
           <a:xfrm>
-            <a:off x="1625760" y="1211400"/>
-            <a:ext cx="5920560" cy="4723920"/>
+            <a:off x="2079000" y="1604520"/>
+            <a:ext cx="4984920" cy="3977280"/>
           </a:xfrm>
           <a:prstGeom prst="rect">
             <a:avLst/>
@@ -4101,8 +4171,8 @@
         </p:nvSpPr>
         <p:spPr>
           <a:xfrm>
-            <a:off x="235080" y="227520"/>
-            <a:ext cx="7953120" cy="456120"/>
+            <a:off x="457200" y="273600"/>
+            <a:ext cx="8229240" cy="1145160"/>
           </a:xfrm>
           <a:prstGeom prst="rect">
             <a:avLst/>
@@ -4111,6 +4181,7 @@
         <p:txBody>
           <a:bodyPr lIns="0" rIns="0" tIns="0" bIns="0" anchor="ctr"/>
           <a:p>
+            <a:pPr algn="ctr"/>
             <a:endParaRPr/>
           </a:p>
         </p:txBody>
@@ -4127,8 +4198,8 @@
         </p:nvSpPr>
         <p:spPr>
           <a:xfrm>
-            <a:off x="285840" y="1211400"/>
-            <a:ext cx="4196880" cy="4723920"/>
+            <a:off x="457200" y="1604520"/>
+            <a:ext cx="4015800" cy="3977280"/>
           </a:xfrm>
           <a:prstGeom prst="rect">
             <a:avLst/>
@@ -4153,8 +4224,8 @@
         </p:nvSpPr>
         <p:spPr>
           <a:xfrm>
-            <a:off x="4692960" y="1211400"/>
-            <a:ext cx="4196880" cy="4723920"/>
+            <a:off x="4674240" y="1604520"/>
+            <a:ext cx="4015800" cy="3977280"/>
           </a:xfrm>
           <a:prstGeom prst="rect">
             <a:avLst/>
@@ -4201,8 +4272,8 @@
         </p:nvSpPr>
         <p:spPr>
           <a:xfrm>
-            <a:off x="235080" y="227520"/>
-            <a:ext cx="7953120" cy="456120"/>
+            <a:off x="457200" y="273600"/>
+            <a:ext cx="8229240" cy="1145160"/>
           </a:xfrm>
           <a:prstGeom prst="rect">
             <a:avLst/>
@@ -4211,6 +4282,7 @@
         <p:txBody>
           <a:bodyPr lIns="0" rIns="0" tIns="0" bIns="0" anchor="ctr"/>
           <a:p>
+            <a:pPr algn="ctr"/>
             <a:endParaRPr/>
           </a:p>
         </p:txBody>
@@ -4249,8 +4321,8 @@
         </p:nvSpPr>
         <p:spPr>
           <a:xfrm>
-            <a:off x="235080" y="227520"/>
-            <a:ext cx="7953120" cy="2114280"/>
+            <a:off x="457200" y="273600"/>
+            <a:ext cx="8229240" cy="5308200"/>
           </a:xfrm>
           <a:prstGeom prst="rect">
             <a:avLst/>
@@ -4298,8 +4370,8 @@
         </p:nvSpPr>
         <p:spPr>
           <a:xfrm>
-            <a:off x="235080" y="227520"/>
-            <a:ext cx="7953120" cy="456120"/>
+            <a:off x="457200" y="273600"/>
+            <a:ext cx="8229240" cy="1145160"/>
           </a:xfrm>
           <a:prstGeom prst="rect">
             <a:avLst/>
@@ -4308,6 +4380,7 @@
         <p:txBody>
           <a:bodyPr lIns="0" rIns="0" tIns="0" bIns="0" anchor="ctr"/>
           <a:p>
+            <a:pPr algn="ctr"/>
             <a:endParaRPr/>
           </a:p>
         </p:txBody>
@@ -4324,8 +4397,8 @@
         </p:nvSpPr>
         <p:spPr>
           <a:xfrm>
-            <a:off x="285840" y="1211400"/>
-            <a:ext cx="4196880" cy="2253240"/>
+            <a:off x="457200" y="1604520"/>
+            <a:ext cx="4015800" cy="1896840"/>
           </a:xfrm>
           <a:prstGeom prst="rect">
             <a:avLst/>
@@ -4350,8 +4423,8 @@
         </p:nvSpPr>
         <p:spPr>
           <a:xfrm>
-            <a:off x="285840" y="3679200"/>
-            <a:ext cx="4196880" cy="2253240"/>
+            <a:off x="457200" y="3682080"/>
+            <a:ext cx="4015800" cy="1896840"/>
           </a:xfrm>
           <a:prstGeom prst="rect">
             <a:avLst/>
@@ -4376,8 +4449,8 @@
         </p:nvSpPr>
         <p:spPr>
           <a:xfrm>
-            <a:off x="4692960" y="1211400"/>
-            <a:ext cx="4196880" cy="4723920"/>
+            <a:off x="4674240" y="1604520"/>
+            <a:ext cx="4015800" cy="3977280"/>
           </a:xfrm>
           <a:prstGeom prst="rect">
             <a:avLst/>
@@ -4424,8 +4497,8 @@
         </p:nvSpPr>
         <p:spPr>
           <a:xfrm>
-            <a:off x="235080" y="227520"/>
-            <a:ext cx="7953120" cy="456120"/>
+            <a:off x="457200" y="273600"/>
+            <a:ext cx="8229240" cy="1145160"/>
           </a:xfrm>
           <a:prstGeom prst="rect">
             <a:avLst/>
@@ -4434,6 +4507,7 @@
         <p:txBody>
           <a:bodyPr lIns="0" rIns="0" tIns="0" bIns="0" anchor="ctr"/>
           <a:p>
+            <a:pPr algn="ctr"/>
             <a:endParaRPr/>
           </a:p>
         </p:txBody>
@@ -4450,8 +4524,8 @@
         </p:nvSpPr>
         <p:spPr>
           <a:xfrm>
-            <a:off x="285840" y="1211400"/>
-            <a:ext cx="4196880" cy="4723920"/>
+            <a:off x="457200" y="1604520"/>
+            <a:ext cx="4015800" cy="3977280"/>
           </a:xfrm>
           <a:prstGeom prst="rect">
             <a:avLst/>
@@ -4476,8 +4550,8 @@
         </p:nvSpPr>
         <p:spPr>
           <a:xfrm>
-            <a:off x="4692960" y="1211400"/>
-            <a:ext cx="4196880" cy="2253240"/>
+            <a:off x="4674240" y="1604520"/>
+            <a:ext cx="4015800" cy="1896840"/>
           </a:xfrm>
           <a:prstGeom prst="rect">
             <a:avLst/>
@@ -4502,8 +4576,8 @@
         </p:nvSpPr>
         <p:spPr>
           <a:xfrm>
-            <a:off x="4692960" y="3679200"/>
-            <a:ext cx="4196880" cy="2253240"/>
+            <a:off x="4674240" y="3682080"/>
+            <a:ext cx="4015800" cy="1896840"/>
           </a:xfrm>
           <a:prstGeom prst="rect">
             <a:avLst/>
@@ -4550,8 +4624,8 @@
         </p:nvSpPr>
         <p:spPr>
           <a:xfrm>
-            <a:off x="235080" y="227520"/>
-            <a:ext cx="7953120" cy="456120"/>
+            <a:off x="457200" y="273600"/>
+            <a:ext cx="8229240" cy="1145160"/>
           </a:xfrm>
           <a:prstGeom prst="rect">
             <a:avLst/>
@@ -4560,6 +4634,7 @@
         <p:txBody>
           <a:bodyPr lIns="0" rIns="0" tIns="0" bIns="0" anchor="ctr"/>
           <a:p>
+            <a:pPr algn="ctr"/>
             <a:endParaRPr/>
           </a:p>
         </p:txBody>
@@ -4576,8 +4651,8 @@
         </p:nvSpPr>
         <p:spPr>
           <a:xfrm>
-            <a:off x="285840" y="1211400"/>
-            <a:ext cx="4196880" cy="2253240"/>
+            <a:off x="457200" y="1604520"/>
+            <a:ext cx="4015800" cy="1896840"/>
           </a:xfrm>
           <a:prstGeom prst="rect">
             <a:avLst/>
@@ -4602,8 +4677,8 @@
         </p:nvSpPr>
         <p:spPr>
           <a:xfrm>
-            <a:off x="4692960" y="1211400"/>
-            <a:ext cx="4196880" cy="2253240"/>
+            <a:off x="4674240" y="1604520"/>
+            <a:ext cx="4015800" cy="1896840"/>
           </a:xfrm>
           <a:prstGeom prst="rect">
             <a:avLst/>
@@ -4628,8 +4703,8 @@
         </p:nvSpPr>
         <p:spPr>
           <a:xfrm>
-            <a:off x="285840" y="3679200"/>
-            <a:ext cx="8600760" cy="2253240"/>
+            <a:off x="457200" y="3682080"/>
+            <a:ext cx="8229240" cy="1896840"/>
           </a:xfrm>
           <a:prstGeom prst="rect">
             <a:avLst/>
@@ -4680,7 +4755,7 @@
         <p:spPr>
           <a:xfrm>
             <a:off x="8717760" y="6521400"/>
-            <a:ext cx="353160" cy="336240"/>
+            <a:ext cx="352800" cy="335880"/>
           </a:xfrm>
           <a:prstGeom prst="rect">
             <a:avLst/>
@@ -4698,7 +4773,7 @@
                 <a:spcPct val="100000"/>
               </a:lnSpc>
             </a:pPr>
-            <a:fld id="{42F0953A-2902-40D3-8463-BD723F00A778}" type="slidenum">
+            <a:fld id="{3092A2A6-6FE0-4FDA-8690-D8512543A9C6}" type="slidenum">
               <a:rPr lang="en-US" sz="1400">
                 <a:solidFill>
                   <a:srgbClr val="000000"/>
@@ -4721,7 +4796,7 @@
         <p:spPr>
           <a:xfrm>
             <a:off x="0" y="741240"/>
-            <a:ext cx="9143640" cy="179640"/>
+            <a:ext cx="9143280" cy="179280"/>
           </a:xfrm>
           <a:prstGeom prst="rect">
             <a:avLst/>
@@ -4743,7 +4818,7 @@
         <p:spPr>
           <a:xfrm>
             <a:off x="0" y="0"/>
-            <a:ext cx="9143640" cy="763920"/>
+            <a:ext cx="9143280" cy="763560"/>
           </a:xfrm>
           <a:prstGeom prst="rect">
             <a:avLst/>
@@ -4765,7 +4840,7 @@
         <p:spPr>
           <a:xfrm>
             <a:off x="0" y="0"/>
-            <a:ext cx="9143640" cy="245520"/>
+            <a:ext cx="9143280" cy="245160"/>
           </a:xfrm>
           <a:prstGeom prst="rect">
             <a:avLst/>
@@ -4800,8 +4875,9 @@
         <p:txBody>
           <a:bodyPr lIns="0" rIns="0" tIns="0" bIns="0" anchor="ctr"/>
           <a:p>
-            <a:r>
-              <a:rPr lang="ko-KR">
+            <a:pPr algn="ctr"/>
+            <a:r>
+              <a:rPr lang="en-US" sz="4400">
                 <a:latin typeface="Arial"/>
               </a:rPr>
               <a:t>Click to edit the title text format</a:t>
@@ -4838,8 +4914,8 @@
               <a:buChar char=""/>
             </a:pPr>
             <a:r>
-              <a:rPr lang="ko-KR" sz="1500">
-                <a:latin typeface="Calibri"/>
+              <a:rPr lang="en-US" sz="3200">
+                <a:latin typeface="Arial"/>
               </a:rPr>
               <a:t>Click to edit the outline text format</a:t>
             </a:r>
@@ -4852,8 +4928,8 @@
               <a:buChar char=""/>
             </a:pPr>
             <a:r>
-              <a:rPr lang="ko-KR" sz="1200">
-                <a:latin typeface="Calibri"/>
+              <a:rPr lang="en-US" sz="2800">
+                <a:latin typeface="Arial"/>
               </a:rPr>
               <a:t>Second Outline Level</a:t>
             </a:r>
@@ -4866,8 +4942,8 @@
               <a:buChar char=""/>
             </a:pPr>
             <a:r>
-              <a:rPr lang="ko-KR" sz="1050">
-                <a:latin typeface="Calibri"/>
+              <a:rPr lang="en-US" sz="2400">
+                <a:latin typeface="Arial"/>
               </a:rPr>
               <a:t>Third Outline Level</a:t>
             </a:r>
@@ -4880,8 +4956,8 @@
               <a:buChar char=""/>
             </a:pPr>
             <a:r>
-              <a:rPr lang="ko-KR" sz="1050">
-                <a:latin typeface="Calibri"/>
+              <a:rPr lang="en-US" sz="2000">
+                <a:latin typeface="Arial"/>
               </a:rPr>
               <a:t>Fourth Outline Level</a:t>
             </a:r>
@@ -4894,8 +4970,8 @@
               <a:buChar char=""/>
             </a:pPr>
             <a:r>
-              <a:rPr lang="ko-KR" sz="2000">
-                <a:latin typeface="Calibri"/>
+              <a:rPr lang="en-US" sz="2000">
+                <a:latin typeface="Arial"/>
               </a:rPr>
               <a:t>Fifth Outline Level</a:t>
             </a:r>
@@ -4908,8 +4984,8 @@
               <a:buChar char=""/>
             </a:pPr>
             <a:r>
-              <a:rPr lang="ko-KR" sz="2000">
-                <a:latin typeface="Calibri"/>
+              <a:rPr lang="en-US" sz="2000">
+                <a:latin typeface="Arial"/>
               </a:rPr>
               <a:t>Sixth Outline Level</a:t>
             </a:r>
@@ -4922,8 +4998,8 @@
               <a:buChar char=""/>
             </a:pPr>
             <a:r>
-              <a:rPr lang="ko-KR" sz="2000">
-                <a:latin typeface="Calibri"/>
+              <a:rPr lang="en-US" sz="2000">
+                <a:latin typeface="Arial"/>
               </a:rPr>
               <a:t>Seventh Outline Level</a:t>
             </a:r>
@@ -4984,7 +5060,7 @@
         <p:spPr>
           <a:xfrm>
             <a:off x="8717760" y="6521400"/>
-            <a:ext cx="353160" cy="336240"/>
+            <a:ext cx="352800" cy="335880"/>
           </a:xfrm>
           <a:prstGeom prst="rect">
             <a:avLst/>
@@ -5002,7 +5078,7 @@
                 <a:spcPct val="100000"/>
               </a:lnSpc>
             </a:pPr>
-            <a:fld id="{6A136F53-F025-4319-B22B-5C9E087BD6B6}" type="slidenum">
+            <a:fld id="{266C13F8-7B58-4A18-A32A-C92F4D57EA20}" type="slidenum">
               <a:rPr lang="en-US" sz="1400">
                 <a:solidFill>
                   <a:srgbClr val="000000"/>
@@ -5025,7 +5101,7 @@
         <p:spPr>
           <a:xfrm>
             <a:off x="0" y="741240"/>
-            <a:ext cx="9143640" cy="179640"/>
+            <a:ext cx="9143280" cy="179280"/>
           </a:xfrm>
           <a:prstGeom prst="rect">
             <a:avLst/>
@@ -5047,7 +5123,7 @@
         <p:spPr>
           <a:xfrm>
             <a:off x="0" y="0"/>
-            <a:ext cx="9143640" cy="763920"/>
+            <a:ext cx="9143280" cy="763560"/>
           </a:xfrm>
           <a:prstGeom prst="rect">
             <a:avLst/>
@@ -5072,8 +5148,8 @@
         </p:nvSpPr>
         <p:spPr>
           <a:xfrm>
-            <a:off x="235080" y="227520"/>
-            <a:ext cx="7953120" cy="455760"/>
+            <a:off x="457200" y="273600"/>
+            <a:ext cx="8229240" cy="1144800"/>
           </a:xfrm>
           <a:prstGeom prst="rect">
             <a:avLst/>
@@ -5082,20 +5158,12 @@
         <p:txBody>
           <a:bodyPr lIns="0" rIns="0" tIns="0" bIns="0" anchor="ctr"/>
           <a:p>
-            <a:pPr>
-              <a:lnSpc>
-                <a:spcPct val="100000"/>
-              </a:lnSpc>
-            </a:pPr>
-            <a:r>
-              <a:rPr b="1" lang="ko-KR" sz="3200">
-                <a:solidFill>
-                  <a:srgbClr val="ffffff"/>
-                </a:solidFill>
-                <a:latin typeface="Calibri"/>
-                <a:ea typeface="맑은 고딕"/>
-              </a:rPr>
-              <a:t>Click to edit the title text formatClick to edit Master title style</a:t>
+            <a:pPr algn="ctr"/>
+            <a:r>
+              <a:rPr lang="en-US" sz="4400">
+                <a:latin typeface="Arial"/>
+              </a:rPr>
+              <a:t>Click to edit the title text format</a:t>
             </a:r>
             <a:endParaRPr/>
           </a:p>
@@ -5113,15 +5181,15 @@
         </p:nvSpPr>
         <p:spPr>
           <a:xfrm>
-            <a:off x="285840" y="1211400"/>
-            <a:ext cx="8600760" cy="4723920"/>
-          </a:xfrm>
-          <a:prstGeom prst="rect">
-            <a:avLst/>
-          </a:prstGeom>
-        </p:spPr>
-        <p:txBody>
-          <a:bodyPr lIns="90000" rIns="90000" tIns="45000" bIns="45000"/>
+            <a:off x="457200" y="1604520"/>
+            <a:ext cx="8229240" cy="3977280"/>
+          </a:xfrm>
+          <a:prstGeom prst="rect">
+            <a:avLst/>
+          </a:prstGeom>
+        </p:spPr>
+        <p:txBody>
+          <a:bodyPr lIns="0" rIns="0" tIns="0" bIns="0"/>
           <a:p>
             <a:pPr>
               <a:buSzPct val="45000"/>
@@ -5129,12 +5197,8 @@
               <a:buChar char=""/>
             </a:pPr>
             <a:r>
-              <a:rPr lang="ko-KR" sz="1500">
-                <a:solidFill>
-                  <a:srgbClr val="000000"/>
-                </a:solidFill>
-                <a:latin typeface="Calibri"/>
-                <a:ea typeface="맑은 고딕"/>
+              <a:rPr lang="en-US" sz="3200">
+                <a:latin typeface="Arial"/>
               </a:rPr>
               <a:t>Click to edit the outline text format</a:t>
             </a:r>
@@ -5147,12 +5211,8 @@
               <a:buChar char=""/>
             </a:pPr>
             <a:r>
-              <a:rPr lang="ko-KR" sz="1500">
-                <a:solidFill>
-                  <a:srgbClr val="000000"/>
-                </a:solidFill>
-                <a:latin typeface="Calibri"/>
-                <a:ea typeface="맑은 고딕"/>
+              <a:rPr lang="en-US" sz="2800">
+                <a:latin typeface="Arial"/>
               </a:rPr>
               <a:t>Second Outline Level</a:t>
             </a:r>
@@ -5165,12 +5225,8 @@
               <a:buChar char=""/>
             </a:pPr>
             <a:r>
-              <a:rPr lang="ko-KR" sz="1500">
-                <a:solidFill>
-                  <a:srgbClr val="000000"/>
-                </a:solidFill>
-                <a:latin typeface="Calibri"/>
-                <a:ea typeface="맑은 고딕"/>
+              <a:rPr lang="en-US" sz="2400">
+                <a:latin typeface="Arial"/>
               </a:rPr>
               <a:t>Third Outline Level</a:t>
             </a:r>
@@ -5183,12 +5239,8 @@
               <a:buChar char=""/>
             </a:pPr>
             <a:r>
-              <a:rPr lang="ko-KR" sz="1500">
-                <a:solidFill>
-                  <a:srgbClr val="000000"/>
-                </a:solidFill>
-                <a:latin typeface="Calibri"/>
-                <a:ea typeface="맑은 고딕"/>
+              <a:rPr lang="en-US" sz="2000">
+                <a:latin typeface="Arial"/>
               </a:rPr>
               <a:t>Fourth Outline Level</a:t>
             </a:r>
@@ -5201,12 +5253,8 @@
               <a:buChar char=""/>
             </a:pPr>
             <a:r>
-              <a:rPr lang="ko-KR" sz="1500">
-                <a:solidFill>
-                  <a:srgbClr val="000000"/>
-                </a:solidFill>
-                <a:latin typeface="Calibri"/>
-                <a:ea typeface="맑은 고딕"/>
+              <a:rPr lang="en-US" sz="2000">
+                <a:latin typeface="Arial"/>
               </a:rPr>
               <a:t>Fifth Outline Level</a:t>
             </a:r>
@@ -5219,124 +5267,24 @@
               <a:buChar char=""/>
             </a:pPr>
             <a:r>
-              <a:rPr lang="ko-KR" sz="1500">
-                <a:solidFill>
-                  <a:srgbClr val="000000"/>
-                </a:solidFill>
-                <a:latin typeface="Calibri"/>
-                <a:ea typeface="맑은 고딕"/>
+              <a:rPr lang="en-US" sz="2000">
+                <a:latin typeface="Arial"/>
               </a:rPr>
               <a:t>Sixth Outline Level</a:t>
             </a:r>
             <a:endParaRPr/>
           </a:p>
           <a:p>
-            <a:pPr>
-              <a:lnSpc>
-                <a:spcPct val="100000"/>
-              </a:lnSpc>
-              <a:buFont typeface="Wingdings" charset="2"/>
-              <a:buChar char=""/>
-            </a:pPr>
-            <a:r>
-              <a:rPr lang="ko-KR" sz="1500">
-                <a:solidFill>
-                  <a:srgbClr val="000000"/>
-                </a:solidFill>
-                <a:latin typeface="Calibri"/>
-                <a:ea typeface="맑은 고딕"/>
+            <a:pPr lvl="6">
+              <a:buSzPct val="45000"/>
+              <a:buFont typeface="StarSymbol"/>
+              <a:buChar char=""/>
+            </a:pPr>
+            <a:r>
+              <a:rPr lang="en-US" sz="2000">
+                <a:latin typeface="Arial"/>
               </a:rPr>
               <a:t>Seventh Outline Level</a:t>
-            </a:r>
-            <a:r>
-              <a:rPr lang="ko-KR" sz="1500">
-                <a:solidFill>
-                  <a:srgbClr val="000000"/>
-                </a:solidFill>
-                <a:latin typeface="Calibri"/>
-                <a:ea typeface="맑은 고딕"/>
-              </a:rPr>
-              <a:t>마스터 텍스트 스타일 편집</a:t>
-            </a:r>
-            <a:endParaRPr/>
-          </a:p>
-          <a:p>
-            <a:pPr lvl="1">
-              <a:lnSpc>
-                <a:spcPct val="100000"/>
-              </a:lnSpc>
-              <a:buFont typeface="StarSymbol"/>
-              <a:buChar char=""/>
-            </a:pPr>
-            <a:r>
-              <a:rPr lang="ko-KR" sz="1350">
-                <a:solidFill>
-                  <a:srgbClr val="000000"/>
-                </a:solidFill>
-                <a:latin typeface="Calibri"/>
-                <a:ea typeface="맑은 고딕"/>
-              </a:rPr>
-              <a:t>둘째 수준</a:t>
-            </a:r>
-            <a:endParaRPr/>
-          </a:p>
-          <a:p>
-            <a:pPr lvl="2">
-              <a:lnSpc>
-                <a:spcPct val="100000"/>
-              </a:lnSpc>
-              <a:buFont typeface="Arial"/>
-              <a:buChar char="­"/>
-            </a:pPr>
-            <a:r>
-              <a:rPr lang="ko-KR" sz="1200">
-                <a:solidFill>
-                  <a:srgbClr val="000000"/>
-                </a:solidFill>
-                <a:latin typeface="Calibri"/>
-                <a:ea typeface="맑은 고딕"/>
-              </a:rPr>
-              <a:t>셋째 수준</a:t>
-            </a:r>
-            <a:endParaRPr/>
-          </a:p>
-          <a:p>
-            <a:pPr lvl="3">
-              <a:lnSpc>
-                <a:spcPct val="100000"/>
-              </a:lnSpc>
-              <a:buFont typeface="Arial"/>
-              <a:buChar char="­"/>
-            </a:pPr>
-            <a:r>
-              <a:rPr lang="ko-KR" sz="1050">
-                <a:solidFill>
-                  <a:srgbClr val="000000"/>
-                </a:solidFill>
-                <a:latin typeface="Calibri"/>
-                <a:ea typeface="맑은 고딕"/>
-              </a:rPr>
-              <a:t>넷째 수준</a:t>
-            </a:r>
-            <a:endParaRPr/>
-          </a:p>
-          <a:p>
-            <a:pPr lvl="4">
-              <a:lnSpc>
-                <a:spcPct val="100000"/>
-              </a:lnSpc>
-              <a:buFont typeface="Arial"/>
-              <a:buChar char="-"/>
-            </a:pPr>
-            <a:r>
-              <a:rPr lang="ko-KR" sz="1050">
-                <a:solidFill>
-                  <a:srgbClr val="000000"/>
-                </a:solidFill>
-                <a:latin typeface="Calibri"/>
-                <a:ea typeface="맑은 고딕"/>
-              </a:rPr>
-              <a:t>다섯째 수준</a:t>
             </a:r>
             <a:endParaRPr/>
           </a:p>
@@ -5395,7 +5343,7 @@
         <p:spPr>
           <a:xfrm>
             <a:off x="8717760" y="6521400"/>
-            <a:ext cx="353160" cy="336240"/>
+            <a:ext cx="352800" cy="335880"/>
           </a:xfrm>
           <a:prstGeom prst="rect">
             <a:avLst/>
@@ -5413,7 +5361,7 @@
                 <a:spcPct val="100000"/>
               </a:lnSpc>
             </a:pPr>
-            <a:fld id="{D5341A1C-AD23-4727-9452-73F5D452D618}" type="slidenum">
+            <a:fld id="{057194A7-BE66-452D-8679-101A429B30ED}" type="slidenum">
               <a:rPr lang="en-US" sz="1400">
                 <a:solidFill>
                   <a:srgbClr val="000000"/>
@@ -5436,7 +5384,7 @@
         <p:spPr>
           <a:xfrm>
             <a:off x="0" y="741240"/>
-            <a:ext cx="9143640" cy="179640"/>
+            <a:ext cx="9143280" cy="179280"/>
           </a:xfrm>
           <a:prstGeom prst="rect">
             <a:avLst/>
@@ -5458,7 +5406,7 @@
         <p:spPr>
           <a:xfrm>
             <a:off x="0" y="0"/>
-            <a:ext cx="9143640" cy="763920"/>
+            <a:ext cx="9143280" cy="763560"/>
           </a:xfrm>
           <a:prstGeom prst="rect">
             <a:avLst/>
@@ -5473,65 +5421,14 @@
       </p:sp>
       <p:sp>
         <p:nvSpPr>
-          <p:cNvPr id="82" name="PlaceHolder 4"/>
-          <p:cNvSpPr>
-            <a:spLocks noGrp="1"/>
-          </p:cNvSpPr>
-          <p:nvPr>
-            <p:ph type="title"/>
-          </p:nvPr>
-        </p:nvSpPr>
-        <p:spPr>
-          <a:xfrm>
-            <a:off x="628560" y="3075120"/>
-            <a:ext cx="7886520" cy="527400"/>
-          </a:xfrm>
-          <a:prstGeom prst="rect">
-            <a:avLst/>
-          </a:prstGeom>
-        </p:spPr>
-        <p:txBody>
-          <a:bodyPr lIns="90000" rIns="90000" tIns="45000" bIns="45000"/>
-          <a:p>
-            <a:pPr>
-              <a:lnSpc>
-                <a:spcPct val="90000"/>
-              </a:lnSpc>
-            </a:pPr>
-            <a:r>
-              <a:rPr b="1" lang="ko-KR" sz="2400">
-                <a:solidFill>
-                  <a:srgbClr val="ffffff"/>
-                </a:solidFill>
-                <a:latin typeface="Calibri"/>
-                <a:ea typeface="맑은 고딕"/>
-              </a:rPr>
-              <a:t>Click to edit the title text format</a:t>
-            </a:r>
-            <a:r>
-              <a:rPr b="1" lang="ko-KR" sz="2400">
-                <a:solidFill>
-                  <a:srgbClr val="ffffff"/>
-                </a:solidFill>
-                <a:latin typeface="Calibri"/>
-                <a:ea typeface="맑은 고딕"/>
-              </a:rPr>
-              <a:t>마스터 제목 스타일 편집</a:t>
-            </a:r>
-            <a:endParaRPr/>
-          </a:p>
-        </p:txBody>
-      </p:sp>
-      <p:sp>
-        <p:nvSpPr>
-          <p:cNvPr id="83" name="CustomShape 5"/>
+          <p:cNvPr id="82" name="CustomShape 4"/>
           <p:cNvSpPr/>
           <p:nvPr/>
         </p:nvSpPr>
         <p:spPr>
           <a:xfrm>
             <a:off x="0" y="3720600"/>
-            <a:ext cx="9143640" cy="179640"/>
+            <a:ext cx="9143280" cy="179280"/>
           </a:xfrm>
           <a:prstGeom prst="rect">
             <a:avLst/>
@@ -5546,14 +5443,14 @@
       </p:sp>
       <p:sp>
         <p:nvSpPr>
-          <p:cNvPr id="84" name="CustomShape 6"/>
+          <p:cNvPr id="83" name="CustomShape 5"/>
           <p:cNvSpPr/>
           <p:nvPr/>
         </p:nvSpPr>
         <p:spPr>
           <a:xfrm>
             <a:off x="0" y="2979360"/>
-            <a:ext cx="9143640" cy="763920"/>
+            <a:ext cx="9143280" cy="763560"/>
           </a:xfrm>
           <a:prstGeom prst="rect">
             <a:avLst/>
@@ -5568,6 +5465,39 @@
       </p:sp>
       <p:sp>
         <p:nvSpPr>
+          <p:cNvPr id="84" name="PlaceHolder 6"/>
+          <p:cNvSpPr>
+            <a:spLocks noGrp="1"/>
+          </p:cNvSpPr>
+          <p:nvPr>
+            <p:ph type="title"/>
+          </p:nvPr>
+        </p:nvSpPr>
+        <p:spPr>
+          <a:xfrm>
+            <a:off x="457200" y="273600"/>
+            <a:ext cx="8229240" cy="1144800"/>
+          </a:xfrm>
+          <a:prstGeom prst="rect">
+            <a:avLst/>
+          </a:prstGeom>
+        </p:spPr>
+        <p:txBody>
+          <a:bodyPr lIns="0" rIns="0" tIns="0" bIns="0" anchor="ctr"/>
+          <a:p>
+            <a:pPr algn="ctr"/>
+            <a:r>
+              <a:rPr lang="en-US" sz="4400">
+                <a:latin typeface="Arial"/>
+              </a:rPr>
+              <a:t>Click to edit the title text format</a:t>
+            </a:r>
+            <a:endParaRPr/>
+          </a:p>
+        </p:txBody>
+      </p:sp>
+      <p:sp>
+        <p:nvSpPr>
           <p:cNvPr id="85" name="PlaceHolder 7"/>
           <p:cNvSpPr>
             <a:spLocks noGrp="1"/>
@@ -5594,8 +5524,8 @@
               <a:buChar char=""/>
             </a:pPr>
             <a:r>
-              <a:rPr lang="ko-KR" sz="1500">
-                <a:latin typeface="Calibri"/>
+              <a:rPr lang="en-US" sz="3200">
+                <a:latin typeface="Arial"/>
               </a:rPr>
               <a:t>Click to edit the outline text format</a:t>
             </a:r>
@@ -5608,8 +5538,8 @@
               <a:buChar char=""/>
             </a:pPr>
             <a:r>
-              <a:rPr lang="ko-KR" sz="1200">
-                <a:latin typeface="Calibri"/>
+              <a:rPr lang="en-US" sz="2800">
+                <a:latin typeface="Arial"/>
               </a:rPr>
               <a:t>Second Outline Level</a:t>
             </a:r>
@@ -5622,8 +5552,8 @@
               <a:buChar char=""/>
             </a:pPr>
             <a:r>
-              <a:rPr lang="ko-KR" sz="1050">
-                <a:latin typeface="Calibri"/>
+              <a:rPr lang="en-US" sz="2400">
+                <a:latin typeface="Arial"/>
               </a:rPr>
               <a:t>Third Outline Level</a:t>
             </a:r>
@@ -5636,8 +5566,8 @@
               <a:buChar char=""/>
             </a:pPr>
             <a:r>
-              <a:rPr lang="ko-KR" sz="1050">
-                <a:latin typeface="Calibri"/>
+              <a:rPr lang="en-US" sz="2000">
+                <a:latin typeface="Arial"/>
               </a:rPr>
               <a:t>Fourth Outline Level</a:t>
             </a:r>
@@ -5650,8 +5580,8 @@
               <a:buChar char=""/>
             </a:pPr>
             <a:r>
-              <a:rPr lang="ko-KR" sz="2000">
-                <a:latin typeface="Calibri"/>
+              <a:rPr lang="en-US" sz="2000">
+                <a:latin typeface="Arial"/>
               </a:rPr>
               <a:t>Fifth Outline Level</a:t>
             </a:r>
@@ -5664,8 +5594,8 @@
               <a:buChar char=""/>
             </a:pPr>
             <a:r>
-              <a:rPr lang="ko-KR" sz="2000">
-                <a:latin typeface="Calibri"/>
+              <a:rPr lang="en-US" sz="2000">
+                <a:latin typeface="Arial"/>
               </a:rPr>
               <a:t>Sixth Outline Level</a:t>
             </a:r>
@@ -5678,8 +5608,8 @@
               <a:buChar char=""/>
             </a:pPr>
             <a:r>
-              <a:rPr lang="ko-KR" sz="2000">
-                <a:latin typeface="Calibri"/>
+              <a:rPr lang="en-US" sz="2000">
+                <a:latin typeface="Arial"/>
               </a:rPr>
               <a:t>Seventh Outline Level</a:t>
             </a:r>
@@ -5733,7 +5663,7 @@
         <p:spPr>
           <a:xfrm>
             <a:off x="3093840" y="4213080"/>
-            <a:ext cx="2956320" cy="1310040"/>
+            <a:ext cx="2955960" cy="1309680"/>
           </a:xfrm>
           <a:prstGeom prst="rect">
             <a:avLst/>
@@ -5824,7 +5754,7 @@
         <p:spPr>
           <a:xfrm>
             <a:off x="324000" y="1827360"/>
-            <a:ext cx="8496000" cy="2562840"/>
+            <a:ext cx="8495640" cy="2562480"/>
           </a:xfrm>
           <a:prstGeom prst="rect">
             <a:avLst/>
@@ -5939,7 +5869,7 @@
         <p:spPr>
           <a:xfrm>
             <a:off x="3801600" y="3536280"/>
-            <a:ext cx="1965960" cy="586440"/>
+            <a:ext cx="1965600" cy="586080"/>
           </a:xfrm>
           <a:prstGeom prst="rect">
             <a:avLst/>
@@ -6022,73 +5952,14 @@
       </p:grpSpPr>
       <p:sp>
         <p:nvSpPr>
-          <p:cNvPr id="164" name="TextShape 1"/>
-          <p:cNvSpPr txBox="1"/>
-          <p:nvPr/>
-        </p:nvSpPr>
-        <p:spPr>
-          <a:xfrm>
-            <a:off x="235080" y="227520"/>
-            <a:ext cx="7953120" cy="455760"/>
-          </a:xfrm>
-          <a:prstGeom prst="rect">
-            <a:avLst/>
-          </a:prstGeom>
-        </p:spPr>
-        <p:txBody>
-          <a:bodyPr lIns="0" rIns="0" tIns="0" bIns="0" anchor="ctr"/>
-          <a:p>
-            <a:pPr>
-              <a:lnSpc>
-                <a:spcPct val="100000"/>
-              </a:lnSpc>
-            </a:pPr>
-            <a:r>
-              <a:rPr b="1" lang="ko-KR" sz="3200">
-                <a:solidFill>
-                  <a:srgbClr val="ffffff"/>
-                </a:solidFill>
-                <a:latin typeface="Calibri"/>
-                <a:ea typeface="맑은 고딕"/>
-              </a:rPr>
-              <a:t>Dataset – OULUVS2</a:t>
-            </a:r>
-            <a:endParaRPr/>
-          </a:p>
-        </p:txBody>
-      </p:sp>
-      <p:sp>
-        <p:nvSpPr>
-          <p:cNvPr id="165" name="CustomShape 2"/>
+          <p:cNvPr id="159" name="CustomShape 1"/>
           <p:cNvSpPr/>
           <p:nvPr/>
         </p:nvSpPr>
         <p:spPr>
           <a:xfrm>
-            <a:off x="611280" y="2644560"/>
-            <a:ext cx="7921440" cy="345960"/>
-          </a:xfrm>
-          <a:prstGeom prst="rect">
-            <a:avLst/>
-          </a:prstGeom>
-          <a:solidFill>
-            <a:srgbClr val="ffffff"/>
-          </a:solidFill>
-          <a:ln w="9360">
-            <a:noFill/>
-          </a:ln>
-        </p:spPr>
-      </p:sp>
-      <p:sp>
-        <p:nvSpPr>
-          <p:cNvPr id="166" name="CustomShape 3"/>
-          <p:cNvSpPr/>
-          <p:nvPr/>
-        </p:nvSpPr>
-        <p:spPr>
-          <a:xfrm>
-            <a:off x="4218120" y="1513800"/>
-            <a:ext cx="2496960" cy="1309680"/>
+            <a:off x="235080" y="227520"/>
+            <a:ext cx="7952760" cy="455400"/>
           </a:xfrm>
           <a:prstGeom prst="rect">
             <a:avLst/>
@@ -6099,72 +5970,88 @@
           </a:ln>
         </p:spPr>
         <p:txBody>
-          <a:bodyPr lIns="90000" rIns="90000" tIns="45000" bIns="45000"/>
+          <a:bodyPr lIns="0" rIns="0" tIns="0" bIns="0" anchor="ctr"/>
           <a:p>
             <a:pPr>
               <a:lnSpc>
-                <a:spcPct val="150000"/>
-              </a:lnSpc>
-              <a:buFont typeface="StarSymbol"/>
-              <a:buAutoNum type="arabicPeriod"/>
-            </a:pPr>
-            <a:r>
-              <a:rPr b="1" lang="en-US" sz="2000">
-                <a:solidFill>
-                  <a:srgbClr val="000000"/>
-                </a:solidFill>
-                <a:latin typeface="Arial"/>
-              </a:rPr>
-              <a:t>See you</a:t>
-            </a:r>
-            <a:endParaRPr/>
-          </a:p>
-          <a:p>
-            <a:pPr>
-              <a:lnSpc>
-                <a:spcPct val="150000"/>
-              </a:lnSpc>
-            </a:pPr>
-            <a:r>
-              <a:rPr b="1" lang="en-US" sz="2000">
-                <a:solidFill>
-                  <a:srgbClr val="000000"/>
-                </a:solidFill>
-                <a:latin typeface="Arial"/>
-              </a:rPr>
-              <a:t>2. Thank you</a:t>
-            </a:r>
-            <a:endParaRPr/>
-          </a:p>
-          <a:p>
-            <a:pPr>
-              <a:lnSpc>
-                <a:spcPct val="150000"/>
-              </a:lnSpc>
-            </a:pPr>
-            <a:r>
-              <a:rPr b="1" lang="en-US" sz="2000">
-                <a:solidFill>
-                  <a:srgbClr val="000000"/>
-                </a:solidFill>
-                <a:latin typeface="Arial"/>
-              </a:rPr>
-              <a:t>3. Excuse me</a:t>
-            </a:r>
-            <a:endParaRPr/>
-          </a:p>
-        </p:txBody>
-      </p:sp>
-      <p:sp>
-        <p:nvSpPr>
-          <p:cNvPr id="167" name="CustomShape 4"/>
+                <a:spcPct val="100000"/>
+              </a:lnSpc>
+            </a:pPr>
+            <a:r>
+              <a:rPr b="1" lang="en-US" sz="3200">
+                <a:solidFill>
+                  <a:srgbClr val="ffffff"/>
+                </a:solidFill>
+                <a:latin typeface="Calibri"/>
+                <a:ea typeface="맑은 고딕"/>
+              </a:rPr>
+              <a:t>Dataset – OULUVS2</a:t>
+            </a:r>
+            <a:endParaRPr/>
+          </a:p>
+        </p:txBody>
+      </p:sp>
+      <p:pic>
+        <p:nvPicPr>
+          <p:cNvPr id="160" name="그림 5" descr=""/>
+          <p:cNvPicPr/>
+          <p:nvPr/>
+        </p:nvPicPr>
+        <p:blipFill>
+          <a:blip r:embed="rId1"/>
+          <a:srcRect l="0" t="3308524" r="0" b="0"/>
+          <a:stretch>
+            <a:fillRect/>
+          </a:stretch>
+        </p:blipFill>
+        <p:spPr>
+          <a:xfrm>
+            <a:off x="4846320" y="4752000"/>
+            <a:ext cx="3685680" cy="1716480"/>
+          </a:xfrm>
+          <a:prstGeom prst="rect">
+            <a:avLst/>
+          </a:prstGeom>
+          <a:ln>
+            <a:noFill/>
+          </a:ln>
+        </p:spPr>
+      </p:pic>
+      <p:pic>
+        <p:nvPicPr>
+          <p:cNvPr id="161" name="그림 6" descr=""/>
+          <p:cNvPicPr/>
+          <p:nvPr/>
+        </p:nvPicPr>
+        <p:blipFill>
+          <a:blip r:embed="rId2"/>
+          <a:stretch>
+            <a:fillRect/>
+          </a:stretch>
+        </p:blipFill>
+        <p:spPr>
+          <a:xfrm>
+            <a:off x="6044040" y="1762560"/>
+            <a:ext cx="2499480" cy="1806480"/>
+          </a:xfrm>
+          <a:prstGeom prst="rect">
+            <a:avLst/>
+          </a:prstGeom>
+          <a:ln>
+            <a:noFill/>
+          </a:ln>
+        </p:spPr>
+      </p:pic>
+      <p:sp>
+        <p:nvSpPr>
+          <p:cNvPr id="162" name="CustomShape 2"/>
           <p:cNvSpPr/>
           <p:nvPr/>
         </p:nvSpPr>
         <p:spPr>
           <a:xfrm>
-            <a:off x="1301400" y="1284480"/>
-            <a:ext cx="2496960" cy="395280"/>
+            <a:off x="619200" y="1270800"/>
+            <a:ext cx="5574240" cy="4143960"/>
           </a:xfrm>
           <a:prstGeom prst="rect">
             <a:avLst/>
@@ -6179,9 +6066,39 @@
           <a:p>
             <a:pPr>
               <a:lnSpc>
-                <a:spcPct val="100000"/>
-              </a:lnSpc>
-            </a:pPr>
+                <a:spcPct val="150000"/>
+              </a:lnSpc>
+              <a:buFont typeface="Arial"/>
+              <a:buChar char="•"/>
+            </a:pPr>
+            <a:r>
+              <a:rPr lang="en-US" sz="2000">
+                <a:solidFill>
+                  <a:srgbClr val="000000"/>
+                </a:solidFill>
+                <a:latin typeface="Arial"/>
+              </a:rPr>
+              <a:t>Recordings</a:t>
+            </a:r>
+            <a:endParaRPr/>
+          </a:p>
+          <a:p>
+            <a:pPr lvl="1">
+              <a:lnSpc>
+                <a:spcPct val="150000"/>
+              </a:lnSpc>
+              <a:buFont typeface="StarSymbol"/>
+              <a:buChar char="-"/>
+            </a:pPr>
+            <a:r>
+              <a:rPr lang="en-US" sz="2000">
+                <a:solidFill>
+                  <a:srgbClr val="000000"/>
+                </a:solidFill>
+                <a:latin typeface="Arial"/>
+              </a:rPr>
+              <a:t>video recordings from </a:t>
+            </a:r>
             <a:r>
               <a:rPr b="1" lang="en-US" sz="2000">
                 <a:solidFill>
@@ -6189,149 +6106,177 @@
                 </a:solidFill>
                 <a:latin typeface="Arial"/>
               </a:rPr>
-              <a:t>Q) What lip says?</a:t>
-            </a:r>
-            <a:endParaRPr/>
-          </a:p>
-        </p:txBody>
-      </p:sp>
-      <p:sp>
-        <p:nvSpPr>
-          <p:cNvPr id="168" name="CustomShape 5"/>
-          <p:cNvSpPr/>
+              <a:t>52</a:t>
+            </a:r>
+            <a:r>
+              <a:rPr lang="en-US" sz="2000">
+                <a:solidFill>
+                  <a:srgbClr val="000000"/>
+                </a:solidFill>
+                <a:latin typeface="Arial"/>
+              </a:rPr>
+              <a:t> subjects</a:t>
+            </a:r>
+            <a:endParaRPr/>
+          </a:p>
+          <a:p>
+            <a:pPr lvl="1">
+              <a:lnSpc>
+                <a:spcPct val="150000"/>
+              </a:lnSpc>
+              <a:buFont typeface="StarSymbol"/>
+              <a:buChar char="-"/>
+            </a:pPr>
+            <a:r>
+              <a:rPr lang="en-US" sz="2000">
+                <a:solidFill>
+                  <a:srgbClr val="000000"/>
+                </a:solidFill>
+                <a:latin typeface="Arial"/>
+              </a:rPr>
+              <a:t>from </a:t>
+            </a:r>
+            <a:r>
+              <a:rPr b="1" lang="en-US" sz="2000">
+                <a:solidFill>
+                  <a:srgbClr val="000000"/>
+                </a:solidFill>
+                <a:latin typeface="Arial"/>
+              </a:rPr>
+              <a:t>five</a:t>
+            </a:r>
+            <a:r>
+              <a:rPr lang="en-US" sz="2000">
+                <a:solidFill>
+                  <a:srgbClr val="000000"/>
+                </a:solidFill>
+                <a:latin typeface="Arial"/>
+              </a:rPr>
+              <a:t> different views simultaneously</a:t>
+            </a:r>
+            <a:endParaRPr/>
+          </a:p>
+          <a:p>
+            <a:pPr>
+              <a:lnSpc>
+                <a:spcPct val="150000"/>
+              </a:lnSpc>
+              <a:buFont typeface="Arial"/>
+              <a:buChar char="•"/>
+            </a:pPr>
+            <a:r>
+              <a:rPr lang="en-US" sz="2000">
+                <a:solidFill>
+                  <a:srgbClr val="000000"/>
+                </a:solidFill>
+                <a:latin typeface="Arial"/>
+              </a:rPr>
+              <a:t>Contents</a:t>
+            </a:r>
+            <a:endParaRPr/>
+          </a:p>
+          <a:p>
+            <a:pPr lvl="1">
+              <a:lnSpc>
+                <a:spcPct val="150000"/>
+              </a:lnSpc>
+              <a:buFont typeface="StarSymbol"/>
+              <a:buChar char="-"/>
+            </a:pPr>
+            <a:r>
+              <a:rPr lang="en-US" sz="2000">
+                <a:solidFill>
+                  <a:srgbClr val="000000"/>
+                </a:solidFill>
+                <a:latin typeface="Arial"/>
+              </a:rPr>
+              <a:t>digits : randomly generated ten fixed digit sequences.</a:t>
+            </a:r>
+            <a:endParaRPr/>
+          </a:p>
+          <a:p>
+            <a:pPr lvl="1">
+              <a:lnSpc>
+                <a:spcPct val="150000"/>
+              </a:lnSpc>
+              <a:buFont typeface="StarSymbol"/>
+              <a:buChar char="-"/>
+            </a:pPr>
+            <a:r>
+              <a:rPr lang="en-US" sz="2000">
+                <a:solidFill>
+                  <a:srgbClr val="000000"/>
+                </a:solidFill>
+                <a:latin typeface="Arial"/>
+              </a:rPr>
+              <a:t>phrases: ten daily-use short English phrases</a:t>
+            </a:r>
+            <a:endParaRPr/>
+          </a:p>
+          <a:p>
+            <a:pPr lvl="1">
+              <a:lnSpc>
+                <a:spcPct val="150000"/>
+              </a:lnSpc>
+              <a:buFont typeface="StarSymbol"/>
+              <a:buChar char="-"/>
+            </a:pPr>
+            <a:r>
+              <a:rPr lang="en-US" sz="2000">
+                <a:solidFill>
+                  <a:srgbClr val="000000"/>
+                </a:solidFill>
+                <a:latin typeface="Arial"/>
+              </a:rPr>
+              <a:t>TIMIT sentence: five randomly selected TIMIT sentences</a:t>
+            </a:r>
+            <a:endParaRPr/>
+          </a:p>
+          <a:p>
+            <a:pPr>
+              <a:lnSpc>
+                <a:spcPct val="150000"/>
+              </a:lnSpc>
+            </a:pPr>
+            <a:endParaRPr/>
+          </a:p>
+        </p:txBody>
+      </p:sp>
+      <p:pic>
+        <p:nvPicPr>
+          <p:cNvPr id="163" name="그림 8" descr=""/>
+          <p:cNvPicPr/>
           <p:nvPr/>
-        </p:nvSpPr>
-        <p:spPr>
-          <a:xfrm>
-            <a:off x="6035400" y="1513800"/>
-            <a:ext cx="2496960" cy="852480"/>
-          </a:xfrm>
-          <a:prstGeom prst="rect">
-            <a:avLst/>
-          </a:prstGeom>
-          <a:noFill/>
+        </p:nvPicPr>
+        <p:blipFill>
+          <a:blip r:embed="rId3"/>
+          <a:srcRect l="0" t="0" r="0" b="5447746"/>
+          <a:stretch>
+            <a:fillRect/>
+          </a:stretch>
+        </p:blipFill>
+        <p:spPr>
+          <a:xfrm>
+            <a:off x="889560" y="5379480"/>
+            <a:ext cx="3685680" cy="909000"/>
+          </a:xfrm>
+          <a:prstGeom prst="rect">
+            <a:avLst/>
+          </a:prstGeom>
           <a:ln>
             <a:noFill/>
           </a:ln>
         </p:spPr>
-        <p:txBody>
-          <a:bodyPr lIns="90000" rIns="90000" tIns="45000" bIns="45000"/>
-          <a:p>
-            <a:pPr>
-              <a:lnSpc>
-                <a:spcPct val="150000"/>
-              </a:lnSpc>
-            </a:pPr>
-            <a:r>
-              <a:rPr b="1" lang="en-US" sz="2000">
-                <a:solidFill>
-                  <a:srgbClr val="000000"/>
-                </a:solidFill>
-                <a:latin typeface="Arial"/>
-              </a:rPr>
-              <a:t>4. Goodbye</a:t>
-            </a:r>
-            <a:endParaRPr/>
-          </a:p>
-          <a:p>
-            <a:pPr>
-              <a:lnSpc>
-                <a:spcPct val="150000"/>
-              </a:lnSpc>
-            </a:pPr>
-            <a:r>
-              <a:rPr b="1" lang="en-US" sz="2000">
-                <a:solidFill>
-                  <a:srgbClr val="000000"/>
-                </a:solidFill>
-                <a:latin typeface="Arial"/>
-              </a:rPr>
-              <a:t>5. Hello</a:t>
-            </a:r>
-            <a:endParaRPr/>
-          </a:p>
-        </p:txBody>
-      </p:sp>
+      </p:pic>
     </p:spTree>
   </p:cSld>
   <p:timing>
     <p:tnLst>
       <p:par>
-        <p:cTn id="9" dur="indefinite" restart="never" nodeType="tmRoot">
+        <p:cTn id="17" dur="indefinite" restart="never" nodeType="tmRoot">
           <p:childTnLst>
             <p:seq>
-              <p:cTn id="10" restart="whenNotActive" nodeType="interactiveSeq" fill="hold">
-                <p:childTnLst>
-                  <p:par>
-                    <p:cTn id="11" fill="hold">
-                      <p:stCondLst/>
-                      <p:childTnLst>
-                        <p:par>
-                          <p:cTn id="12" fill="hold">
-                            <p:stCondLst>
-                              <p:cond delay="0"/>
-                            </p:stCondLst>
-                            <p:childTnLst>
-                              <p:par>
-                                <p:cTn id="13" nodeType="clickEffect" fill="hold" presetClass="mediacall">
-                                  <p:stCondLst>
-                                    <p:cond delay="0"/>
-                                  </p:stCondLst>
-                                  <p:childTnLst/>
-                                </p:cTn>
-                              </p:par>
-                            </p:childTnLst>
-                          </p:cTn>
-                        </p:par>
-                      </p:childTnLst>
-                    </p:cTn>
-                  </p:par>
-                </p:childTnLst>
-              </p:cTn>
-              <p:prevCondLst>
-                <p:cond delay="0" evt="onPrev">
-                  <p:tgtEl>
-                    <p:sldTgt/>
-                  </p:tgtEl>
-                </p:cond>
-              </p:prevCondLst>
-              <p:nextCondLst>
-                <p:cond delay="0" evt="onNext">
-                  <p:tgtEl>
-                    <p:sldTgt/>
-                  </p:tgtEl>
-                </p:cond>
-              </p:nextCondLst>
-            </p:seq>
-            <p:seq>
-              <p:cTn id="14" restart="whenNotActive" nodeType="interactiveSeq" fill="hold">
-                <p:childTnLst>
-                  <p:par>
-                    <p:cTn id="15" fill="hold">
-                      <p:stCondLst/>
-                      <p:childTnLst>
-                        <p:par>
-                          <p:cTn id="16" fill="hold">
-                            <p:stCondLst>
-                              <p:cond delay="0"/>
-                            </p:stCondLst>
-                            <p:childTnLst>
-                              <p:par>
-                                <p:cTn id="17" nodeType="clickEffect" fill="hold" presetClass="mediacall">
-                                  <p:stCondLst>
-                                    <p:cond delay="0"/>
-                                  </p:stCondLst>
-                                  <p:childTnLst/>
-                                </p:cTn>
-                              </p:par>
-                            </p:childTnLst>
-                          </p:cTn>
-                        </p:par>
-                      </p:childTnLst>
-                    </p:cTn>
-                  </p:par>
-                </p:childTnLst>
-              </p:cTn>
+              <p:cTn id="18" nodeType="mainSeq"/>
               <p:prevCondLst>
                 <p:cond delay="0" evt="onPrev">
                   <p:tgtEl>
@@ -6374,14 +6319,14 @@
       </p:grpSpPr>
       <p:sp>
         <p:nvSpPr>
-          <p:cNvPr id="169" name="CustomShape 1"/>
+          <p:cNvPr id="164" name="CustomShape 1"/>
           <p:cNvSpPr/>
           <p:nvPr/>
         </p:nvSpPr>
         <p:spPr>
           <a:xfrm>
-            <a:off x="1386000" y="3093120"/>
-            <a:ext cx="6372000" cy="671760"/>
+            <a:off x="235080" y="227520"/>
+            <a:ext cx="7952760" cy="455400"/>
           </a:xfrm>
           <a:prstGeom prst="rect">
             <a:avLst/>
@@ -6392,159 +6337,37 @@
           </a:ln>
         </p:spPr>
         <p:txBody>
-          <a:bodyPr wrap="none" lIns="13680" rIns="13680" tIns="13680" bIns="13680" anchor="ctr"/>
-          <a:p>
-            <a:pPr algn="ctr">
-              <a:lnSpc>
-                <a:spcPct val="90000"/>
-              </a:lnSpc>
-            </a:pPr>
-            <a:r>
-              <a:rPr b="1" lang="en-US" sz="3300">
+          <a:bodyPr lIns="0" rIns="0" tIns="0" bIns="0" anchor="ctr"/>
+          <a:p>
+            <a:pPr>
+              <a:lnSpc>
+                <a:spcPct val="100000"/>
+              </a:lnSpc>
+            </a:pPr>
+            <a:r>
+              <a:rPr b="1" lang="en-US" sz="3200">
                 <a:solidFill>
                   <a:srgbClr val="ffffff"/>
                 </a:solidFill>
                 <a:latin typeface="Calibri"/>
                 <a:ea typeface="맑은 고딕"/>
               </a:rPr>
-              <a:t>Q&amp;A</a:t>
-            </a:r>
-            <a:endParaRPr/>
-          </a:p>
-        </p:txBody>
-      </p:sp>
-    </p:spTree>
-  </p:cSld>
-</p:sld>
-</file>
-
-<file path=ppt/slides/slide12.xml><?xml version="1.0" encoding="utf-8"?>
-<p:sld xmlns:a="http://schemas.openxmlformats.org/drawingml/2006/main" xmlns:p="http://schemas.openxmlformats.org/presentationml/2006/main" xmlns:r="http://schemas.openxmlformats.org/officeDocument/2006/relationships">
-  <p:cSld>
-    <p:spTree>
-      <p:nvGrpSpPr>
-        <p:cNvPr id="1" name=""/>
-        <p:cNvGrpSpPr/>
-        <p:nvPr/>
-      </p:nvGrpSpPr>
-      <p:grpSpPr>
-        <a:xfrm>
-          <a:off x="0" y="0"/>
-          <a:ext cx="0" cy="0"/>
-          <a:chOff x="0" y="0"/>
-          <a:chExt cx="0" cy="0"/>
-        </a:xfrm>
-      </p:grpSpPr>
-      <p:sp>
-        <p:nvSpPr>
-          <p:cNvPr id="170" name="CustomShape 1"/>
+              <a:t>Dataset – OULUVS2</a:t>
+            </a:r>
+            <a:endParaRPr/>
+          </a:p>
+        </p:txBody>
+      </p:sp>
+      <p:sp>
+        <p:nvSpPr>
+          <p:cNvPr id="165" name="CustomShape 2"/>
           <p:cNvSpPr/>
           <p:nvPr/>
         </p:nvSpPr>
         <p:spPr>
           <a:xfrm>
-            <a:off x="1386000" y="3093120"/>
-            <a:ext cx="6372000" cy="671760"/>
-          </a:xfrm>
-          <a:prstGeom prst="rect">
-            <a:avLst/>
-          </a:prstGeom>
-          <a:noFill/>
-          <a:ln>
-            <a:noFill/>
-          </a:ln>
-        </p:spPr>
-        <p:txBody>
-          <a:bodyPr wrap="none" lIns="13680" rIns="13680" tIns="13680" bIns="13680" anchor="ctr"/>
-          <a:p>
-            <a:pPr algn="ctr">
-              <a:lnSpc>
-                <a:spcPct val="90000"/>
-              </a:lnSpc>
-            </a:pPr>
-            <a:r>
-              <a:rPr b="1" lang="en-US" sz="3300">
-                <a:solidFill>
-                  <a:srgbClr val="ffffff"/>
-                </a:solidFill>
-                <a:latin typeface="Calibri"/>
-                <a:ea typeface="맑은 고딕"/>
-              </a:rPr>
-              <a:t>End of Presentation</a:t>
-            </a:r>
-            <a:endParaRPr/>
-          </a:p>
-        </p:txBody>
-      </p:sp>
-    </p:spTree>
-  </p:cSld>
-</p:sld>
-</file>
-
-<file path=ppt/slides/slide13.xml><?xml version="1.0" encoding="utf-8"?>
-<p:sld xmlns:a="http://schemas.openxmlformats.org/drawingml/2006/main" xmlns:p="http://schemas.openxmlformats.org/presentationml/2006/main" xmlns:r="http://schemas.openxmlformats.org/officeDocument/2006/relationships">
-  <p:cSld>
-    <p:spTree>
-      <p:nvGrpSpPr>
-        <p:cNvPr id="1" name=""/>
-        <p:cNvGrpSpPr/>
-        <p:nvPr/>
-      </p:nvGrpSpPr>
-      <p:grpSpPr>
-        <a:xfrm>
-          <a:off x="0" y="0"/>
-          <a:ext cx="0" cy="0"/>
-          <a:chOff x="0" y="0"/>
-          <a:chExt cx="0" cy="0"/>
-        </a:xfrm>
-      </p:grpSpPr>
-      <p:sp>
-        <p:nvSpPr>
-          <p:cNvPr id="171" name="TextShape 1"/>
-          <p:cNvSpPr txBox="1"/>
-          <p:nvPr/>
-        </p:nvSpPr>
-        <p:spPr>
-          <a:xfrm>
-            <a:off x="235080" y="227520"/>
-            <a:ext cx="7953120" cy="455760"/>
-          </a:xfrm>
-          <a:prstGeom prst="rect">
-            <a:avLst/>
-          </a:prstGeom>
-        </p:spPr>
-        <p:txBody>
-          <a:bodyPr lIns="0" rIns="0" tIns="0" bIns="0" anchor="ctr"/>
-          <a:p>
-            <a:pPr>
-              <a:lnSpc>
-                <a:spcPct val="100000"/>
-              </a:lnSpc>
-            </a:pPr>
-            <a:r>
-              <a:rPr b="1" lang="ko-KR" sz="3200">
-                <a:solidFill>
-                  <a:srgbClr val="ffffff"/>
-                </a:solidFill>
-                <a:latin typeface="Calibri"/>
-                <a:ea typeface="맑은 고딕"/>
-              </a:rPr>
-              <a:t>Dataset – OULUVS2</a:t>
-            </a:r>
-            <a:endParaRPr/>
-          </a:p>
-        </p:txBody>
-      </p:sp>
-      <p:sp>
-        <p:nvSpPr>
-          <p:cNvPr id="172" name="CustomShape 2"/>
-          <p:cNvSpPr/>
-          <p:nvPr/>
-        </p:nvSpPr>
-        <p:spPr>
-          <a:xfrm>
             <a:off x="611280" y="2644560"/>
-            <a:ext cx="7921440" cy="345960"/>
+            <a:ext cx="7921080" cy="345600"/>
           </a:xfrm>
           <a:prstGeom prst="rect">
             <a:avLst/>
@@ -6559,14 +6382,14 @@
       </p:sp>
       <p:sp>
         <p:nvSpPr>
-          <p:cNvPr id="173" name="CustomShape 3"/>
+          <p:cNvPr id="166" name="CustomShape 3"/>
           <p:cNvSpPr/>
           <p:nvPr/>
         </p:nvSpPr>
         <p:spPr>
           <a:xfrm>
-            <a:off x="308160" y="3760200"/>
-            <a:ext cx="4045680" cy="700200"/>
+            <a:off x="4218120" y="1513800"/>
+            <a:ext cx="2496600" cy="1309320"/>
           </a:xfrm>
           <a:prstGeom prst="rect">
             <a:avLst/>
@@ -6579,10 +6402,12 @@
         <p:txBody>
           <a:bodyPr lIns="90000" rIns="90000" tIns="45000" bIns="45000"/>
           <a:p>
-            <a:pPr algn="ctr">
-              <a:lnSpc>
-                <a:spcPct val="100000"/>
-              </a:lnSpc>
+            <a:pPr>
+              <a:lnSpc>
+                <a:spcPct val="150000"/>
+              </a:lnSpc>
+              <a:buFont typeface="StarSymbol"/>
+              <a:buAutoNum type="arabicPeriod"/>
             </a:pPr>
             <a:r>
               <a:rPr b="1" lang="en-US" sz="2000">
@@ -6591,14 +6416,14 @@
                 </a:solidFill>
                 <a:latin typeface="Arial"/>
               </a:rPr>
-              <a:t>Basketball can be </a:t>
-            </a:r>
-            <a:endParaRPr/>
-          </a:p>
-          <a:p>
-            <a:pPr algn="ctr">
-              <a:lnSpc>
-                <a:spcPct val="100000"/>
+              <a:t>See you</a:t>
+            </a:r>
+            <a:endParaRPr/>
+          </a:p>
+          <a:p>
+            <a:pPr>
+              <a:lnSpc>
+                <a:spcPct val="150000"/>
               </a:lnSpc>
             </a:pPr>
             <a:r>
@@ -6608,22 +6433,39 @@
                 </a:solidFill>
                 <a:latin typeface="Arial"/>
               </a:rPr>
-              <a:t>an entertaining sport.</a:t>
-            </a:r>
-            <a:endParaRPr/>
-          </a:p>
-        </p:txBody>
-      </p:sp>
-      <p:sp>
-        <p:nvSpPr>
-          <p:cNvPr id="174" name="CustomShape 4"/>
+              <a:t>2. Thank you</a:t>
+            </a:r>
+            <a:endParaRPr/>
+          </a:p>
+          <a:p>
+            <a:pPr>
+              <a:lnSpc>
+                <a:spcPct val="150000"/>
+              </a:lnSpc>
+            </a:pPr>
+            <a:r>
+              <a:rPr b="1" lang="en-US" sz="2000">
+                <a:solidFill>
+                  <a:srgbClr val="000000"/>
+                </a:solidFill>
+                <a:latin typeface="Arial"/>
+              </a:rPr>
+              <a:t>3. Excuse me</a:t>
+            </a:r>
+            <a:endParaRPr/>
+          </a:p>
+        </p:txBody>
+      </p:sp>
+      <p:sp>
+        <p:nvSpPr>
+          <p:cNvPr id="167" name="CustomShape 4"/>
           <p:cNvSpPr/>
           <p:nvPr/>
         </p:nvSpPr>
         <p:spPr>
           <a:xfrm>
-            <a:off x="4896360" y="3760200"/>
-            <a:ext cx="3893040" cy="700200"/>
+            <a:off x="1301400" y="1284480"/>
+            <a:ext cx="2496600" cy="394920"/>
           </a:xfrm>
           <a:prstGeom prst="rect">
             <a:avLst/>
@@ -6636,7 +6478,7 @@
         <p:txBody>
           <a:bodyPr lIns="90000" rIns="90000" tIns="45000" bIns="45000"/>
           <a:p>
-            <a:pPr algn="ctr">
+            <a:pPr>
               <a:lnSpc>
                 <a:spcPct val="100000"/>
               </a:lnSpc>
@@ -6648,164 +6490,22 @@
                 </a:solidFill>
                 <a:latin typeface="Arial"/>
               </a:rPr>
-              <a:t>Chocolate and roses never</a:t>
-            </a:r>
-            <a:endParaRPr/>
-          </a:p>
-          <a:p>
-            <a:pPr algn="ctr">
-              <a:lnSpc>
-                <a:spcPct val="100000"/>
-              </a:lnSpc>
-            </a:pPr>
-            <a:r>
-              <a:rPr b="1" lang="en-US" sz="2000">
-                <a:solidFill>
-                  <a:srgbClr val="000000"/>
-                </a:solidFill>
-                <a:latin typeface="Arial"/>
-              </a:rPr>
-              <a:t> </a:t>
-            </a:r>
-            <a:r>
-              <a:rPr b="1" lang="en-US" sz="2000">
-                <a:solidFill>
-                  <a:srgbClr val="000000"/>
-                </a:solidFill>
-                <a:latin typeface="Arial"/>
-              </a:rPr>
-              <a:t>fail as a romantic gift.</a:t>
-            </a:r>
-            <a:endParaRPr/>
-          </a:p>
-        </p:txBody>
-      </p:sp>
-      <p:sp>
-        <p:nvSpPr>
-          <p:cNvPr id="175" name="CustomShape 5"/>
+              <a:t>Q) What lip says?</a:t>
+            </a:r>
+            <a:endParaRPr/>
+          </a:p>
+        </p:txBody>
+      </p:sp>
+      <p:sp>
+        <p:nvSpPr>
+          <p:cNvPr id="168" name="CustomShape 5"/>
           <p:cNvSpPr/>
           <p:nvPr/>
         </p:nvSpPr>
         <p:spPr>
           <a:xfrm>
-            <a:off x="4399920" y="4818240"/>
-            <a:ext cx="2496960" cy="1309680"/>
-          </a:xfrm>
-          <a:prstGeom prst="rect">
-            <a:avLst/>
-          </a:prstGeom>
-          <a:noFill/>
-          <a:ln>
-            <a:noFill/>
-          </a:ln>
-        </p:spPr>
-        <p:txBody>
-          <a:bodyPr lIns="90000" rIns="90000" tIns="45000" bIns="45000"/>
-          <a:p>
-            <a:pPr>
-              <a:lnSpc>
-                <a:spcPct val="150000"/>
-              </a:lnSpc>
-              <a:buFont typeface="StarSymbol"/>
-              <a:buAutoNum type="arabicPeriod"/>
-            </a:pPr>
-            <a:r>
-              <a:rPr b="1" lang="en-US" sz="2000">
-                <a:solidFill>
-                  <a:srgbClr val="000000"/>
-                </a:solidFill>
-                <a:latin typeface="Arial"/>
-              </a:rPr>
-              <a:t>See you</a:t>
-            </a:r>
-            <a:endParaRPr/>
-          </a:p>
-          <a:p>
-            <a:pPr>
-              <a:lnSpc>
-                <a:spcPct val="150000"/>
-              </a:lnSpc>
-            </a:pPr>
-            <a:r>
-              <a:rPr b="1" lang="en-US" sz="2000">
-                <a:solidFill>
-                  <a:srgbClr val="000000"/>
-                </a:solidFill>
-                <a:latin typeface="Arial"/>
-              </a:rPr>
-              <a:t>2. Thank you</a:t>
-            </a:r>
-            <a:endParaRPr/>
-          </a:p>
-          <a:p>
-            <a:pPr>
-              <a:lnSpc>
-                <a:spcPct val="150000"/>
-              </a:lnSpc>
-            </a:pPr>
-            <a:r>
-              <a:rPr b="1" lang="en-US" sz="2000">
-                <a:solidFill>
-                  <a:srgbClr val="000000"/>
-                </a:solidFill>
-                <a:latin typeface="Arial"/>
-              </a:rPr>
-              <a:t>3. Excuse me</a:t>
-            </a:r>
-            <a:endParaRPr/>
-          </a:p>
-        </p:txBody>
-      </p:sp>
-      <p:sp>
-        <p:nvSpPr>
-          <p:cNvPr id="176" name="CustomShape 6"/>
-          <p:cNvSpPr/>
-          <p:nvPr/>
-        </p:nvSpPr>
-        <p:spPr>
-          <a:xfrm>
-            <a:off x="1667880" y="6111000"/>
-            <a:ext cx="2496960" cy="395280"/>
-          </a:xfrm>
-          <a:prstGeom prst="rect">
-            <a:avLst/>
-          </a:prstGeom>
-          <a:noFill/>
-          <a:ln>
-            <a:noFill/>
-          </a:ln>
-        </p:spPr>
-        <p:txBody>
-          <a:bodyPr lIns="90000" rIns="90000" tIns="45000" bIns="45000"/>
-          <a:p>
-            <a:pPr>
-              <a:lnSpc>
-                <a:spcPct val="100000"/>
-              </a:lnSpc>
-            </a:pPr>
-            <a:r>
-              <a:rPr b="1" lang="en-US" sz="2000">
-                <a:solidFill>
-                  <a:srgbClr val="000000"/>
-                </a:solidFill>
-                <a:latin typeface="Arial"/>
-              </a:rPr>
-              <a:t>Q) What lip says?</a:t>
-            </a:r>
-            <a:endParaRPr/>
-          </a:p>
-        </p:txBody>
-      </p:sp>
-      <p:sp>
-        <p:nvSpPr>
-          <p:cNvPr id="177" name="CustomShape 7"/>
-          <p:cNvSpPr/>
-          <p:nvPr/>
-        </p:nvSpPr>
-        <p:spPr>
-          <a:xfrm>
-            <a:off x="6217200" y="4818240"/>
-            <a:ext cx="2496960" cy="852480"/>
+            <a:off x="6035400" y="1513800"/>
+            <a:ext cx="2496600" cy="852120"/>
           </a:xfrm>
           <a:prstGeom prst="rect">
             <a:avLst/>
@@ -6858,27 +6558,25 @@
   <p:timing>
     <p:tnLst>
       <p:par>
-        <p:cTn id="18" dur="indefinite" restart="never" nodeType="tmRoot">
+        <p:cTn id="19" dur="indefinite" restart="never" nodeType="tmRoot">
           <p:childTnLst>
             <p:seq>
-              <p:cTn id="19" restart="whenNotActive" nodeType="interactiveSeq" fill="hold">
+              <p:cTn id="20" restart="whenNotActive" nodeType="interactiveSeq" fill="hold">
                 <p:childTnLst>
                   <p:par>
-                    <p:cTn id="20" fill="hold">
-                      <p:stCondLst/>
+                    <p:cTn id="21" fill="hold">
                       <p:childTnLst>
                         <p:par>
-                          <p:cTn id="21" fill="hold">
+                          <p:cTn id="22" fill="hold">
                             <p:stCondLst>
                               <p:cond delay="0"/>
                             </p:stCondLst>
                             <p:childTnLst>
                               <p:par>
-                                <p:cTn id="22" nodeType="clickEffect" fill="hold" presetClass="mediacall">
+                                <p:cTn id="23" nodeType="clickEffect" fill="hold" presetClass="mediacall">
                                   <p:stCondLst>
                                     <p:cond delay="0"/>
                                   </p:stCondLst>
-                                  <p:childTnLst/>
                                 </p:cTn>
                               </p:par>
                             </p:childTnLst>
@@ -6905,24 +6603,22 @@
               </p:nextCondLst>
             </p:seq>
             <p:seq>
-              <p:cTn id="23" restart="whenNotActive" nodeType="interactiveSeq" fill="hold">
+              <p:cTn id="24" restart="whenNotActive" nodeType="interactiveSeq" fill="hold">
                 <p:childTnLst>
                   <p:par>
-                    <p:cTn id="24" fill="hold">
-                      <p:stCondLst/>
+                    <p:cTn id="25" fill="hold">
                       <p:childTnLst>
                         <p:par>
-                          <p:cTn id="25" fill="hold">
+                          <p:cTn id="26" fill="hold">
                             <p:stCondLst>
                               <p:cond delay="0"/>
                             </p:stCondLst>
                             <p:childTnLst>
                               <p:par>
-                                <p:cTn id="26" nodeType="clickEffect" fill="hold" presetClass="mediacall">
+                                <p:cTn id="27" nodeType="clickEffect" fill="hold" presetClass="mediacall">
                                   <p:stCondLst>
                                     <p:cond delay="0"/>
                                   </p:stCondLst>
-                                  <p:childTnLst/>
                                 </p:cTn>
                               </p:par>
                             </p:childTnLst>
@@ -6949,24 +6645,610 @@
               </p:nextCondLst>
             </p:seq>
             <p:seq>
-              <p:cTn id="27" restart="whenNotActive" nodeType="interactiveSeq" fill="hold">
+              <p:cTn id="28" nodeType="mainSeq"/>
+              <p:prevCondLst>
+                <p:cond delay="0" evt="onPrev">
+                  <p:tgtEl>
+                    <p:sldTgt/>
+                  </p:tgtEl>
+                </p:cond>
+              </p:prevCondLst>
+              <p:nextCondLst>
+                <p:cond delay="0" evt="onNext">
+                  <p:tgtEl>
+                    <p:sldTgt/>
+                  </p:tgtEl>
+                </p:cond>
+              </p:nextCondLst>
+            </p:seq>
+          </p:childTnLst>
+        </p:cTn>
+      </p:par>
+    </p:tnLst>
+  </p:timing>
+</p:sld>
+</file>
+
+<file path=ppt/slides/slide12.xml><?xml version="1.0" encoding="utf-8"?>
+<p:sld xmlns:a="http://schemas.openxmlformats.org/drawingml/2006/main" xmlns:p="http://schemas.openxmlformats.org/presentationml/2006/main" xmlns:r="http://schemas.openxmlformats.org/officeDocument/2006/relationships">
+  <p:cSld>
+    <p:spTree>
+      <p:nvGrpSpPr>
+        <p:cNvPr id="1" name=""/>
+        <p:cNvGrpSpPr/>
+        <p:nvPr/>
+      </p:nvGrpSpPr>
+      <p:grpSpPr>
+        <a:xfrm>
+          <a:off x="0" y="0"/>
+          <a:ext cx="0" cy="0"/>
+          <a:chOff x="0" y="0"/>
+          <a:chExt cx="0" cy="0"/>
+        </a:xfrm>
+      </p:grpSpPr>
+      <p:sp>
+        <p:nvSpPr>
+          <p:cNvPr id="169" name="CustomShape 1"/>
+          <p:cNvSpPr/>
+          <p:nvPr/>
+        </p:nvSpPr>
+        <p:spPr>
+          <a:xfrm>
+            <a:off x="1386000" y="3093120"/>
+            <a:ext cx="6371640" cy="671400"/>
+          </a:xfrm>
+          <a:prstGeom prst="rect">
+            <a:avLst/>
+          </a:prstGeom>
+          <a:noFill/>
+          <a:ln>
+            <a:noFill/>
+          </a:ln>
+        </p:spPr>
+        <p:txBody>
+          <a:bodyPr wrap="none" lIns="13680" rIns="13680" tIns="13680" bIns="13680" anchor="ctr"/>
+          <a:p>
+            <a:pPr algn="ctr">
+              <a:lnSpc>
+                <a:spcPct val="90000"/>
+              </a:lnSpc>
+            </a:pPr>
+            <a:r>
+              <a:rPr b="1" lang="en-US" sz="3300">
+                <a:solidFill>
+                  <a:srgbClr val="ffffff"/>
+                </a:solidFill>
+                <a:latin typeface="Calibri"/>
+                <a:ea typeface="맑은 고딕"/>
+              </a:rPr>
+              <a:t>Q&amp;A</a:t>
+            </a:r>
+            <a:endParaRPr/>
+          </a:p>
+        </p:txBody>
+      </p:sp>
+    </p:spTree>
+  </p:cSld>
+  <p:timing>
+    <p:tnLst>
+      <p:par>
+        <p:cTn id="29" dur="indefinite" restart="never" nodeType="tmRoot">
+          <p:childTnLst>
+            <p:seq>
+              <p:cTn id="30" nodeType="mainSeq"/>
+              <p:prevCondLst>
+                <p:cond delay="0" evt="onPrev">
+                  <p:tgtEl>
+                    <p:sldTgt/>
+                  </p:tgtEl>
+                </p:cond>
+              </p:prevCondLst>
+              <p:nextCondLst>
+                <p:cond delay="0" evt="onNext">
+                  <p:tgtEl>
+                    <p:sldTgt/>
+                  </p:tgtEl>
+                </p:cond>
+              </p:nextCondLst>
+            </p:seq>
+          </p:childTnLst>
+        </p:cTn>
+      </p:par>
+    </p:tnLst>
+  </p:timing>
+</p:sld>
+</file>
+
+<file path=ppt/slides/slide13.xml><?xml version="1.0" encoding="utf-8"?>
+<p:sld xmlns:a="http://schemas.openxmlformats.org/drawingml/2006/main" xmlns:p="http://schemas.openxmlformats.org/presentationml/2006/main" xmlns:r="http://schemas.openxmlformats.org/officeDocument/2006/relationships">
+  <p:cSld>
+    <p:spTree>
+      <p:nvGrpSpPr>
+        <p:cNvPr id="1" name=""/>
+        <p:cNvGrpSpPr/>
+        <p:nvPr/>
+      </p:nvGrpSpPr>
+      <p:grpSpPr>
+        <a:xfrm>
+          <a:off x="0" y="0"/>
+          <a:ext cx="0" cy="0"/>
+          <a:chOff x="0" y="0"/>
+          <a:chExt cx="0" cy="0"/>
+        </a:xfrm>
+      </p:grpSpPr>
+      <p:sp>
+        <p:nvSpPr>
+          <p:cNvPr id="170" name="CustomShape 1"/>
+          <p:cNvSpPr/>
+          <p:nvPr/>
+        </p:nvSpPr>
+        <p:spPr>
+          <a:xfrm>
+            <a:off x="1386000" y="3093120"/>
+            <a:ext cx="6371640" cy="671400"/>
+          </a:xfrm>
+          <a:prstGeom prst="rect">
+            <a:avLst/>
+          </a:prstGeom>
+          <a:noFill/>
+          <a:ln>
+            <a:noFill/>
+          </a:ln>
+        </p:spPr>
+        <p:txBody>
+          <a:bodyPr wrap="none" lIns="13680" rIns="13680" tIns="13680" bIns="13680" anchor="ctr"/>
+          <a:p>
+            <a:pPr algn="ctr">
+              <a:lnSpc>
+                <a:spcPct val="90000"/>
+              </a:lnSpc>
+            </a:pPr>
+            <a:r>
+              <a:rPr b="1" lang="en-US" sz="3300">
+                <a:solidFill>
+                  <a:srgbClr val="ffffff"/>
+                </a:solidFill>
+                <a:latin typeface="Calibri"/>
+                <a:ea typeface="맑은 고딕"/>
+              </a:rPr>
+              <a:t>End of Presentation</a:t>
+            </a:r>
+            <a:endParaRPr/>
+          </a:p>
+        </p:txBody>
+      </p:sp>
+    </p:spTree>
+  </p:cSld>
+  <p:timing>
+    <p:tnLst>
+      <p:par>
+        <p:cTn id="31" dur="indefinite" restart="never" nodeType="tmRoot">
+          <p:childTnLst>
+            <p:seq>
+              <p:cTn id="32" nodeType="mainSeq"/>
+              <p:prevCondLst>
+                <p:cond delay="0" evt="onPrev">
+                  <p:tgtEl>
+                    <p:sldTgt/>
+                  </p:tgtEl>
+                </p:cond>
+              </p:prevCondLst>
+              <p:nextCondLst>
+                <p:cond delay="0" evt="onNext">
+                  <p:tgtEl>
+                    <p:sldTgt/>
+                  </p:tgtEl>
+                </p:cond>
+              </p:nextCondLst>
+            </p:seq>
+          </p:childTnLst>
+        </p:cTn>
+      </p:par>
+    </p:tnLst>
+  </p:timing>
+</p:sld>
+</file>
+
+<file path=ppt/slides/slide14.xml><?xml version="1.0" encoding="utf-8"?>
+<p:sld xmlns:a="http://schemas.openxmlformats.org/drawingml/2006/main" xmlns:p="http://schemas.openxmlformats.org/presentationml/2006/main" xmlns:r="http://schemas.openxmlformats.org/officeDocument/2006/relationships">
+  <p:cSld>
+    <p:spTree>
+      <p:nvGrpSpPr>
+        <p:cNvPr id="1" name=""/>
+        <p:cNvGrpSpPr/>
+        <p:nvPr/>
+      </p:nvGrpSpPr>
+      <p:grpSpPr>
+        <a:xfrm>
+          <a:off x="0" y="0"/>
+          <a:ext cx="0" cy="0"/>
+          <a:chOff x="0" y="0"/>
+          <a:chExt cx="0" cy="0"/>
+        </a:xfrm>
+      </p:grpSpPr>
+      <p:sp>
+        <p:nvSpPr>
+          <p:cNvPr id="171" name="CustomShape 1"/>
+          <p:cNvSpPr/>
+          <p:nvPr/>
+        </p:nvSpPr>
+        <p:spPr>
+          <a:xfrm>
+            <a:off x="235080" y="227520"/>
+            <a:ext cx="7952760" cy="455400"/>
+          </a:xfrm>
+          <a:prstGeom prst="rect">
+            <a:avLst/>
+          </a:prstGeom>
+          <a:noFill/>
+          <a:ln>
+            <a:noFill/>
+          </a:ln>
+        </p:spPr>
+        <p:txBody>
+          <a:bodyPr lIns="0" rIns="0" tIns="0" bIns="0" anchor="ctr"/>
+          <a:p>
+            <a:pPr>
+              <a:lnSpc>
+                <a:spcPct val="100000"/>
+              </a:lnSpc>
+            </a:pPr>
+            <a:r>
+              <a:rPr b="1" lang="en-US" sz="3200">
+                <a:solidFill>
+                  <a:srgbClr val="ffffff"/>
+                </a:solidFill>
+                <a:latin typeface="Calibri"/>
+                <a:ea typeface="맑은 고딕"/>
+              </a:rPr>
+              <a:t>Dataset – OULUVS2</a:t>
+            </a:r>
+            <a:endParaRPr/>
+          </a:p>
+        </p:txBody>
+      </p:sp>
+      <p:sp>
+        <p:nvSpPr>
+          <p:cNvPr id="172" name="CustomShape 2"/>
+          <p:cNvSpPr/>
+          <p:nvPr/>
+        </p:nvSpPr>
+        <p:spPr>
+          <a:xfrm>
+            <a:off x="611280" y="2644560"/>
+            <a:ext cx="7921080" cy="345600"/>
+          </a:xfrm>
+          <a:prstGeom prst="rect">
+            <a:avLst/>
+          </a:prstGeom>
+          <a:solidFill>
+            <a:srgbClr val="ffffff"/>
+          </a:solidFill>
+          <a:ln w="9360">
+            <a:noFill/>
+          </a:ln>
+        </p:spPr>
+      </p:sp>
+      <p:sp>
+        <p:nvSpPr>
+          <p:cNvPr id="173" name="CustomShape 3"/>
+          <p:cNvSpPr/>
+          <p:nvPr/>
+        </p:nvSpPr>
+        <p:spPr>
+          <a:xfrm>
+            <a:off x="308160" y="3760200"/>
+            <a:ext cx="4045320" cy="699840"/>
+          </a:xfrm>
+          <a:prstGeom prst="rect">
+            <a:avLst/>
+          </a:prstGeom>
+          <a:noFill/>
+          <a:ln>
+            <a:noFill/>
+          </a:ln>
+        </p:spPr>
+        <p:txBody>
+          <a:bodyPr lIns="90000" rIns="90000" tIns="45000" bIns="45000"/>
+          <a:p>
+            <a:pPr algn="ctr">
+              <a:lnSpc>
+                <a:spcPct val="100000"/>
+              </a:lnSpc>
+            </a:pPr>
+            <a:r>
+              <a:rPr b="1" lang="en-US" sz="2000">
+                <a:solidFill>
+                  <a:srgbClr val="000000"/>
+                </a:solidFill>
+                <a:latin typeface="Arial"/>
+              </a:rPr>
+              <a:t>Basketball can be </a:t>
+            </a:r>
+            <a:endParaRPr/>
+          </a:p>
+          <a:p>
+            <a:pPr algn="ctr">
+              <a:lnSpc>
+                <a:spcPct val="100000"/>
+              </a:lnSpc>
+            </a:pPr>
+            <a:r>
+              <a:rPr b="1" lang="en-US" sz="2000">
+                <a:solidFill>
+                  <a:srgbClr val="000000"/>
+                </a:solidFill>
+                <a:latin typeface="Arial"/>
+              </a:rPr>
+              <a:t>an entertaining sport.</a:t>
+            </a:r>
+            <a:endParaRPr/>
+          </a:p>
+        </p:txBody>
+      </p:sp>
+      <p:sp>
+        <p:nvSpPr>
+          <p:cNvPr id="174" name="CustomShape 4"/>
+          <p:cNvSpPr/>
+          <p:nvPr/>
+        </p:nvSpPr>
+        <p:spPr>
+          <a:xfrm>
+            <a:off x="4896360" y="3760200"/>
+            <a:ext cx="3892680" cy="699840"/>
+          </a:xfrm>
+          <a:prstGeom prst="rect">
+            <a:avLst/>
+          </a:prstGeom>
+          <a:noFill/>
+          <a:ln>
+            <a:noFill/>
+          </a:ln>
+        </p:spPr>
+        <p:txBody>
+          <a:bodyPr lIns="90000" rIns="90000" tIns="45000" bIns="45000"/>
+          <a:p>
+            <a:pPr algn="ctr">
+              <a:lnSpc>
+                <a:spcPct val="100000"/>
+              </a:lnSpc>
+            </a:pPr>
+            <a:r>
+              <a:rPr b="1" lang="en-US" sz="2000">
+                <a:solidFill>
+                  <a:srgbClr val="000000"/>
+                </a:solidFill>
+                <a:latin typeface="Arial"/>
+              </a:rPr>
+              <a:t>Chocolate and roses never</a:t>
+            </a:r>
+            <a:endParaRPr/>
+          </a:p>
+          <a:p>
+            <a:pPr algn="ctr">
+              <a:lnSpc>
+                <a:spcPct val="100000"/>
+              </a:lnSpc>
+            </a:pPr>
+            <a:r>
+              <a:rPr b="1" lang="en-US" sz="2000">
+                <a:solidFill>
+                  <a:srgbClr val="000000"/>
+                </a:solidFill>
+                <a:latin typeface="Arial"/>
+              </a:rPr>
+              <a:t> </a:t>
+            </a:r>
+            <a:r>
+              <a:rPr b="1" lang="en-US" sz="2000">
+                <a:solidFill>
+                  <a:srgbClr val="000000"/>
+                </a:solidFill>
+                <a:latin typeface="Arial"/>
+              </a:rPr>
+              <a:t>fail as a romantic gift.</a:t>
+            </a:r>
+            <a:endParaRPr/>
+          </a:p>
+        </p:txBody>
+      </p:sp>
+      <p:sp>
+        <p:nvSpPr>
+          <p:cNvPr id="175" name="CustomShape 5"/>
+          <p:cNvSpPr/>
+          <p:nvPr/>
+        </p:nvSpPr>
+        <p:spPr>
+          <a:xfrm>
+            <a:off x="4399920" y="4818240"/>
+            <a:ext cx="2496600" cy="1309320"/>
+          </a:xfrm>
+          <a:prstGeom prst="rect">
+            <a:avLst/>
+          </a:prstGeom>
+          <a:noFill/>
+          <a:ln>
+            <a:noFill/>
+          </a:ln>
+        </p:spPr>
+        <p:txBody>
+          <a:bodyPr lIns="90000" rIns="90000" tIns="45000" bIns="45000"/>
+          <a:p>
+            <a:pPr>
+              <a:lnSpc>
+                <a:spcPct val="150000"/>
+              </a:lnSpc>
+              <a:buFont typeface="StarSymbol"/>
+              <a:buAutoNum type="arabicPeriod"/>
+            </a:pPr>
+            <a:r>
+              <a:rPr b="1" lang="en-US" sz="2000">
+                <a:solidFill>
+                  <a:srgbClr val="000000"/>
+                </a:solidFill>
+                <a:latin typeface="Arial"/>
+              </a:rPr>
+              <a:t>See you</a:t>
+            </a:r>
+            <a:endParaRPr/>
+          </a:p>
+          <a:p>
+            <a:pPr>
+              <a:lnSpc>
+                <a:spcPct val="150000"/>
+              </a:lnSpc>
+            </a:pPr>
+            <a:r>
+              <a:rPr b="1" lang="en-US" sz="2000">
+                <a:solidFill>
+                  <a:srgbClr val="000000"/>
+                </a:solidFill>
+                <a:latin typeface="Arial"/>
+              </a:rPr>
+              <a:t>2. Thank you</a:t>
+            </a:r>
+            <a:endParaRPr/>
+          </a:p>
+          <a:p>
+            <a:pPr>
+              <a:lnSpc>
+                <a:spcPct val="150000"/>
+              </a:lnSpc>
+            </a:pPr>
+            <a:r>
+              <a:rPr b="1" lang="en-US" sz="2000">
+                <a:solidFill>
+                  <a:srgbClr val="000000"/>
+                </a:solidFill>
+                <a:latin typeface="Arial"/>
+              </a:rPr>
+              <a:t>3. Excuse me</a:t>
+            </a:r>
+            <a:endParaRPr/>
+          </a:p>
+        </p:txBody>
+      </p:sp>
+      <p:sp>
+        <p:nvSpPr>
+          <p:cNvPr id="176" name="CustomShape 6"/>
+          <p:cNvSpPr/>
+          <p:nvPr/>
+        </p:nvSpPr>
+        <p:spPr>
+          <a:xfrm>
+            <a:off x="1667880" y="6111000"/>
+            <a:ext cx="2496600" cy="394920"/>
+          </a:xfrm>
+          <a:prstGeom prst="rect">
+            <a:avLst/>
+          </a:prstGeom>
+          <a:noFill/>
+          <a:ln>
+            <a:noFill/>
+          </a:ln>
+        </p:spPr>
+        <p:txBody>
+          <a:bodyPr lIns="90000" rIns="90000" tIns="45000" bIns="45000"/>
+          <a:p>
+            <a:pPr>
+              <a:lnSpc>
+                <a:spcPct val="100000"/>
+              </a:lnSpc>
+            </a:pPr>
+            <a:r>
+              <a:rPr b="1" lang="en-US" sz="2000">
+                <a:solidFill>
+                  <a:srgbClr val="000000"/>
+                </a:solidFill>
+                <a:latin typeface="Arial"/>
+              </a:rPr>
+              <a:t>Q) What lip says?</a:t>
+            </a:r>
+            <a:endParaRPr/>
+          </a:p>
+        </p:txBody>
+      </p:sp>
+      <p:sp>
+        <p:nvSpPr>
+          <p:cNvPr id="177" name="CustomShape 7"/>
+          <p:cNvSpPr/>
+          <p:nvPr/>
+        </p:nvSpPr>
+        <p:spPr>
+          <a:xfrm>
+            <a:off x="6217200" y="4818240"/>
+            <a:ext cx="2496600" cy="852120"/>
+          </a:xfrm>
+          <a:prstGeom prst="rect">
+            <a:avLst/>
+          </a:prstGeom>
+          <a:noFill/>
+          <a:ln>
+            <a:noFill/>
+          </a:ln>
+        </p:spPr>
+        <p:txBody>
+          <a:bodyPr lIns="90000" rIns="90000" tIns="45000" bIns="45000"/>
+          <a:p>
+            <a:pPr>
+              <a:lnSpc>
+                <a:spcPct val="150000"/>
+              </a:lnSpc>
+            </a:pPr>
+            <a:r>
+              <a:rPr b="1" lang="en-US" sz="2000">
+                <a:solidFill>
+                  <a:srgbClr val="000000"/>
+                </a:solidFill>
+                <a:latin typeface="Arial"/>
+              </a:rPr>
+              <a:t>4. Goodbye</a:t>
+            </a:r>
+            <a:endParaRPr/>
+          </a:p>
+          <a:p>
+            <a:pPr>
+              <a:lnSpc>
+                <a:spcPct val="150000"/>
+              </a:lnSpc>
+            </a:pPr>
+            <a:r>
+              <a:rPr b="1" lang="en-US" sz="2000">
+                <a:solidFill>
+                  <a:srgbClr val="000000"/>
+                </a:solidFill>
+                <a:latin typeface="Arial"/>
+              </a:rPr>
+              <a:t>5. Hello</a:t>
+            </a:r>
+            <a:endParaRPr/>
+          </a:p>
+        </p:txBody>
+      </p:sp>
+    </p:spTree>
+  </p:cSld>
+  <p:timing>
+    <p:tnLst>
+      <p:par>
+        <p:cTn id="33" dur="indefinite" restart="never" nodeType="tmRoot">
+          <p:childTnLst>
+            <p:seq>
+              <p:cTn id="34" restart="whenNotActive" nodeType="interactiveSeq" fill="hold">
                 <p:childTnLst>
                   <p:par>
-                    <p:cTn id="28" fill="hold">
-                      <p:stCondLst/>
+                    <p:cTn id="35" fill="hold">
                       <p:childTnLst>
                         <p:par>
-                          <p:cTn id="29" fill="hold">
+                          <p:cTn id="36" fill="hold">
                             <p:stCondLst>
                               <p:cond delay="0"/>
                             </p:stCondLst>
                             <p:childTnLst>
                               <p:par>
-                                <p:cTn id="30" nodeType="clickEffect" fill="hold" presetClass="mediacall">
+                                <p:cTn id="37" nodeType="clickEffect" fill="hold" presetClass="mediacall">
                                   <p:stCondLst>
                                     <p:cond delay="0"/>
                                   </p:stCondLst>
-                                  <p:childTnLst/>
                                 </p:cTn>
                               </p:par>
                             </p:childTnLst>
@@ -6977,6 +7259,107 @@
                   </p:par>
                 </p:childTnLst>
               </p:cTn>
+              <p:prevCondLst>
+                <p:cond delay="0" evt="onPrev">
+                  <p:tgtEl>
+                    <p:sldTgt/>
+                  </p:tgtEl>
+                </p:cond>
+              </p:prevCondLst>
+              <p:nextCondLst>
+                <p:cond delay="0" evt="onNext">
+                  <p:tgtEl>
+                    <p:sldTgt/>
+                  </p:tgtEl>
+                </p:cond>
+              </p:nextCondLst>
+            </p:seq>
+            <p:seq>
+              <p:cTn id="38" restart="whenNotActive" nodeType="interactiveSeq" fill="hold">
+                <p:childTnLst>
+                  <p:par>
+                    <p:cTn id="39" fill="hold">
+                      <p:childTnLst>
+                        <p:par>
+                          <p:cTn id="40" fill="hold">
+                            <p:stCondLst>
+                              <p:cond delay="0"/>
+                            </p:stCondLst>
+                            <p:childTnLst>
+                              <p:par>
+                                <p:cTn id="41" nodeType="clickEffect" fill="hold" presetClass="mediacall">
+                                  <p:stCondLst>
+                                    <p:cond delay="0"/>
+                                  </p:stCondLst>
+                                </p:cTn>
+                              </p:par>
+                            </p:childTnLst>
+                          </p:cTn>
+                        </p:par>
+                      </p:childTnLst>
+                    </p:cTn>
+                  </p:par>
+                </p:childTnLst>
+              </p:cTn>
+              <p:prevCondLst>
+                <p:cond delay="0" evt="onPrev">
+                  <p:tgtEl>
+                    <p:sldTgt/>
+                  </p:tgtEl>
+                </p:cond>
+              </p:prevCondLst>
+              <p:nextCondLst>
+                <p:cond delay="0" evt="onNext">
+                  <p:tgtEl>
+                    <p:sldTgt/>
+                  </p:tgtEl>
+                </p:cond>
+              </p:nextCondLst>
+            </p:seq>
+            <p:seq>
+              <p:cTn id="42" restart="whenNotActive" nodeType="interactiveSeq" fill="hold">
+                <p:childTnLst>
+                  <p:par>
+                    <p:cTn id="43" fill="hold">
+                      <p:childTnLst>
+                        <p:par>
+                          <p:cTn id="44" fill="hold">
+                            <p:stCondLst>
+                              <p:cond delay="0"/>
+                            </p:stCondLst>
+                            <p:childTnLst>
+                              <p:par>
+                                <p:cTn id="45" nodeType="clickEffect" fill="hold" presetClass="mediacall">
+                                  <p:stCondLst>
+                                    <p:cond delay="0"/>
+                                  </p:stCondLst>
+                                </p:cTn>
+                              </p:par>
+                            </p:childTnLst>
+                          </p:cTn>
+                        </p:par>
+                      </p:childTnLst>
+                    </p:cTn>
+                  </p:par>
+                </p:childTnLst>
+              </p:cTn>
+              <p:prevCondLst>
+                <p:cond delay="0" evt="onPrev">
+                  <p:tgtEl>
+                    <p:sldTgt/>
+                  </p:tgtEl>
+                </p:cond>
+              </p:prevCondLst>
+              <p:nextCondLst>
+                <p:cond delay="0" evt="onNext">
+                  <p:tgtEl>
+                    <p:sldTgt/>
+                  </p:tgtEl>
+                </p:cond>
+              </p:nextCondLst>
+            </p:seq>
+            <p:seq>
+              <p:cTn id="46" nodeType="mainSeq"/>
               <p:prevCondLst>
                 <p:cond delay="0" evt="onPrev">
                   <p:tgtEl>
@@ -7019,18 +7402,22 @@
       </p:grpSpPr>
       <p:sp>
         <p:nvSpPr>
-          <p:cNvPr id="128" name="TextShape 1"/>
-          <p:cNvSpPr txBox="1"/>
+          <p:cNvPr id="128" name="CustomShape 1"/>
+          <p:cNvSpPr/>
           <p:nvPr/>
         </p:nvSpPr>
         <p:spPr>
           <a:xfrm>
             <a:off x="235080" y="227520"/>
-            <a:ext cx="7953120" cy="455760"/>
-          </a:xfrm>
-          <a:prstGeom prst="rect">
-            <a:avLst/>
-          </a:prstGeom>
+            <a:ext cx="7952760" cy="455400"/>
+          </a:xfrm>
+          <a:prstGeom prst="rect">
+            <a:avLst/>
+          </a:prstGeom>
+          <a:noFill/>
+          <a:ln>
+            <a:noFill/>
+          </a:ln>
         </p:spPr>
         <p:txBody>
           <a:bodyPr lIns="0" rIns="0" tIns="0" bIns="0" anchor="ctr"/>
@@ -7041,7 +7428,7 @@
               </a:lnSpc>
             </a:pPr>
             <a:r>
-              <a:rPr b="1" lang="ko-KR" sz="3200">
+              <a:rPr b="1" lang="en-US" sz="3200">
                 <a:solidFill>
                   <a:srgbClr val="ffffff"/>
                 </a:solidFill>
@@ -7063,7 +7450,7 @@
         <p:spPr>
           <a:xfrm>
             <a:off x="615960" y="1269000"/>
-            <a:ext cx="7916400" cy="4001760"/>
+            <a:ext cx="7916040" cy="4001400"/>
           </a:xfrm>
           <a:prstGeom prst="rect">
             <a:avLst/>
@@ -7248,18 +7635,22 @@
       </p:grpSpPr>
       <p:sp>
         <p:nvSpPr>
-          <p:cNvPr id="130" name="TextShape 1"/>
-          <p:cNvSpPr txBox="1"/>
+          <p:cNvPr id="130" name="CustomShape 1"/>
+          <p:cNvSpPr/>
           <p:nvPr/>
         </p:nvSpPr>
         <p:spPr>
           <a:xfrm>
             <a:off x="235080" y="227520"/>
-            <a:ext cx="7953120" cy="455760"/>
-          </a:xfrm>
-          <a:prstGeom prst="rect">
-            <a:avLst/>
-          </a:prstGeom>
+            <a:ext cx="7952760" cy="455400"/>
+          </a:xfrm>
+          <a:prstGeom prst="rect">
+            <a:avLst/>
+          </a:prstGeom>
+          <a:noFill/>
+          <a:ln>
+            <a:noFill/>
+          </a:ln>
         </p:spPr>
         <p:txBody>
           <a:bodyPr lIns="0" rIns="0" tIns="0" bIns="0" anchor="ctr"/>
@@ -7270,7 +7661,7 @@
               </a:lnSpc>
             </a:pPr>
             <a:r>
-              <a:rPr b="1" lang="ko-KR" sz="3200">
+              <a:rPr b="1" lang="en-US" sz="3200">
                 <a:solidFill>
                   <a:srgbClr val="ffffff"/>
                 </a:solidFill>
@@ -7292,7 +7683,7 @@
         <p:spPr>
           <a:xfrm>
             <a:off x="611280" y="2644560"/>
-            <a:ext cx="7921440" cy="345960"/>
+            <a:ext cx="7921080" cy="345600"/>
           </a:xfrm>
           <a:prstGeom prst="rect">
             <a:avLst/>
@@ -7314,7 +7705,7 @@
         <p:spPr>
           <a:xfrm>
             <a:off x="619200" y="1285920"/>
-            <a:ext cx="7913160" cy="4996440"/>
+            <a:ext cx="7912800" cy="4996080"/>
           </a:xfrm>
           <a:prstGeom prst="rect">
             <a:avLst/>
@@ -7425,17 +7816,32 @@
                 </a:solidFill>
                 <a:latin typeface="Arial"/>
               </a:rPr>
-              <a:t>People with normal hearing process</a:t>
-            </a:r>
-            <a:endParaRPr/>
-          </a:p>
-          <a:p>
-            <a:pPr lvl="2">
+              <a:t>People with normal hearing process (McGurk Effect)</a:t>
+            </a:r>
+            <a:endParaRPr/>
+          </a:p>
+          <a:p>
+            <a:pPr>
               <a:lnSpc>
                 <a:spcPct val="150000"/>
               </a:lnSpc>
-              <a:buFont typeface="StarSymbol"/>
-              <a:buChar char="-"/>
+            </a:pPr>
+            <a:r>
+              <a:rPr lang="en-US" sz="2400">
+                <a:solidFill>
+                  <a:srgbClr val="000000"/>
+                </a:solidFill>
+                <a:latin typeface="Arial"/>
+              </a:rPr>
+              <a:t>https://www.youtube.com/watch?v=G-lN8vWm3m0&amp;t=1m17s</a:t>
+            </a:r>
+            <a:endParaRPr/>
+          </a:p>
+          <a:p>
+            <a:pPr>
+              <a:lnSpc>
+                <a:spcPct val="150000"/>
+              </a:lnSpc>
             </a:pPr>
             <a:endParaRPr/>
           </a:p>
@@ -7500,18 +7906,22 @@
       </p:grpSpPr>
       <p:sp>
         <p:nvSpPr>
-          <p:cNvPr id="133" name="TextShape 1"/>
-          <p:cNvSpPr txBox="1"/>
+          <p:cNvPr id="133" name="CustomShape 1"/>
+          <p:cNvSpPr/>
           <p:nvPr/>
         </p:nvSpPr>
         <p:spPr>
           <a:xfrm>
             <a:off x="235080" y="227520"/>
-            <a:ext cx="7953120" cy="455760"/>
-          </a:xfrm>
-          <a:prstGeom prst="rect">
-            <a:avLst/>
-          </a:prstGeom>
+            <a:ext cx="7952760" cy="455400"/>
+          </a:xfrm>
+          <a:prstGeom prst="rect">
+            <a:avLst/>
+          </a:prstGeom>
+          <a:noFill/>
+          <a:ln>
+            <a:noFill/>
+          </a:ln>
         </p:spPr>
         <p:txBody>
           <a:bodyPr lIns="0" rIns="0" tIns="0" bIns="0" anchor="ctr"/>
@@ -7522,14 +7932,14 @@
               </a:lnSpc>
             </a:pPr>
             <a:r>
-              <a:rPr b="1" lang="ko-KR" sz="3200">
+              <a:rPr b="1" lang="en-US" sz="3200">
                 <a:solidFill>
                   <a:srgbClr val="ffffff"/>
                 </a:solidFill>
                 <a:latin typeface="Calibri"/>
                 <a:ea typeface="맑은 고딕"/>
               </a:rPr>
-              <a:t>Speech Recognition</a:t>
+              <a:t>Application</a:t>
             </a:r>
             <a:endParaRPr/>
           </a:p>
@@ -7544,7 +7954,7 @@
         <p:spPr>
           <a:xfrm>
             <a:off x="611280" y="2644560"/>
-            <a:ext cx="7921440" cy="345960"/>
+            <a:ext cx="7921080" cy="345600"/>
           </a:xfrm>
           <a:prstGeom prst="rect">
             <a:avLst/>
@@ -7566,7 +7976,7 @@
         <p:spPr>
           <a:xfrm>
             <a:off x="619200" y="1285920"/>
-            <a:ext cx="7913160" cy="4448520"/>
+            <a:ext cx="7912800" cy="4448160"/>
           </a:xfrm>
           <a:prstGeom prst="rect">
             <a:avLst/>
@@ -7578,6 +7988,126 @@
         </p:spPr>
         <p:txBody>
           <a:bodyPr lIns="90000" rIns="90000" tIns="45000" bIns="45000"/>
+          <a:p>
+            <a:pPr lvl="2">
+              <a:lnSpc>
+                <a:spcPct val="150000"/>
+              </a:lnSpc>
+              <a:buSzPct val="45000"/>
+              <a:buFont typeface="StarSymbol"/>
+              <a:buChar char=""/>
+            </a:pPr>
+            <a:r>
+              <a:rPr lang="en-US" sz="2800">
+                <a:solidFill>
+                  <a:srgbClr val="000000"/>
+                </a:solidFill>
+                <a:latin typeface="Arial"/>
+              </a:rPr>
+              <a:t>Enhancing Speech recognition </a:t>
+            </a:r>
+            <a:endParaRPr/>
+          </a:p>
+          <a:p>
+            <a:pPr lvl="3">
+              <a:lnSpc>
+                <a:spcPct val="150000"/>
+              </a:lnSpc>
+              <a:buSzPct val="45000"/>
+              <a:buFont typeface="StarSymbol"/>
+              <a:buChar char=""/>
+            </a:pPr>
+            <a:r>
+              <a:rPr lang="en-US" sz="2800">
+                <a:solidFill>
+                  <a:srgbClr val="000000"/>
+                </a:solidFill>
+                <a:latin typeface="Arial"/>
+              </a:rPr>
+              <a:t> </a:t>
+            </a:r>
+            <a:r>
+              <a:rPr lang="en-US" sz="2800">
+                <a:solidFill>
+                  <a:srgbClr val="000000"/>
+                </a:solidFill>
+                <a:latin typeface="Arial"/>
+              </a:rPr>
+              <a:t>Audio-visual data fusion</a:t>
+            </a:r>
+            <a:endParaRPr/>
+          </a:p>
+          <a:p>
+            <a:pPr lvl="2">
+              <a:lnSpc>
+                <a:spcPct val="150000"/>
+              </a:lnSpc>
+              <a:buSzPct val="45000"/>
+              <a:buFont typeface="StarSymbol"/>
+              <a:buChar char=""/>
+            </a:pPr>
+            <a:r>
+              <a:rPr lang="en-US" sz="2800">
+                <a:solidFill>
+                  <a:srgbClr val="000000"/>
+                </a:solidFill>
+                <a:latin typeface="Arial"/>
+              </a:rPr>
+              <a:t>Visual Password</a:t>
+            </a:r>
+            <a:endParaRPr/>
+          </a:p>
+          <a:p>
+            <a:pPr lvl="2">
+              <a:lnSpc>
+                <a:spcPct val="150000"/>
+              </a:lnSpc>
+              <a:buSzPct val="45000"/>
+              <a:buFont typeface="StarSymbol"/>
+              <a:buChar char=""/>
+            </a:pPr>
+            <a:r>
+              <a:rPr lang="en-US" sz="2800">
+                <a:solidFill>
+                  <a:srgbClr val="000000"/>
+                </a:solidFill>
+                <a:latin typeface="Arial"/>
+              </a:rPr>
+              <a:t>Silent speech interface</a:t>
+            </a:r>
+            <a:endParaRPr/>
+          </a:p>
+          <a:p>
+            <a:pPr lvl="2">
+              <a:lnSpc>
+                <a:spcPct val="150000"/>
+              </a:lnSpc>
+              <a:buSzPct val="45000"/>
+              <a:buFont typeface="StarSymbol"/>
+              <a:buChar char=""/>
+            </a:pPr>
+            <a:r>
+              <a:rPr lang="en-US" sz="2800">
+                <a:solidFill>
+                  <a:srgbClr val="000000"/>
+                </a:solidFill>
+                <a:latin typeface="Arial"/>
+              </a:rPr>
+              <a:t>Forensic video analysis</a:t>
+            </a:r>
+            <a:endParaRPr/>
+          </a:p>
+          <a:p>
+            <a:pPr lvl="2">
+              <a:lnSpc>
+                <a:spcPct val="150000"/>
+              </a:lnSpc>
+              <a:buSzPct val="45000"/>
+              <a:buFont typeface="StarSymbol"/>
+              <a:buChar char=""/>
+            </a:pPr>
+            <a:endParaRPr/>
+          </a:p>
           <a:p>
             <a:pPr>
               <a:lnSpc>
@@ -7740,248 +8270,6 @@
           <a:chExt cx="0" cy="0"/>
         </a:xfrm>
       </p:grpSpPr>
-      <p:sp>
-        <p:nvSpPr>
-          <p:cNvPr id="136" name="TextShape 1"/>
-          <p:cNvSpPr txBox="1"/>
-          <p:nvPr/>
-        </p:nvSpPr>
-        <p:spPr>
-          <a:xfrm>
-            <a:off x="235080" y="227520"/>
-            <a:ext cx="7953120" cy="455760"/>
-          </a:xfrm>
-          <a:prstGeom prst="rect">
-            <a:avLst/>
-          </a:prstGeom>
-        </p:spPr>
-        <p:txBody>
-          <a:bodyPr lIns="0" rIns="0" tIns="0" bIns="0" anchor="ctr"/>
-          <a:p>
-            <a:pPr>
-              <a:lnSpc>
-                <a:spcPct val="100000"/>
-              </a:lnSpc>
-            </a:pPr>
-            <a:r>
-              <a:rPr b="1" lang="ko-KR" sz="3200">
-                <a:solidFill>
-                  <a:srgbClr val="ffffff"/>
-                </a:solidFill>
-                <a:latin typeface="Calibri"/>
-                <a:ea typeface="맑은 고딕"/>
-              </a:rPr>
-              <a:t>Visual Speech Recognition Task and Method</a:t>
-            </a:r>
-            <a:endParaRPr/>
-          </a:p>
-        </p:txBody>
-      </p:sp>
-      <p:sp>
-        <p:nvSpPr>
-          <p:cNvPr id="137" name="CustomShape 2"/>
-          <p:cNvSpPr/>
-          <p:nvPr/>
-        </p:nvSpPr>
-        <p:spPr>
-          <a:xfrm>
-            <a:off x="611280" y="2644560"/>
-            <a:ext cx="7921440" cy="345960"/>
-          </a:xfrm>
-          <a:prstGeom prst="rect">
-            <a:avLst/>
-          </a:prstGeom>
-          <a:solidFill>
-            <a:srgbClr val="ffffff"/>
-          </a:solidFill>
-          <a:ln w="9360">
-            <a:noFill/>
-          </a:ln>
-        </p:spPr>
-      </p:sp>
-      <p:sp>
-        <p:nvSpPr>
-          <p:cNvPr id="138" name="CustomShape 3"/>
-          <p:cNvSpPr/>
-          <p:nvPr/>
-        </p:nvSpPr>
-        <p:spPr>
-          <a:xfrm>
-            <a:off x="611280" y="1285920"/>
-            <a:ext cx="7921440" cy="5236920"/>
-          </a:xfrm>
-          <a:prstGeom prst="rect">
-            <a:avLst/>
-          </a:prstGeom>
-          <a:noFill/>
-          <a:ln>
-            <a:noFill/>
-          </a:ln>
-        </p:spPr>
-        <p:txBody>
-          <a:bodyPr lIns="90000" rIns="90000" tIns="45000" bIns="45000"/>
-          <a:p>
-            <a:pPr>
-              <a:lnSpc>
-                <a:spcPct val="150000"/>
-              </a:lnSpc>
-              <a:buFont typeface="Arial"/>
-              <a:buChar char="•"/>
-            </a:pPr>
-            <a:r>
-              <a:rPr lang="en-US" sz="2800">
-                <a:solidFill>
-                  <a:srgbClr val="000000"/>
-                </a:solidFill>
-                <a:latin typeface="Arial"/>
-              </a:rPr>
-              <a:t>VSR task</a:t>
-            </a:r>
-            <a:endParaRPr/>
-          </a:p>
-          <a:p>
-            <a:pPr lvl="2">
-              <a:lnSpc>
-                <a:spcPct val="150000"/>
-              </a:lnSpc>
-              <a:buFont typeface="StarSymbol"/>
-              <a:buChar char="-"/>
-            </a:pPr>
-            <a:r>
-              <a:rPr lang="en-US" sz="2400">
-                <a:solidFill>
-                  <a:srgbClr val="000000"/>
-                </a:solidFill>
-                <a:latin typeface="Arial"/>
-              </a:rPr>
-              <a:t>Input: Sequence of lip images</a:t>
-            </a:r>
-            <a:endParaRPr/>
-          </a:p>
-          <a:p>
-            <a:pPr lvl="2">
-              <a:lnSpc>
-                <a:spcPct val="150000"/>
-              </a:lnSpc>
-              <a:buFont typeface="StarSymbol"/>
-              <a:buChar char="-"/>
-            </a:pPr>
-            <a:r>
-              <a:rPr lang="en-US" sz="2400">
-                <a:solidFill>
-                  <a:srgbClr val="000000"/>
-                </a:solidFill>
-                <a:latin typeface="Arial"/>
-              </a:rPr>
-              <a:t>Output: Text</a:t>
-            </a:r>
-            <a:endParaRPr/>
-          </a:p>
-          <a:p>
-            <a:pPr lvl="2">
-              <a:lnSpc>
-                <a:spcPct val="150000"/>
-              </a:lnSpc>
-              <a:buFont typeface="StarSymbol"/>
-              <a:buChar char="-"/>
-            </a:pPr>
-            <a:r>
-              <a:rPr lang="en-US" sz="2400">
-                <a:solidFill>
-                  <a:srgbClr val="000000"/>
-                </a:solidFill>
-                <a:latin typeface="Arial"/>
-              </a:rPr>
-              <a:t>Goal: get state-of-the-art accuracy</a:t>
-            </a:r>
-            <a:endParaRPr/>
-          </a:p>
-          <a:p>
-            <a:pPr>
-              <a:lnSpc>
-                <a:spcPct val="150000"/>
-              </a:lnSpc>
-            </a:pPr>
-            <a:endParaRPr/>
-          </a:p>
-          <a:p>
-            <a:pPr>
-              <a:lnSpc>
-                <a:spcPct val="150000"/>
-              </a:lnSpc>
-              <a:buFont typeface="Arial"/>
-              <a:buChar char="•"/>
-            </a:pPr>
-            <a:r>
-              <a:rPr lang="en-US" sz="2800">
-                <a:solidFill>
-                  <a:srgbClr val="000000"/>
-                </a:solidFill>
-                <a:latin typeface="Arial"/>
-              </a:rPr>
-              <a:t>Method in VSR</a:t>
-            </a:r>
-            <a:endParaRPr/>
-          </a:p>
-          <a:p>
-            <a:pPr lvl="1">
-              <a:lnSpc>
-                <a:spcPct val="150000"/>
-              </a:lnSpc>
-              <a:buFont typeface="StarSymbol"/>
-              <a:buChar char="-"/>
-            </a:pPr>
-            <a:r>
-              <a:rPr lang="en-US" sz="2400">
-                <a:solidFill>
-                  <a:srgbClr val="000000"/>
-                </a:solidFill>
-                <a:latin typeface="Arial"/>
-              </a:rPr>
-              <a:t>Data pre-processing: Lip tracking and ROI(Region of Interest) extraction</a:t>
-            </a:r>
-            <a:endParaRPr/>
-          </a:p>
-          <a:p>
-            <a:pPr lvl="1">
-              <a:lnSpc>
-                <a:spcPct val="150000"/>
-              </a:lnSpc>
-              <a:buFont typeface="StarSymbol"/>
-              <a:buChar char="-"/>
-            </a:pPr>
-            <a:r>
-              <a:rPr lang="en-US" sz="2400">
-                <a:solidFill>
-                  <a:srgbClr val="000000"/>
-                </a:solidFill>
-                <a:latin typeface="Arial"/>
-              </a:rPr>
-              <a:t>Extracting visual features for various people</a:t>
-            </a:r>
-            <a:endParaRPr/>
-          </a:p>
-          <a:p>
-            <a:pPr lvl="1">
-              <a:lnSpc>
-                <a:spcPct val="150000"/>
-              </a:lnSpc>
-              <a:buFont typeface="StarSymbol"/>
-              <a:buChar char="-"/>
-            </a:pPr>
-            <a:r>
-              <a:rPr lang="en-US" sz="2400">
-                <a:solidFill>
-                  <a:srgbClr val="000000"/>
-                </a:solidFill>
-                <a:latin typeface="Arial"/>
-              </a:rPr>
-              <a:t>Classification</a:t>
-            </a:r>
-            <a:endParaRPr/>
-          </a:p>
-        </p:txBody>
-      </p:sp>
     </p:spTree>
   </p:cSld>
 </p:sld>
@@ -8006,18 +8294,22 @@
       </p:grpSpPr>
       <p:sp>
         <p:nvSpPr>
-          <p:cNvPr id="139" name="TextShape 1"/>
-          <p:cNvSpPr txBox="1"/>
+          <p:cNvPr id="136" name="CustomShape 1"/>
+          <p:cNvSpPr/>
           <p:nvPr/>
         </p:nvSpPr>
         <p:spPr>
           <a:xfrm>
             <a:off x="235080" y="227520"/>
-            <a:ext cx="7953120" cy="455760"/>
-          </a:xfrm>
-          <a:prstGeom prst="rect">
-            <a:avLst/>
-          </a:prstGeom>
+            <a:ext cx="7952760" cy="455400"/>
+          </a:xfrm>
+          <a:prstGeom prst="rect">
+            <a:avLst/>
+          </a:prstGeom>
+          <a:noFill/>
+          <a:ln>
+            <a:noFill/>
+          </a:ln>
         </p:spPr>
         <p:txBody>
           <a:bodyPr lIns="0" rIns="0" tIns="0" bIns="0" anchor="ctr"/>
@@ -8028,29 +8320,29 @@
               </a:lnSpc>
             </a:pPr>
             <a:r>
-              <a:rPr b="1" lang="ko-KR" sz="3200">
+              <a:rPr b="1" lang="en-US" sz="3200">
                 <a:solidFill>
                   <a:srgbClr val="ffffff"/>
                 </a:solidFill>
                 <a:latin typeface="Calibri"/>
                 <a:ea typeface="맑은 고딕"/>
               </a:rPr>
-              <a:t>Previous Work</a:t>
-            </a:r>
-            <a:endParaRPr/>
-          </a:p>
-        </p:txBody>
-      </p:sp>
-      <p:sp>
-        <p:nvSpPr>
-          <p:cNvPr id="140" name="CustomShape 2"/>
+              <a:t>Visual Speech Recognition Task and Method</a:t>
+            </a:r>
+            <a:endParaRPr/>
+          </a:p>
+        </p:txBody>
+      </p:sp>
+      <p:sp>
+        <p:nvSpPr>
+          <p:cNvPr id="137" name="CustomShape 2"/>
           <p:cNvSpPr/>
           <p:nvPr/>
         </p:nvSpPr>
         <p:spPr>
           <a:xfrm>
             <a:off x="611280" y="2644560"/>
-            <a:ext cx="7921440" cy="345960"/>
+            <a:ext cx="7921080" cy="345600"/>
           </a:xfrm>
           <a:prstGeom prst="rect">
             <a:avLst/>
@@ -8065,14 +8357,14 @@
       </p:sp>
       <p:sp>
         <p:nvSpPr>
-          <p:cNvPr id="141" name="CustomShape 3"/>
+          <p:cNvPr id="138" name="CustomShape 3"/>
           <p:cNvSpPr/>
           <p:nvPr/>
         </p:nvSpPr>
         <p:spPr>
           <a:xfrm>
-            <a:off x="619200" y="1271160"/>
-            <a:ext cx="7913160" cy="5050800"/>
+            <a:off x="611280" y="1285920"/>
+            <a:ext cx="7921080" cy="5236560"/>
           </a:xfrm>
           <a:prstGeom prst="rect">
             <a:avLst/>
@@ -8093,36 +8385,18 @@
               <a:buChar char="•"/>
             </a:pPr>
             <a:r>
-              <a:rPr lang="en-US">
+              <a:rPr lang="en-US" sz="2800">
                 <a:solidFill>
                   <a:srgbClr val="000000"/>
                 </a:solidFill>
                 <a:latin typeface="Arial"/>
               </a:rPr>
-              <a:t>Focused on </a:t>
-            </a:r>
-            <a:r>
-              <a:rPr lang="en-US" sz="2000">
-                <a:solidFill>
-                  <a:srgbClr val="000000"/>
-                </a:solidFill>
-                <a:latin typeface="Arial"/>
-              </a:rPr>
-              <a:t>feature</a:t>
-            </a:r>
-            <a:r>
-              <a:rPr lang="en-US">
-                <a:solidFill>
-                  <a:srgbClr val="000000"/>
-                </a:solidFill>
-                <a:latin typeface="Arial"/>
-              </a:rPr>
-              <a:t> extraction (ex. component analysis)</a:t>
-            </a:r>
-            <a:endParaRPr/>
-          </a:p>
-          <a:p>
-            <a:pPr lvl="1">
+              <a:t>VSR task</a:t>
+            </a:r>
+            <a:endParaRPr/>
+          </a:p>
+          <a:p>
+            <a:pPr lvl="2">
               <a:lnSpc>
                 <a:spcPct val="150000"/>
               </a:lnSpc>
@@ -8130,18 +8404,18 @@
               <a:buChar char="-"/>
             </a:pPr>
             <a:r>
-              <a:rPr lang="en-US" sz="1200">
+              <a:rPr lang="en-US" sz="2400">
                 <a:solidFill>
                   <a:srgbClr val="000000"/>
                 </a:solidFill>
                 <a:latin typeface="Arial"/>
               </a:rPr>
-              <a:t>T.F. Cootes, G.J. Edwards and C.J. Taylor, “Active Appearance Models”, IEEE Trans. on Pattern Anal. And Machine Intel.</a:t>
-            </a:r>
-            <a:endParaRPr/>
-          </a:p>
-          <a:p>
-            <a:pPr lvl="1">
+              <a:t>Input: Sequence of lip images</a:t>
+            </a:r>
+            <a:endParaRPr/>
+          </a:p>
+          <a:p>
+            <a:pPr lvl="2">
               <a:lnSpc>
                 <a:spcPct val="150000"/>
               </a:lnSpc>
@@ -8149,14 +8423,41 @@
               <a:buChar char="-"/>
             </a:pPr>
             <a:r>
-              <a:rPr lang="en-US" sz="1200">
+              <a:rPr lang="en-US" sz="2400">
                 <a:solidFill>
                   <a:srgbClr val="000000"/>
                 </a:solidFill>
                 <a:latin typeface="Arial"/>
               </a:rPr>
-              <a:t>G. Zhao, M. Barnard, and M. Pietik ainen, “Lipreading With Local Spatiotemporal Descriptors”, IEEE Trans. on Multimedia</a:t>
-            </a:r>
+              <a:t>Output: Text</a:t>
+            </a:r>
+            <a:endParaRPr/>
+          </a:p>
+          <a:p>
+            <a:pPr lvl="2">
+              <a:lnSpc>
+                <a:spcPct val="150000"/>
+              </a:lnSpc>
+              <a:buFont typeface="StarSymbol"/>
+              <a:buChar char="-"/>
+            </a:pPr>
+            <a:r>
+              <a:rPr lang="en-US" sz="2400">
+                <a:solidFill>
+                  <a:srgbClr val="000000"/>
+                </a:solidFill>
+                <a:latin typeface="Arial"/>
+              </a:rPr>
+              <a:t>Goal: get state-of-the-art accuracy</a:t>
+            </a:r>
+            <a:endParaRPr/>
+          </a:p>
+          <a:p>
+            <a:pPr>
+              <a:lnSpc>
+                <a:spcPct val="150000"/>
+              </a:lnSpc>
+            </a:pPr>
             <a:endParaRPr/>
           </a:p>
           <a:p>
@@ -8168,22 +8469,13 @@
               <a:buChar char="•"/>
             </a:pPr>
             <a:r>
-              <a:rPr lang="en-US">
+              <a:rPr lang="en-US" sz="2800">
                 <a:solidFill>
                   <a:srgbClr val="000000"/>
                 </a:solidFill>
                 <a:latin typeface="Arial"/>
               </a:rPr>
-              <a:t>Deep </a:t>
-            </a:r>
-            <a:r>
-              <a:rPr lang="en-US" sz="2000">
-                <a:solidFill>
-                  <a:srgbClr val="000000"/>
-                </a:solidFill>
-                <a:latin typeface="Arial"/>
-              </a:rPr>
-              <a:t>autoencoder</a:t>
+              <a:t>Method in VSR</a:t>
             </a:r>
             <a:endParaRPr/>
           </a:p>
@@ -8196,50 +8488,13 @@
               <a:buChar char="-"/>
             </a:pPr>
             <a:r>
-              <a:rPr lang="en-US" sz="1600">
+              <a:rPr lang="en-US" sz="2400">
                 <a:solidFill>
                   <a:srgbClr val="000000"/>
                 </a:solidFill>
                 <a:latin typeface="Arial"/>
               </a:rPr>
-              <a:t>Feature extraction by using deep autoencoder</a:t>
-            </a:r>
-            <a:endParaRPr/>
-          </a:p>
-          <a:p>
-            <a:pPr>
-              <a:lnSpc>
-                <a:spcPct val="150000"/>
-              </a:lnSpc>
-              <a:buFont typeface="Arial"/>
-              <a:buChar char="•"/>
-            </a:pPr>
-            <a:r>
-              <a:rPr lang="en-US">
-                <a:solidFill>
-                  <a:srgbClr val="000000"/>
-                </a:solidFill>
-                <a:latin typeface="Arial"/>
-              </a:rPr>
-              <a:t>LSTM (</a:t>
-            </a:r>
-            <a:r>
-              <a:rPr lang="en-US" sz="2000">
-                <a:solidFill>
-                  <a:srgbClr val="000000"/>
-                </a:solidFill>
-                <a:latin typeface="Arial"/>
-              </a:rPr>
-              <a:t>Long</a:t>
-            </a:r>
-            <a:r>
-              <a:rPr lang="en-US">
-                <a:solidFill>
-                  <a:srgbClr val="000000"/>
-                </a:solidFill>
-                <a:latin typeface="Arial"/>
-              </a:rPr>
-              <a:t> Short Term Memory)</a:t>
+              <a:t>Data pre-processing: Lip tracking and ROI(Region of Interest) extraction</a:t>
             </a:r>
             <a:endParaRPr/>
           </a:p>
@@ -8252,13 +8507,13 @@
               <a:buChar char="-"/>
             </a:pPr>
             <a:r>
-              <a:rPr lang="en-US" sz="1600">
+              <a:rPr lang="en-US" sz="2400">
                 <a:solidFill>
                   <a:srgbClr val="000000"/>
                 </a:solidFill>
                 <a:latin typeface="Arial"/>
               </a:rPr>
-              <a:t>End-to-end learning with Neural Network, LSTM</a:t>
+              <a:t>Extracting visual features for various people</a:t>
             </a:r>
             <a:endParaRPr/>
           </a:p>
@@ -8271,88 +8526,13 @@
               <a:buChar char="-"/>
             </a:pPr>
             <a:r>
-              <a:rPr lang="en-US" sz="1200">
+              <a:rPr lang="en-US" sz="2400">
                 <a:solidFill>
                   <a:srgbClr val="000000"/>
                 </a:solidFill>
                 <a:latin typeface="Arial"/>
               </a:rPr>
-              <a:t>WAND, Michael, et al. “Lipreading with long short-term memory”, IEEE International Conference on Acoustics, Speech and Signal Processing</a:t>
-            </a:r>
-            <a:endParaRPr/>
-          </a:p>
-          <a:p>
-            <a:pPr>
-              <a:lnSpc>
-                <a:spcPct val="150000"/>
-              </a:lnSpc>
-              <a:buFont typeface="Arial"/>
-              <a:buChar char="•"/>
-            </a:pPr>
-            <a:r>
-              <a:rPr lang="en-US">
-                <a:solidFill>
-                  <a:srgbClr val="000000"/>
-                </a:solidFill>
-                <a:latin typeface="Arial"/>
-              </a:rPr>
-              <a:t>CNN (</a:t>
-            </a:r>
-            <a:r>
-              <a:rPr lang="en-US" sz="2000">
-                <a:solidFill>
-                  <a:srgbClr val="000000"/>
-                </a:solidFill>
-                <a:latin typeface="Arial"/>
-              </a:rPr>
-              <a:t>Convolutional</a:t>
-            </a:r>
-            <a:r>
-              <a:rPr lang="en-US">
-                <a:solidFill>
-                  <a:srgbClr val="000000"/>
-                </a:solidFill>
-                <a:latin typeface="Arial"/>
-              </a:rPr>
-              <a:t> Neural Network)</a:t>
-            </a:r>
-            <a:endParaRPr/>
-          </a:p>
-          <a:p>
-            <a:pPr lvl="1">
-              <a:lnSpc>
-                <a:spcPct val="150000"/>
-              </a:lnSpc>
-              <a:buFont typeface="StarSymbol"/>
-              <a:buChar char="-"/>
-            </a:pPr>
-            <a:r>
-              <a:rPr lang="en-US" sz="1600">
-                <a:solidFill>
-                  <a:srgbClr val="000000"/>
-                </a:solidFill>
-                <a:latin typeface="Arial"/>
-              </a:rPr>
-              <a:t>Feature extraction by CNN</a:t>
-            </a:r>
-            <a:endParaRPr/>
-          </a:p>
-          <a:p>
-            <a:pPr lvl="1">
-              <a:lnSpc>
-                <a:spcPct val="150000"/>
-              </a:lnSpc>
-              <a:buFont typeface="StarSymbol"/>
-              <a:buChar char="-"/>
-            </a:pPr>
-            <a:r>
-              <a:rPr lang="en-US" sz="1200">
-                <a:solidFill>
-                  <a:srgbClr val="000000"/>
-                </a:solidFill>
-                <a:latin typeface="Arial"/>
-              </a:rPr>
-              <a:t>K. Noda, Y. Yamaguchi, K. Nakadai, H. G. Ok“Lipreading using Convolutional Neural Network”, in Proc. Interspeech</a:t>
+              <a:t>Classification</a:t>
             </a:r>
             <a:endParaRPr/>
           </a:p>
@@ -8360,6 +8540,33 @@
       </p:sp>
     </p:spTree>
   </p:cSld>
+  <p:timing>
+    <p:tnLst>
+      <p:par>
+        <p:cTn id="9" dur="indefinite" restart="never" nodeType="tmRoot">
+          <p:childTnLst>
+            <p:seq>
+              <p:cTn id="10" nodeType="mainSeq"/>
+              <p:prevCondLst>
+                <p:cond delay="0" evt="onPrev">
+                  <p:tgtEl>
+                    <p:sldTgt/>
+                  </p:tgtEl>
+                </p:cond>
+              </p:prevCondLst>
+              <p:nextCondLst>
+                <p:cond delay="0" evt="onNext">
+                  <p:tgtEl>
+                    <p:sldTgt/>
+                  </p:tgtEl>
+                </p:cond>
+              </p:nextCondLst>
+            </p:seq>
+          </p:childTnLst>
+        </p:cTn>
+      </p:par>
+    </p:tnLst>
+  </p:timing>
 </p:sld>
 </file>
 
@@ -8382,18 +8589,22 @@
       </p:grpSpPr>
       <p:sp>
         <p:nvSpPr>
-          <p:cNvPr id="142" name="TextShape 1"/>
-          <p:cNvSpPr txBox="1"/>
+          <p:cNvPr id="139" name="CustomShape 1"/>
+          <p:cNvSpPr/>
           <p:nvPr/>
         </p:nvSpPr>
         <p:spPr>
           <a:xfrm>
             <a:off x="235080" y="227520"/>
-            <a:ext cx="7953120" cy="455760"/>
-          </a:xfrm>
-          <a:prstGeom prst="rect">
-            <a:avLst/>
-          </a:prstGeom>
+            <a:ext cx="7952760" cy="455400"/>
+          </a:xfrm>
+          <a:prstGeom prst="rect">
+            <a:avLst/>
+          </a:prstGeom>
+          <a:noFill/>
+          <a:ln>
+            <a:noFill/>
+          </a:ln>
         </p:spPr>
         <p:txBody>
           <a:bodyPr lIns="0" rIns="0" tIns="0" bIns="0" anchor="ctr"/>
@@ -8404,29 +8615,29 @@
               </a:lnSpc>
             </a:pPr>
             <a:r>
-              <a:rPr b="1" lang="ko-KR" sz="3200">
+              <a:rPr b="1" lang="en-US" sz="3200">
                 <a:solidFill>
                   <a:srgbClr val="ffffff"/>
                 </a:solidFill>
                 <a:latin typeface="Calibri"/>
                 <a:ea typeface="맑은 고딕"/>
               </a:rPr>
-              <a:t>Our Approach</a:t>
-            </a:r>
-            <a:endParaRPr/>
-          </a:p>
-        </p:txBody>
-      </p:sp>
-      <p:sp>
-        <p:nvSpPr>
-          <p:cNvPr id="143" name="CustomShape 2"/>
+              <a:t>Previous Work</a:t>
+            </a:r>
+            <a:endParaRPr/>
+          </a:p>
+        </p:txBody>
+      </p:sp>
+      <p:sp>
+        <p:nvSpPr>
+          <p:cNvPr id="140" name="CustomShape 2"/>
           <p:cNvSpPr/>
           <p:nvPr/>
         </p:nvSpPr>
         <p:spPr>
           <a:xfrm>
             <a:off x="611280" y="2644560"/>
-            <a:ext cx="7921440" cy="345960"/>
+            <a:ext cx="7921080" cy="345600"/>
           </a:xfrm>
           <a:prstGeom prst="rect">
             <a:avLst/>
@@ -8441,14 +8652,14 @@
       </p:sp>
       <p:sp>
         <p:nvSpPr>
-          <p:cNvPr id="144" name="CustomShape 3"/>
+          <p:cNvPr id="141" name="CustomShape 3"/>
           <p:cNvSpPr/>
           <p:nvPr/>
         </p:nvSpPr>
         <p:spPr>
           <a:xfrm>
-            <a:off x="619200" y="1270800"/>
-            <a:ext cx="7913160" cy="3572280"/>
+            <a:off x="619200" y="1271160"/>
+            <a:ext cx="7912800" cy="5050440"/>
           </a:xfrm>
           <a:prstGeom prst="rect">
             <a:avLst/>
@@ -8469,13 +8680,22 @@
               <a:buChar char="•"/>
             </a:pPr>
             <a:r>
+              <a:rPr lang="en-US">
+                <a:solidFill>
+                  <a:srgbClr val="000000"/>
+                </a:solidFill>
+                <a:latin typeface="Arial"/>
+              </a:rPr>
+              <a:t>Focused on </a:t>
+            </a:r>
+            <a:r>
               <a:rPr lang="en-US" sz="2000">
                 <a:solidFill>
                   <a:srgbClr val="000000"/>
                 </a:solidFill>
                 <a:latin typeface="Arial"/>
               </a:rPr>
-              <a:t>Neural Network approach</a:t>
+              <a:t>feature extraction (ex. component analysis)</a:t>
             </a:r>
             <a:endParaRPr/>
           </a:p>
@@ -8488,13 +8708,13 @@
               <a:buChar char="-"/>
             </a:pPr>
             <a:r>
-              <a:rPr lang="en-US">
+              <a:rPr lang="en-US" sz="1200">
                 <a:solidFill>
                   <a:srgbClr val="000000"/>
                 </a:solidFill>
                 <a:latin typeface="Arial"/>
               </a:rPr>
-              <a:t>CNN: for feature extraction</a:t>
+              <a:t>T.F. Cootes, G.J. Edwards and C.J. Taylor, “Active Appearance Models”, IEEE Trans. on Pattern Anal. And Machine Intel.</a:t>
             </a:r>
             <a:endParaRPr/>
           </a:p>
@@ -8507,13 +8727,41 @@
               <a:buChar char="-"/>
             </a:pPr>
             <a:r>
-              <a:rPr lang="en-US">
+              <a:rPr lang="en-US" sz="1200">
                 <a:solidFill>
                   <a:srgbClr val="000000"/>
                 </a:solidFill>
                 <a:latin typeface="Arial"/>
               </a:rPr>
-              <a:t>DNN (Deep Neural Network): learning with basic neural network</a:t>
+              <a:t>G. Zhao, M. Barnard, and M. Pietik ainen, “Lipreading With Local Spatiotemporal Descriptors”, IEEE Trans. on Multimedia</a:t>
+            </a:r>
+            <a:endParaRPr/>
+          </a:p>
+          <a:p>
+            <a:pPr>
+              <a:lnSpc>
+                <a:spcPct val="150000"/>
+              </a:lnSpc>
+              <a:buFont typeface="Arial"/>
+              <a:buChar char="•"/>
+            </a:pPr>
+            <a:r>
+              <a:rPr lang="en-US" sz="1200">
+                <a:solidFill>
+                  <a:srgbClr val="000000"/>
+                </a:solidFill>
+                <a:latin typeface="Arial"/>
+              </a:rPr>
+              <a:t>Deep </a:t>
+            </a:r>
+            <a:r>
+              <a:rPr lang="en-US" sz="2000">
+                <a:solidFill>
+                  <a:srgbClr val="000000"/>
+                </a:solidFill>
+                <a:latin typeface="Arial"/>
+              </a:rPr>
+              <a:t>autoencoder</a:t>
             </a:r>
             <a:endParaRPr/>
           </a:p>
@@ -8526,22 +8774,14 @@
               <a:buChar char="-"/>
             </a:pPr>
             <a:r>
-              <a:rPr lang="en-US">
+              <a:rPr lang="en-US" sz="1600">
                 <a:solidFill>
                   <a:srgbClr val="000000"/>
                 </a:solidFill>
                 <a:latin typeface="Arial"/>
               </a:rPr>
-              <a:t>RNN or LSTM: learning for the sequential data</a:t>
-            </a:r>
-            <a:endParaRPr/>
-          </a:p>
-          <a:p>
-            <a:pPr>
-              <a:lnSpc>
-                <a:spcPct val="150000"/>
-              </a:lnSpc>
-            </a:pPr>
+              <a:t>Feature extraction by using deep autoencoder</a:t>
+            </a:r>
             <a:endParaRPr/>
           </a:p>
           <a:p>
@@ -8553,13 +8793,22 @@
               <a:buChar char="•"/>
             </a:pPr>
             <a:r>
+              <a:rPr lang="en-US" sz="1600">
+                <a:solidFill>
+                  <a:srgbClr val="000000"/>
+                </a:solidFill>
+                <a:latin typeface="Arial"/>
+              </a:rPr>
+              <a:t>LSTM (</a:t>
+            </a:r>
+            <a:r>
               <a:rPr lang="en-US" sz="2000">
                 <a:solidFill>
                   <a:srgbClr val="000000"/>
                 </a:solidFill>
                 <a:latin typeface="Arial"/>
               </a:rPr>
-              <a:t>End-to-End architecture</a:t>
+              <a:t>Long Short Term Memory)</a:t>
             </a:r>
             <a:endParaRPr/>
           </a:p>
@@ -8572,13 +8821,13 @@
               <a:buChar char="-"/>
             </a:pPr>
             <a:r>
-              <a:rPr lang="en-US">
+              <a:rPr lang="en-US" sz="1600">
                 <a:solidFill>
                   <a:srgbClr val="000000"/>
                 </a:solidFill>
                 <a:latin typeface="Arial"/>
               </a:rPr>
-              <a:t>Improve the performance with our new architecture</a:t>
+              <a:t>End-to-end learning with Neural Network, LSTM</a:t>
             </a:r>
             <a:endParaRPr/>
           </a:p>
@@ -8591,13 +8840,41 @@
               <a:buChar char="-"/>
             </a:pPr>
             <a:r>
-              <a:rPr lang="en-US">
+              <a:rPr lang="en-US" sz="1200">
                 <a:solidFill>
                   <a:srgbClr val="000000"/>
                 </a:solidFill>
                 <a:latin typeface="Arial"/>
               </a:rPr>
-              <a:t>Make a demo with end-to-end model</a:t>
+              <a:t>WAND, Michael, et al. “Lipreading with long short-term memory”, IEEE International Conference on Acoustics, Speech and Signal Processing</a:t>
+            </a:r>
+            <a:endParaRPr/>
+          </a:p>
+          <a:p>
+            <a:pPr>
+              <a:lnSpc>
+                <a:spcPct val="150000"/>
+              </a:lnSpc>
+              <a:buFont typeface="Arial"/>
+              <a:buChar char="•"/>
+            </a:pPr>
+            <a:r>
+              <a:rPr lang="en-US" sz="1200">
+                <a:solidFill>
+                  <a:srgbClr val="000000"/>
+                </a:solidFill>
+                <a:latin typeface="Arial"/>
+              </a:rPr>
+              <a:t>CNN (</a:t>
+            </a:r>
+            <a:r>
+              <a:rPr lang="en-US" sz="2000">
+                <a:solidFill>
+                  <a:srgbClr val="000000"/>
+                </a:solidFill>
+                <a:latin typeface="Arial"/>
+              </a:rPr>
+              <a:t>Convolutional Neural Network)</a:t>
             </a:r>
             <a:endParaRPr/>
           </a:p>
@@ -8610,281 +8887,32 @@
               <a:buChar char="-"/>
             </a:pPr>
             <a:r>
-              <a:rPr lang="en-US">
+              <a:rPr lang="en-US" sz="1600">
                 <a:solidFill>
                   <a:srgbClr val="000000"/>
                 </a:solidFill>
                 <a:latin typeface="Arial"/>
               </a:rPr>
-              <a:t>Input: face or mouth video, Output: the sentence</a:t>
-            </a:r>
-            <a:endParaRPr/>
-          </a:p>
-        </p:txBody>
-      </p:sp>
-      <p:pic>
-        <p:nvPicPr>
-          <p:cNvPr id="145" name="그림 5" descr=""/>
-          <p:cNvPicPr/>
-          <p:nvPr/>
-        </p:nvPicPr>
-        <p:blipFill>
-          <a:blip r:embed="rId1"/>
-          <a:stretch>
-            <a:fillRect/>
-          </a:stretch>
-        </p:blipFill>
-        <p:spPr>
-          <a:xfrm>
-            <a:off x="2090160" y="5163120"/>
-            <a:ext cx="1249920" cy="918720"/>
-          </a:xfrm>
-          <a:prstGeom prst="rect">
-            <a:avLst/>
-          </a:prstGeom>
-          <a:ln>
-            <a:noFill/>
-          </a:ln>
-        </p:spPr>
-      </p:pic>
-      <p:pic>
-        <p:nvPicPr>
-          <p:cNvPr id="146" name="그림 6" descr=""/>
-          <p:cNvPicPr/>
-          <p:nvPr/>
-        </p:nvPicPr>
-        <p:blipFill>
-          <a:blip r:embed="rId2"/>
-          <a:stretch>
-            <a:fillRect/>
-          </a:stretch>
-        </p:blipFill>
-        <p:spPr>
-          <a:xfrm>
-            <a:off x="1997280" y="5242680"/>
-            <a:ext cx="1249920" cy="918720"/>
-          </a:xfrm>
-          <a:prstGeom prst="rect">
-            <a:avLst/>
-          </a:prstGeom>
-          <a:ln>
-            <a:noFill/>
-          </a:ln>
-        </p:spPr>
-      </p:pic>
-      <p:pic>
-        <p:nvPicPr>
-          <p:cNvPr id="147" name="그림 7" descr=""/>
-          <p:cNvPicPr/>
-          <p:nvPr/>
-        </p:nvPicPr>
-        <p:blipFill>
-          <a:blip r:embed="rId3"/>
-          <a:stretch>
-            <a:fillRect/>
-          </a:stretch>
-        </p:blipFill>
-        <p:spPr>
-          <a:xfrm>
-            <a:off x="1904400" y="5322240"/>
-            <a:ext cx="1249920" cy="918720"/>
-          </a:xfrm>
-          <a:prstGeom prst="rect">
-            <a:avLst/>
-          </a:prstGeom>
-          <a:ln>
-            <a:noFill/>
-          </a:ln>
-        </p:spPr>
-      </p:pic>
-      <p:pic>
-        <p:nvPicPr>
-          <p:cNvPr id="148" name="그림 8" descr=""/>
-          <p:cNvPicPr/>
-          <p:nvPr/>
-        </p:nvPicPr>
-        <p:blipFill>
-          <a:blip r:embed="rId4"/>
-          <a:stretch>
-            <a:fillRect/>
-          </a:stretch>
-        </p:blipFill>
-        <p:spPr>
-          <a:xfrm>
-            <a:off x="1811520" y="5402160"/>
-            <a:ext cx="1249920" cy="918720"/>
-          </a:xfrm>
-          <a:prstGeom prst="rect">
-            <a:avLst/>
-          </a:prstGeom>
-          <a:ln>
-            <a:noFill/>
-          </a:ln>
-        </p:spPr>
-      </p:pic>
-      <p:sp>
-        <p:nvSpPr>
-          <p:cNvPr id="149" name="CustomShape 4"/>
-          <p:cNvSpPr/>
-          <p:nvPr/>
-        </p:nvSpPr>
-        <p:spPr>
-          <a:xfrm>
-            <a:off x="3566160" y="5822640"/>
-            <a:ext cx="451080" cy="360"/>
-          </a:xfrm>
-          <a:prstGeom prst="straightConnector1">
-            <a:avLst/>
-          </a:prstGeom>
-          <a:noFill/>
-          <a:ln w="9360">
-            <a:solidFill>
-              <a:srgbClr val="4a7ebb"/>
-            </a:solidFill>
-            <a:round/>
-            <a:tailEnd len="med" type="triangle" w="med"/>
-          </a:ln>
-        </p:spPr>
-      </p:sp>
-      <p:sp>
-        <p:nvSpPr>
-          <p:cNvPr id="150" name="CustomShape 5"/>
-          <p:cNvSpPr/>
-          <p:nvPr/>
-        </p:nvSpPr>
-        <p:spPr>
-          <a:xfrm>
-            <a:off x="4069080" y="5509440"/>
-            <a:ext cx="1291320" cy="639000"/>
-          </a:xfrm>
-          <a:prstGeom prst="rect">
-            <a:avLst/>
-          </a:prstGeom>
-          <a:noFill/>
-          <a:ln>
-            <a:noFill/>
-          </a:ln>
-        </p:spPr>
-        <p:txBody>
-          <a:bodyPr lIns="90000" rIns="90000" tIns="45000" bIns="45000"/>
-          <a:p>
-            <a:pPr algn="ctr">
-              <a:lnSpc>
-                <a:spcPct val="100000"/>
-              </a:lnSpc>
-            </a:pPr>
-            <a:r>
-              <a:rPr b="1" lang="en-US">
+              <a:t>Feature extraction by CNN</a:t>
+            </a:r>
+            <a:endParaRPr/>
+          </a:p>
+          <a:p>
+            <a:pPr lvl="1">
+              <a:lnSpc>
+                <a:spcPct val="150000"/>
+              </a:lnSpc>
+              <a:buFont typeface="StarSymbol"/>
+              <a:buChar char="-"/>
+            </a:pPr>
+            <a:r>
+              <a:rPr lang="en-US" sz="1200">
                 <a:solidFill>
                   <a:srgbClr val="000000"/>
                 </a:solidFill>
                 <a:latin typeface="Arial"/>
               </a:rPr>
-              <a:t>Our Algorithm</a:t>
-            </a:r>
-            <a:endParaRPr/>
-          </a:p>
-        </p:txBody>
-      </p:sp>
-      <p:sp>
-        <p:nvSpPr>
-          <p:cNvPr id="151" name="CustomShape 6"/>
-          <p:cNvSpPr/>
-          <p:nvPr/>
-        </p:nvSpPr>
-        <p:spPr>
-          <a:xfrm>
-            <a:off x="5360760" y="5822640"/>
-            <a:ext cx="451080" cy="360"/>
-          </a:xfrm>
-          <a:prstGeom prst="straightConnector1">
-            <a:avLst/>
-          </a:prstGeom>
-          <a:noFill/>
-          <a:ln w="9360">
-            <a:solidFill>
-              <a:srgbClr val="4a7ebb"/>
-            </a:solidFill>
-            <a:round/>
-            <a:tailEnd len="med" type="triangle" w="med"/>
-          </a:ln>
-        </p:spPr>
-      </p:sp>
-      <p:sp>
-        <p:nvSpPr>
-          <p:cNvPr id="152" name="CustomShape 7"/>
-          <p:cNvSpPr/>
-          <p:nvPr/>
-        </p:nvSpPr>
-        <p:spPr>
-          <a:xfrm>
-            <a:off x="5897880" y="5640840"/>
-            <a:ext cx="1945440" cy="639000"/>
-          </a:xfrm>
-          <a:prstGeom prst="rect">
-            <a:avLst/>
-          </a:prstGeom>
-          <a:noFill/>
-          <a:ln>
-            <a:noFill/>
-          </a:ln>
-        </p:spPr>
-        <p:txBody>
-          <a:bodyPr lIns="90000" rIns="90000" tIns="45000" bIns="45000"/>
-          <a:p>
-            <a:pPr algn="ctr">
-              <a:lnSpc>
-                <a:spcPct val="100000"/>
-              </a:lnSpc>
-            </a:pPr>
-            <a:r>
-              <a:rPr b="1" lang="en-US">
-                <a:solidFill>
-                  <a:srgbClr val="000000"/>
-                </a:solidFill>
-                <a:latin typeface="Arial"/>
-              </a:rPr>
-              <a:t>Answer sentence</a:t>
-            </a:r>
-            <a:endParaRPr/>
-          </a:p>
-        </p:txBody>
-      </p:sp>
-      <p:sp>
-        <p:nvSpPr>
-          <p:cNvPr id="153" name="CustomShape 8"/>
-          <p:cNvSpPr/>
-          <p:nvPr/>
-        </p:nvSpPr>
-        <p:spPr>
-          <a:xfrm>
-            <a:off x="1556640" y="6328440"/>
-            <a:ext cx="1945440" cy="364680"/>
-          </a:xfrm>
-          <a:prstGeom prst="rect">
-            <a:avLst/>
-          </a:prstGeom>
-          <a:noFill/>
-          <a:ln>
-            <a:noFill/>
-          </a:ln>
-        </p:spPr>
-        <p:txBody>
-          <a:bodyPr lIns="90000" rIns="90000" tIns="45000" bIns="45000"/>
-          <a:p>
-            <a:pPr algn="ctr">
-              <a:lnSpc>
-                <a:spcPct val="100000"/>
-              </a:lnSpc>
-            </a:pPr>
-            <a:r>
-              <a:rPr b="1" lang="en-US">
-                <a:solidFill>
-                  <a:srgbClr val="000000"/>
-                </a:solidFill>
-                <a:latin typeface="Arial"/>
-              </a:rPr>
-              <a:t>Video Input</a:t>
+              <a:t>K. Noda, Y. Yamaguchi, K. Nakadai, H. G. Ok“Lipreading using Convolutional Neural Network”, in Proc. Interspeech</a:t>
             </a:r>
             <a:endParaRPr/>
           </a:p>
@@ -8892,6 +8920,33 @@
       </p:sp>
     </p:spTree>
   </p:cSld>
+  <p:timing>
+    <p:tnLst>
+      <p:par>
+        <p:cTn id="11" dur="indefinite" restart="never" nodeType="tmRoot">
+          <p:childTnLst>
+            <p:seq>
+              <p:cTn id="12" nodeType="mainSeq"/>
+              <p:prevCondLst>
+                <p:cond delay="0" evt="onPrev">
+                  <p:tgtEl>
+                    <p:sldTgt/>
+                  </p:tgtEl>
+                </p:cond>
+              </p:prevCondLst>
+              <p:nextCondLst>
+                <p:cond delay="0" evt="onNext">
+                  <p:tgtEl>
+                    <p:sldTgt/>
+                  </p:tgtEl>
+                </p:cond>
+              </p:nextCondLst>
+            </p:seq>
+          </p:childTnLst>
+        </p:cTn>
+      </p:par>
+    </p:tnLst>
+  </p:timing>
 </p:sld>
 </file>
 
@@ -8914,18 +8969,22 @@
       </p:grpSpPr>
       <p:sp>
         <p:nvSpPr>
-          <p:cNvPr id="154" name="TextShape 1"/>
-          <p:cNvSpPr txBox="1"/>
+          <p:cNvPr id="142" name="CustomShape 1"/>
+          <p:cNvSpPr/>
           <p:nvPr/>
         </p:nvSpPr>
         <p:spPr>
           <a:xfrm>
             <a:off x="235080" y="227520"/>
-            <a:ext cx="7953120" cy="455760"/>
-          </a:xfrm>
-          <a:prstGeom prst="rect">
-            <a:avLst/>
-          </a:prstGeom>
+            <a:ext cx="7952760" cy="455400"/>
+          </a:xfrm>
+          <a:prstGeom prst="rect">
+            <a:avLst/>
+          </a:prstGeom>
+          <a:noFill/>
+          <a:ln>
+            <a:noFill/>
+          </a:ln>
         </p:spPr>
         <p:txBody>
           <a:bodyPr lIns="0" rIns="0" tIns="0" bIns="0" anchor="ctr"/>
@@ -8936,29 +8995,29 @@
               </a:lnSpc>
             </a:pPr>
             <a:r>
-              <a:rPr b="1" lang="ko-KR" sz="3200">
+              <a:rPr b="1" lang="en-US" sz="3200">
                 <a:solidFill>
                   <a:srgbClr val="ffffff"/>
                 </a:solidFill>
                 <a:latin typeface="Calibri"/>
                 <a:ea typeface="맑은 고딕"/>
               </a:rPr>
-              <a:t>Dataset – OULUVS2</a:t>
-            </a:r>
-            <a:endParaRPr/>
-          </a:p>
-        </p:txBody>
-      </p:sp>
-      <p:sp>
-        <p:nvSpPr>
-          <p:cNvPr id="155" name="CustomShape 2"/>
+              <a:t>Our Approach</a:t>
+            </a:r>
+            <a:endParaRPr/>
+          </a:p>
+        </p:txBody>
+      </p:sp>
+      <p:sp>
+        <p:nvSpPr>
+          <p:cNvPr id="143" name="CustomShape 2"/>
           <p:cNvSpPr/>
           <p:nvPr/>
         </p:nvSpPr>
         <p:spPr>
           <a:xfrm>
             <a:off x="611280" y="2644560"/>
-            <a:ext cx="7921440" cy="345960"/>
+            <a:ext cx="7921080" cy="345600"/>
           </a:xfrm>
           <a:prstGeom prst="rect">
             <a:avLst/>
@@ -8973,14 +9032,14 @@
       </p:sp>
       <p:sp>
         <p:nvSpPr>
-          <p:cNvPr id="156" name="CustomShape 3"/>
+          <p:cNvPr id="144" name="CustomShape 3"/>
           <p:cNvSpPr/>
           <p:nvPr/>
         </p:nvSpPr>
         <p:spPr>
           <a:xfrm>
-            <a:off x="619200" y="4743000"/>
-            <a:ext cx="7913160" cy="1766880"/>
+            <a:off x="619200" y="1270800"/>
+            <a:ext cx="7912800" cy="3571920"/>
           </a:xfrm>
           <a:prstGeom prst="rect">
             <a:avLst/>
@@ -9007,8 +9066,73 @@
                 </a:solidFill>
                 <a:latin typeface="Arial"/>
               </a:rPr>
-              <a:t>OULUVS2: A Multi-View AudioVisual DataBase</a:t>
-            </a:r>
+              <a:t>Neural Network approach</a:t>
+            </a:r>
+            <a:endParaRPr/>
+          </a:p>
+          <a:p>
+            <a:pPr lvl="1">
+              <a:lnSpc>
+                <a:spcPct val="150000"/>
+              </a:lnSpc>
+              <a:buFont typeface="StarSymbol"/>
+              <a:buChar char="-"/>
+            </a:pPr>
+            <a:r>
+              <a:rPr lang="en-US" sz="2000">
+                <a:solidFill>
+                  <a:srgbClr val="000000"/>
+                </a:solidFill>
+                <a:latin typeface="Arial"/>
+              </a:rPr>
+              <a:t>CNN: for feature extraction</a:t>
+            </a:r>
+            <a:endParaRPr/>
+          </a:p>
+          <a:p>
+            <a:pPr lvl="1">
+              <a:lnSpc>
+                <a:spcPct val="150000"/>
+              </a:lnSpc>
+              <a:buFont typeface="StarSymbol"/>
+              <a:buChar char="-"/>
+            </a:pPr>
+            <a:r>
+              <a:rPr lang="en-US" sz="2000">
+                <a:solidFill>
+                  <a:srgbClr val="000000"/>
+                </a:solidFill>
+                <a:latin typeface="Arial"/>
+              </a:rPr>
+              <a:t>DNN (Deep Neural Network): learning with basic neural network</a:t>
+            </a:r>
+            <a:endParaRPr/>
+          </a:p>
+          <a:p>
+            <a:pPr lvl="1">
+              <a:lnSpc>
+                <a:spcPct val="150000"/>
+              </a:lnSpc>
+              <a:buFont typeface="StarSymbol"/>
+              <a:buChar char="-"/>
+            </a:pPr>
+            <a:r>
+              <a:rPr lang="en-US" sz="2000">
+                <a:solidFill>
+                  <a:srgbClr val="000000"/>
+                </a:solidFill>
+                <a:latin typeface="Arial"/>
+              </a:rPr>
+              <a:t>RNN or LSTM: learning for the sequential data</a:t>
+            </a:r>
+            <a:endParaRPr/>
+          </a:p>
+          <a:p>
+            <a:pPr>
+              <a:lnSpc>
+                <a:spcPct val="150000"/>
+              </a:lnSpc>
+            </a:pPr>
             <a:endParaRPr/>
           </a:p>
           <a:p>
@@ -9020,23 +9144,23 @@
               <a:buChar char="•"/>
             </a:pPr>
             <a:r>
-              <a:rPr lang="en-US" sz="2000" u="sng">
-                <a:solidFill>
-                  <a:srgbClr val="0000ff"/>
-                </a:solidFill>
-                <a:latin typeface="Arial"/>
-              </a:rPr>
-              <a:t>http://ouluvs2.cse.oulu.fi/index.html</a:t>
-            </a:r>
-            <a:endParaRPr/>
-          </a:p>
-          <a:p>
-            <a:pPr>
+              <a:rPr lang="en-US" sz="2000">
+                <a:solidFill>
+                  <a:srgbClr val="000000"/>
+                </a:solidFill>
+                <a:latin typeface="Arial"/>
+              </a:rPr>
+              <a:t>End-to-End architecture</a:t>
+            </a:r>
+            <a:endParaRPr/>
+          </a:p>
+          <a:p>
+            <a:pPr lvl="1">
               <a:lnSpc>
                 <a:spcPct val="150000"/>
               </a:lnSpc>
-              <a:buFont typeface="Arial"/>
-              <a:buChar char="•"/>
+              <a:buFont typeface="StarSymbol"/>
+              <a:buChar char="-"/>
             </a:pPr>
             <a:r>
               <a:rPr lang="en-US" sz="2000">
@@ -9045,7 +9169,45 @@
                 </a:solidFill>
                 <a:latin typeface="Arial"/>
               </a:rPr>
-              <a:t>ACCV2016 WORKSHOP: Multi-View Lip-Reading/Audio-Visual Challenges</a:t>
+              <a:t>Improve the performance with our new architecture</a:t>
+            </a:r>
+            <a:endParaRPr/>
+          </a:p>
+          <a:p>
+            <a:pPr lvl="1">
+              <a:lnSpc>
+                <a:spcPct val="150000"/>
+              </a:lnSpc>
+              <a:buFont typeface="StarSymbol"/>
+              <a:buChar char="-"/>
+            </a:pPr>
+            <a:r>
+              <a:rPr lang="en-US" sz="2000">
+                <a:solidFill>
+                  <a:srgbClr val="000000"/>
+                </a:solidFill>
+                <a:latin typeface="Arial"/>
+              </a:rPr>
+              <a:t>Make a demo with end-to-end model</a:t>
+            </a:r>
+            <a:endParaRPr/>
+          </a:p>
+          <a:p>
+            <a:pPr lvl="1">
+              <a:lnSpc>
+                <a:spcPct val="150000"/>
+              </a:lnSpc>
+              <a:buFont typeface="StarSymbol"/>
+              <a:buChar char="-"/>
+            </a:pPr>
+            <a:r>
+              <a:rPr lang="en-US" sz="2000">
+                <a:solidFill>
+                  <a:srgbClr val="000000"/>
+                </a:solidFill>
+                <a:latin typeface="Arial"/>
+              </a:rPr>
+              <a:t>Input: face or mouth video, Output: the sentence</a:t>
             </a:r>
             <a:endParaRPr/>
           </a:p>
@@ -9053,7 +9215,7 @@
       </p:sp>
       <p:pic>
         <p:nvPicPr>
-          <p:cNvPr id="157" name="그림 4" descr=""/>
+          <p:cNvPr id="145" name="그림 5" descr=""/>
           <p:cNvPicPr/>
           <p:nvPr/>
         </p:nvPicPr>
@@ -9065,8 +9227,8 @@
         </p:blipFill>
         <p:spPr>
           <a:xfrm>
-            <a:off x="232920" y="1190520"/>
-            <a:ext cx="8677800" cy="1962000"/>
+            <a:off x="2090160" y="5163120"/>
+            <a:ext cx="1249560" cy="918360"/>
           </a:xfrm>
           <a:prstGeom prst="rect">
             <a:avLst/>
@@ -9078,7 +9240,7 @@
       </p:pic>
       <p:pic>
         <p:nvPicPr>
-          <p:cNvPr id="158" name="그림 2" descr=""/>
+          <p:cNvPr id="146" name="그림 6" descr=""/>
           <p:cNvPicPr/>
           <p:nvPr/>
         </p:nvPicPr>
@@ -9090,8 +9252,8 @@
         </p:blipFill>
         <p:spPr>
           <a:xfrm>
-            <a:off x="1072440" y="3474720"/>
-            <a:ext cx="6999120" cy="1254960"/>
+            <a:off x="1997280" y="5242680"/>
+            <a:ext cx="1249560" cy="918360"/>
           </a:xfrm>
           <a:prstGeom prst="rect">
             <a:avLst/>
@@ -9101,8 +9263,253 @@
           </a:ln>
         </p:spPr>
       </p:pic>
+      <p:pic>
+        <p:nvPicPr>
+          <p:cNvPr id="147" name="그림 7" descr=""/>
+          <p:cNvPicPr/>
+          <p:nvPr/>
+        </p:nvPicPr>
+        <p:blipFill>
+          <a:blip r:embed="rId3"/>
+          <a:stretch>
+            <a:fillRect/>
+          </a:stretch>
+        </p:blipFill>
+        <p:spPr>
+          <a:xfrm>
+            <a:off x="1904400" y="5322240"/>
+            <a:ext cx="1249560" cy="918360"/>
+          </a:xfrm>
+          <a:prstGeom prst="rect">
+            <a:avLst/>
+          </a:prstGeom>
+          <a:ln>
+            <a:noFill/>
+          </a:ln>
+        </p:spPr>
+      </p:pic>
+      <p:pic>
+        <p:nvPicPr>
+          <p:cNvPr id="148" name="그림 8" descr=""/>
+          <p:cNvPicPr/>
+          <p:nvPr/>
+        </p:nvPicPr>
+        <p:blipFill>
+          <a:blip r:embed="rId4"/>
+          <a:stretch>
+            <a:fillRect/>
+          </a:stretch>
+        </p:blipFill>
+        <p:spPr>
+          <a:xfrm>
+            <a:off x="1811520" y="5402160"/>
+            <a:ext cx="1249560" cy="918360"/>
+          </a:xfrm>
+          <a:prstGeom prst="rect">
+            <a:avLst/>
+          </a:prstGeom>
+          <a:ln>
+            <a:noFill/>
+          </a:ln>
+        </p:spPr>
+      </p:pic>
+      <p:sp>
+        <p:nvSpPr>
+          <p:cNvPr id="149" name="CustomShape 4"/>
+          <p:cNvSpPr/>
+          <p:nvPr/>
+        </p:nvSpPr>
+        <p:spPr>
+          <a:xfrm>
+            <a:off x="3566160" y="5822640"/>
+            <a:ext cx="450720" cy="360"/>
+          </a:xfrm>
+          <a:prstGeom prst="straightConnector1">
+            <a:avLst/>
+          </a:prstGeom>
+          <a:noFill/>
+          <a:ln w="9360">
+            <a:solidFill>
+              <a:srgbClr val="4a7ebb"/>
+            </a:solidFill>
+            <a:round/>
+            <a:tailEnd len="med" type="triangle" w="med"/>
+          </a:ln>
+        </p:spPr>
+      </p:sp>
+      <p:sp>
+        <p:nvSpPr>
+          <p:cNvPr id="150" name="CustomShape 5"/>
+          <p:cNvSpPr/>
+          <p:nvPr/>
+        </p:nvSpPr>
+        <p:spPr>
+          <a:xfrm>
+            <a:off x="4069080" y="5509440"/>
+            <a:ext cx="1290960" cy="638640"/>
+          </a:xfrm>
+          <a:prstGeom prst="rect">
+            <a:avLst/>
+          </a:prstGeom>
+          <a:noFill/>
+          <a:ln>
+            <a:noFill/>
+          </a:ln>
+        </p:spPr>
+        <p:txBody>
+          <a:bodyPr lIns="90000" rIns="90000" tIns="45000" bIns="45000"/>
+          <a:p>
+            <a:pPr algn="ctr">
+              <a:lnSpc>
+                <a:spcPct val="100000"/>
+              </a:lnSpc>
+            </a:pPr>
+            <a:r>
+              <a:rPr b="1" lang="en-US">
+                <a:solidFill>
+                  <a:srgbClr val="000000"/>
+                </a:solidFill>
+                <a:latin typeface="Arial"/>
+              </a:rPr>
+              <a:t>Our Algorithm</a:t>
+            </a:r>
+            <a:endParaRPr/>
+          </a:p>
+        </p:txBody>
+      </p:sp>
+      <p:sp>
+        <p:nvSpPr>
+          <p:cNvPr id="151" name="CustomShape 6"/>
+          <p:cNvSpPr/>
+          <p:nvPr/>
+        </p:nvSpPr>
+        <p:spPr>
+          <a:xfrm>
+            <a:off x="5360760" y="5822640"/>
+            <a:ext cx="450720" cy="360"/>
+          </a:xfrm>
+          <a:prstGeom prst="straightConnector1">
+            <a:avLst/>
+          </a:prstGeom>
+          <a:noFill/>
+          <a:ln w="9360">
+            <a:solidFill>
+              <a:srgbClr val="4a7ebb"/>
+            </a:solidFill>
+            <a:round/>
+            <a:tailEnd len="med" type="triangle" w="med"/>
+          </a:ln>
+        </p:spPr>
+      </p:sp>
+      <p:sp>
+        <p:nvSpPr>
+          <p:cNvPr id="152" name="CustomShape 7"/>
+          <p:cNvSpPr/>
+          <p:nvPr/>
+        </p:nvSpPr>
+        <p:spPr>
+          <a:xfrm>
+            <a:off x="5897880" y="5640840"/>
+            <a:ext cx="1945080" cy="638640"/>
+          </a:xfrm>
+          <a:prstGeom prst="rect">
+            <a:avLst/>
+          </a:prstGeom>
+          <a:noFill/>
+          <a:ln>
+            <a:noFill/>
+          </a:ln>
+        </p:spPr>
+        <p:txBody>
+          <a:bodyPr lIns="90000" rIns="90000" tIns="45000" bIns="45000"/>
+          <a:p>
+            <a:pPr algn="ctr">
+              <a:lnSpc>
+                <a:spcPct val="100000"/>
+              </a:lnSpc>
+            </a:pPr>
+            <a:r>
+              <a:rPr b="1" lang="en-US">
+                <a:solidFill>
+                  <a:srgbClr val="000000"/>
+                </a:solidFill>
+                <a:latin typeface="Arial"/>
+              </a:rPr>
+              <a:t>Answer sentence</a:t>
+            </a:r>
+            <a:endParaRPr/>
+          </a:p>
+        </p:txBody>
+      </p:sp>
+      <p:sp>
+        <p:nvSpPr>
+          <p:cNvPr id="153" name="CustomShape 8"/>
+          <p:cNvSpPr/>
+          <p:nvPr/>
+        </p:nvSpPr>
+        <p:spPr>
+          <a:xfrm>
+            <a:off x="1556640" y="6328440"/>
+            <a:ext cx="1945080" cy="364320"/>
+          </a:xfrm>
+          <a:prstGeom prst="rect">
+            <a:avLst/>
+          </a:prstGeom>
+          <a:noFill/>
+          <a:ln>
+            <a:noFill/>
+          </a:ln>
+        </p:spPr>
+        <p:txBody>
+          <a:bodyPr lIns="90000" rIns="90000" tIns="45000" bIns="45000"/>
+          <a:p>
+            <a:pPr algn="ctr">
+              <a:lnSpc>
+                <a:spcPct val="100000"/>
+              </a:lnSpc>
+            </a:pPr>
+            <a:r>
+              <a:rPr b="1" lang="en-US">
+                <a:solidFill>
+                  <a:srgbClr val="000000"/>
+                </a:solidFill>
+                <a:latin typeface="Arial"/>
+              </a:rPr>
+              <a:t>Video Input</a:t>
+            </a:r>
+            <a:endParaRPr/>
+          </a:p>
+        </p:txBody>
+      </p:sp>
     </p:spTree>
   </p:cSld>
+  <p:timing>
+    <p:tnLst>
+      <p:par>
+        <p:cTn id="13" dur="indefinite" restart="never" nodeType="tmRoot">
+          <p:childTnLst>
+            <p:seq>
+              <p:cTn id="14" nodeType="mainSeq"/>
+              <p:prevCondLst>
+                <p:cond delay="0" evt="onPrev">
+                  <p:tgtEl>
+                    <p:sldTgt/>
+                  </p:tgtEl>
+                </p:cond>
+              </p:prevCondLst>
+              <p:nextCondLst>
+                <p:cond delay="0" evt="onNext">
+                  <p:tgtEl>
+                    <p:sldTgt/>
+                  </p:tgtEl>
+                </p:cond>
+              </p:nextCondLst>
+            </p:seq>
+          </p:childTnLst>
+        </p:cTn>
+      </p:par>
+    </p:tnLst>
+  </p:timing>
 </p:sld>
 </file>
 
@@ -9125,18 +9532,22 @@
       </p:grpSpPr>
       <p:sp>
         <p:nvSpPr>
-          <p:cNvPr id="159" name="TextShape 1"/>
-          <p:cNvSpPr txBox="1"/>
+          <p:cNvPr id="154" name="CustomShape 1"/>
+          <p:cNvSpPr/>
           <p:nvPr/>
         </p:nvSpPr>
         <p:spPr>
           <a:xfrm>
             <a:off x="235080" y="227520"/>
-            <a:ext cx="7953120" cy="455760"/>
-          </a:xfrm>
-          <a:prstGeom prst="rect">
-            <a:avLst/>
-          </a:prstGeom>
+            <a:ext cx="7952760" cy="455400"/>
+          </a:xfrm>
+          <a:prstGeom prst="rect">
+            <a:avLst/>
+          </a:prstGeom>
+          <a:noFill/>
+          <a:ln>
+            <a:noFill/>
+          </a:ln>
         </p:spPr>
         <p:txBody>
           <a:bodyPr lIns="0" rIns="0" tIns="0" bIns="0" anchor="ctr"/>
@@ -9147,7 +9558,7 @@
               </a:lnSpc>
             </a:pPr>
             <a:r>
-              <a:rPr b="1" lang="ko-KR" sz="3200">
+              <a:rPr b="1" lang="en-US" sz="3200">
                 <a:solidFill>
                   <a:srgbClr val="ffffff"/>
                 </a:solidFill>
@@ -9160,23 +9571,124 @@
           </a:p>
         </p:txBody>
       </p:sp>
+      <p:sp>
+        <p:nvSpPr>
+          <p:cNvPr id="155" name="CustomShape 2"/>
+          <p:cNvSpPr/>
+          <p:nvPr/>
+        </p:nvSpPr>
+        <p:spPr>
+          <a:xfrm>
+            <a:off x="611280" y="2644560"/>
+            <a:ext cx="7921080" cy="345600"/>
+          </a:xfrm>
+          <a:prstGeom prst="rect">
+            <a:avLst/>
+          </a:prstGeom>
+          <a:solidFill>
+            <a:srgbClr val="ffffff"/>
+          </a:solidFill>
+          <a:ln w="9360">
+            <a:noFill/>
+          </a:ln>
+        </p:spPr>
+      </p:sp>
+      <p:sp>
+        <p:nvSpPr>
+          <p:cNvPr id="156" name="CustomShape 3"/>
+          <p:cNvSpPr/>
+          <p:nvPr/>
+        </p:nvSpPr>
+        <p:spPr>
+          <a:xfrm>
+            <a:off x="619200" y="4743000"/>
+            <a:ext cx="7912800" cy="1766520"/>
+          </a:xfrm>
+          <a:prstGeom prst="rect">
+            <a:avLst/>
+          </a:prstGeom>
+          <a:noFill/>
+          <a:ln>
+            <a:noFill/>
+          </a:ln>
+        </p:spPr>
+        <p:txBody>
+          <a:bodyPr lIns="90000" rIns="90000" tIns="45000" bIns="45000"/>
+          <a:p>
+            <a:pPr>
+              <a:lnSpc>
+                <a:spcPct val="150000"/>
+              </a:lnSpc>
+              <a:buFont typeface="Arial"/>
+              <a:buChar char="•"/>
+            </a:pPr>
+            <a:r>
+              <a:rPr lang="en-US" sz="2000">
+                <a:solidFill>
+                  <a:srgbClr val="000000"/>
+                </a:solidFill>
+                <a:latin typeface="Arial"/>
+              </a:rPr>
+              <a:t>OULUVS2: A Multi-View AudioVisual DataBase</a:t>
+            </a:r>
+            <a:endParaRPr/>
+          </a:p>
+          <a:p>
+            <a:pPr>
+              <a:lnSpc>
+                <a:spcPct val="150000"/>
+              </a:lnSpc>
+              <a:buFont typeface="Arial"/>
+              <a:buChar char="•"/>
+            </a:pPr>
+            <a:r>
+              <a:rPr lang="en-US" sz="2000" u="sng">
+                <a:solidFill>
+                  <a:srgbClr val="0000ff"/>
+                </a:solidFill>
+                <a:latin typeface="Arial"/>
+              </a:rPr>
+              <a:t>http://ouluvs2.cse.oulu.fi/index.html</a:t>
+            </a:r>
+            <a:endParaRPr/>
+          </a:p>
+          <a:p>
+            <a:pPr>
+              <a:lnSpc>
+                <a:spcPct val="150000"/>
+              </a:lnSpc>
+              <a:buFont typeface="Arial"/>
+              <a:buChar char="•"/>
+            </a:pPr>
+            <a:r>
+              <a:rPr lang="en-US" sz="2000">
+                <a:solidFill>
+                  <a:srgbClr val="000000"/>
+                </a:solidFill>
+                <a:latin typeface="Arial"/>
+              </a:rPr>
+              <a:t>ACCV2016 WORKSHOP: Multi-View Lip-Reading/Audio-Visual Challenges</a:t>
+            </a:r>
+            <a:endParaRPr/>
+          </a:p>
+        </p:txBody>
+      </p:sp>
       <p:pic>
         <p:nvPicPr>
-          <p:cNvPr id="160" name="그림 5" descr=""/>
+          <p:cNvPr id="157" name="그림 4" descr=""/>
           <p:cNvPicPr/>
           <p:nvPr/>
         </p:nvPicPr>
         <p:blipFill>
           <a:blip r:embed="rId1"/>
-          <a:srcRect l="0" t="880000" r="0" b="0"/>
           <a:stretch>
             <a:fillRect/>
           </a:stretch>
         </p:blipFill>
         <p:spPr>
           <a:xfrm>
-            <a:off x="4846320" y="4752000"/>
-            <a:ext cx="3686040" cy="1716840"/>
+            <a:off x="232920" y="1190520"/>
+            <a:ext cx="8677440" cy="1961640"/>
           </a:xfrm>
           <a:prstGeom prst="rect">
             <a:avLst/>
@@ -9188,7 +9700,7 @@
       </p:pic>
       <p:pic>
         <p:nvPicPr>
-          <p:cNvPr id="161" name="그림 6" descr=""/>
+          <p:cNvPr id="158" name="그림 2" descr=""/>
           <p:cNvPicPr/>
           <p:nvPr/>
         </p:nvPicPr>
@@ -9200,8 +9712,8 @@
         </p:blipFill>
         <p:spPr>
           <a:xfrm>
-            <a:off x="6044040" y="1762560"/>
-            <a:ext cx="2499840" cy="1806840"/>
+            <a:off x="1072440" y="3474720"/>
+            <a:ext cx="6998760" cy="1254600"/>
           </a:xfrm>
           <a:prstGeom prst="rect">
             <a:avLst/>
@@ -9211,234 +9723,35 @@
           </a:ln>
         </p:spPr>
       </p:pic>
-      <p:sp>
-        <p:nvSpPr>
-          <p:cNvPr id="162" name="CustomShape 2"/>
-          <p:cNvSpPr/>
-          <p:nvPr/>
-        </p:nvSpPr>
-        <p:spPr>
-          <a:xfrm>
-            <a:off x="619200" y="1270800"/>
-            <a:ext cx="5574600" cy="4144320"/>
-          </a:xfrm>
-          <a:prstGeom prst="rect">
-            <a:avLst/>
-          </a:prstGeom>
-          <a:noFill/>
-          <a:ln>
-            <a:noFill/>
-          </a:ln>
-        </p:spPr>
-        <p:txBody>
-          <a:bodyPr lIns="90000" rIns="90000" tIns="45000" bIns="45000"/>
-          <a:p>
-            <a:pPr>
-              <a:lnSpc>
-                <a:spcPct val="150000"/>
-              </a:lnSpc>
-              <a:buFont typeface="Arial"/>
-              <a:buChar char="•"/>
-            </a:pPr>
-            <a:r>
-              <a:rPr lang="en-US" sz="2000">
-                <a:solidFill>
-                  <a:srgbClr val="000000"/>
-                </a:solidFill>
-                <a:latin typeface="Arial"/>
-              </a:rPr>
-              <a:t>Recordings</a:t>
-            </a:r>
-            <a:endParaRPr/>
-          </a:p>
-          <a:p>
-            <a:pPr lvl="1">
-              <a:lnSpc>
-                <a:spcPct val="150000"/>
-              </a:lnSpc>
-              <a:buFont typeface="StarSymbol"/>
-              <a:buChar char="-"/>
-            </a:pPr>
-            <a:r>
-              <a:rPr lang="en-US">
-                <a:solidFill>
-                  <a:srgbClr val="000000"/>
-                </a:solidFill>
-                <a:latin typeface="Arial"/>
-              </a:rPr>
-              <a:t>video recordings from </a:t>
-            </a:r>
-            <a:r>
-              <a:rPr b="1" lang="en-US">
-                <a:solidFill>
-                  <a:srgbClr val="000000"/>
-                </a:solidFill>
-                <a:latin typeface="Arial"/>
-              </a:rPr>
-              <a:t>52</a:t>
-            </a:r>
-            <a:r>
-              <a:rPr lang="en-US">
-                <a:solidFill>
-                  <a:srgbClr val="000000"/>
-                </a:solidFill>
-                <a:latin typeface="Arial"/>
-              </a:rPr>
-              <a:t> subjects</a:t>
-            </a:r>
-            <a:endParaRPr/>
-          </a:p>
-          <a:p>
-            <a:pPr lvl="1">
-              <a:lnSpc>
-                <a:spcPct val="150000"/>
-              </a:lnSpc>
-              <a:buFont typeface="StarSymbol"/>
-              <a:buChar char="-"/>
-            </a:pPr>
-            <a:r>
-              <a:rPr lang="en-US">
-                <a:solidFill>
-                  <a:srgbClr val="000000"/>
-                </a:solidFill>
-                <a:latin typeface="Arial"/>
-              </a:rPr>
-              <a:t>from </a:t>
-            </a:r>
-            <a:r>
-              <a:rPr b="1" lang="en-US">
-                <a:solidFill>
-                  <a:srgbClr val="000000"/>
-                </a:solidFill>
-                <a:latin typeface="Arial"/>
-              </a:rPr>
-              <a:t>five</a:t>
-            </a:r>
-            <a:r>
-              <a:rPr lang="en-US">
-                <a:solidFill>
-                  <a:srgbClr val="000000"/>
-                </a:solidFill>
-                <a:latin typeface="Arial"/>
-              </a:rPr>
-              <a:t> different views simultaneously</a:t>
-            </a:r>
-            <a:endParaRPr/>
-          </a:p>
-          <a:p>
-            <a:pPr>
-              <a:lnSpc>
-                <a:spcPct val="150000"/>
-              </a:lnSpc>
-              <a:buFont typeface="Arial"/>
-              <a:buChar char="•"/>
-            </a:pPr>
-            <a:r>
-              <a:rPr lang="en-US" sz="2000">
-                <a:solidFill>
-                  <a:srgbClr val="000000"/>
-                </a:solidFill>
-                <a:latin typeface="Arial"/>
-              </a:rPr>
-              <a:t>Contents</a:t>
-            </a:r>
-            <a:endParaRPr/>
-          </a:p>
-          <a:p>
-            <a:pPr lvl="1">
-              <a:lnSpc>
-                <a:spcPct val="150000"/>
-              </a:lnSpc>
-              <a:buFont typeface="StarSymbol"/>
-              <a:buChar char="-"/>
-            </a:pPr>
-            <a:r>
-              <a:rPr lang="en-US">
-                <a:solidFill>
-                  <a:srgbClr val="000000"/>
-                </a:solidFill>
-                <a:latin typeface="Arial"/>
-              </a:rPr>
-              <a:t>digits : randomly generated ten fixed digit sequences.</a:t>
-            </a:r>
-            <a:endParaRPr/>
-          </a:p>
-          <a:p>
-            <a:pPr lvl="1">
-              <a:lnSpc>
-                <a:spcPct val="150000"/>
-              </a:lnSpc>
-              <a:buFont typeface="StarSymbol"/>
-              <a:buChar char="-"/>
-            </a:pPr>
-            <a:r>
-              <a:rPr lang="en-US">
-                <a:solidFill>
-                  <a:srgbClr val="000000"/>
-                </a:solidFill>
-                <a:latin typeface="Arial"/>
-              </a:rPr>
-              <a:t>phrases: ten daily-use short English phrases</a:t>
-            </a:r>
-            <a:endParaRPr/>
-          </a:p>
-          <a:p>
-            <a:pPr lvl="1">
-              <a:lnSpc>
-                <a:spcPct val="150000"/>
-              </a:lnSpc>
-              <a:buFont typeface="StarSymbol"/>
-              <a:buChar char="-"/>
-            </a:pPr>
-            <a:r>
-              <a:rPr lang="en-US">
-                <a:solidFill>
-                  <a:srgbClr val="000000"/>
-                </a:solidFill>
-                <a:latin typeface="Arial"/>
-              </a:rPr>
-              <a:t>TIMIT sentence: five randomly selected TIMIT sentences</a:t>
-            </a:r>
-            <a:endParaRPr/>
-          </a:p>
-          <a:p>
-            <a:pPr>
-              <a:lnSpc>
-                <a:spcPct val="150000"/>
-              </a:lnSpc>
-            </a:pPr>
-            <a:endParaRPr/>
-          </a:p>
-        </p:txBody>
-      </p:sp>
-      <p:pic>
-        <p:nvPicPr>
-          <p:cNvPr id="163" name="그림 8" descr=""/>
-          <p:cNvPicPr/>
-          <p:nvPr/>
-        </p:nvPicPr>
-        <p:blipFill>
-          <a:blip r:embed="rId3"/>
-          <a:srcRect l="0" t="0" r="0" b="1715813"/>
-          <a:stretch>
-            <a:fillRect/>
-          </a:stretch>
-        </p:blipFill>
-        <p:spPr>
-          <a:xfrm>
-            <a:off x="889560" y="5379480"/>
-            <a:ext cx="3686040" cy="909360"/>
-          </a:xfrm>
-          <a:prstGeom prst="rect">
-            <a:avLst/>
-          </a:prstGeom>
-          <a:ln>
-            <a:noFill/>
-          </a:ln>
-        </p:spPr>
-      </p:pic>
     </p:spTree>
   </p:cSld>
+  <p:timing>
+    <p:tnLst>
+      <p:par>
+        <p:cTn id="15" dur="indefinite" restart="never" nodeType="tmRoot">
+          <p:childTnLst>
+            <p:seq>
+              <p:cTn id="16" nodeType="mainSeq"/>
+              <p:prevCondLst>
+                <p:cond delay="0" evt="onPrev">
+                  <p:tgtEl>
+                    <p:sldTgt/>
+                  </p:tgtEl>
+                </p:cond>
+              </p:prevCondLst>
+              <p:nextCondLst>
+                <p:cond delay="0" evt="onNext">
+                  <p:tgtEl>
+                    <p:sldTgt/>
+                  </p:tgtEl>
+                </p:cond>
+              </p:nextCondLst>
+            </p:seq>
+          </p:childTnLst>
+        </p:cTn>
+      </p:par>
+    </p:tnLst>
+  </p:timing>
 </p:sld>
 </file>
 
